--- a/fdd_jogieglo.pptx
+++ b/fdd_jogieglo.pptx
@@ -14,6 +14,9 @@
     <p:sldId id="260" r:id="rId9"/>
     <p:sldId id="261" r:id="rId10"/>
     <p:sldId id="262" r:id="rId11"/>
+    <p:sldId id="263" r:id="rId12"/>
+    <p:sldId id="264" r:id="rId13"/>
+    <p:sldId id="265" r:id="rId14"/>
   </p:sldIdLst>
   <p:sldSz cx="6858000" cy="5143500"/>
   <p:notesSz cx="7559675" cy="10691812"/>
@@ -4428,16 +4431,7 @@
                 </a:solidFill>
                 <a:latin typeface="Calibri"/>
               </a:rPr>
-              <a:t>Click to edit the outline text </a:t>
-            </a:r>
-            <a:r>
-              <a:rPr b="0" lang="pl-PL" sz="3200" spc="-1" strike="noStrike">
-                <a:solidFill>
-                  <a:srgbClr val="000000"/>
-                </a:solidFill>
-                <a:latin typeface="Calibri"/>
-              </a:rPr>
-              <a:t>format</a:t>
+              <a:t>Click to edit the outline text format</a:t>
             </a:r>
             <a:endParaRPr b="0" lang="pl-PL" sz="3200" spc="-1" strike="noStrike">
               <a:solidFill>
@@ -5266,6 +5260,152 @@
 </p:sld>
 </file>
 
+<file path=ppt/slides/slide10.xml><?xml version="1.0" encoding="utf-8"?>
+<p:sld xmlns:a="http://schemas.openxmlformats.org/drawingml/2006/main" xmlns:p="http://schemas.openxmlformats.org/presentationml/2006/main" xmlns:r="http://schemas.openxmlformats.org/officeDocument/2006/relationships" xmlns:p14="http://schemas.microsoft.com/office/powerpoint/2010/main" xmlns:p15="http://schemas.microsoft.com/office/powerpoint/2012/main" xmlns:mc="http://schemas.openxmlformats.org/markup-compatibility/2006">
+  <p:cSld>
+    <p:spTree>
+      <p:nvGrpSpPr>
+        <p:cNvPr id="1" name=""/>
+        <p:cNvGrpSpPr/>
+        <p:nvPr/>
+      </p:nvGrpSpPr>
+      <p:grpSpPr>
+        <a:xfrm>
+          <a:off x="0" y="0"/>
+          <a:ext cx="0" cy="0"/>
+          <a:chOff x="0" y="0"/>
+          <a:chExt cx="0" cy="0"/>
+        </a:xfrm>
+      </p:grpSpPr>
+      <p:sp>
+        <p:nvSpPr>
+          <p:cNvPr id="136" name="TextShape 1"/>
+          <p:cNvSpPr txBox="1"/>
+          <p:nvPr/>
+        </p:nvSpPr>
+        <p:spPr>
+          <a:xfrm>
+            <a:off x="1295640" y="3579840"/>
+            <a:ext cx="4320000" cy="463680"/>
+          </a:xfrm>
+          <a:prstGeom prst="rect">
+            <a:avLst/>
+          </a:prstGeom>
+          <a:noFill/>
+          <a:ln>
+            <a:noFill/>
+          </a:ln>
+        </p:spPr>
+        <p:txBody>
+          <a:bodyPr anchor="b">
+            <a:normAutofit/>
+          </a:bodyPr>
+          <a:p>
+            <a:endParaRPr b="0" lang="pl-PL" sz="3200" spc="-1" strike="noStrike">
+              <a:solidFill>
+                <a:srgbClr val="000000"/>
+              </a:solidFill>
+              <a:latin typeface="Calibri"/>
+            </a:endParaRPr>
+          </a:p>
+        </p:txBody>
+      </p:sp>
+      <p:sp>
+        <p:nvSpPr>
+          <p:cNvPr id="137" name="TextShape 2"/>
+          <p:cNvSpPr txBox="1"/>
+          <p:nvPr/>
+        </p:nvSpPr>
+        <p:spPr>
+          <a:xfrm>
+            <a:off x="836640" y="2355840"/>
+            <a:ext cx="5184360" cy="1151640"/>
+          </a:xfrm>
+          <a:prstGeom prst="rect">
+            <a:avLst/>
+          </a:prstGeom>
+          <a:noFill/>
+          <a:ln>
+            <a:noFill/>
+          </a:ln>
+        </p:spPr>
+        <p:txBody>
+          <a:bodyPr anchor="ctr"/>
+          <a:p>
+            <a:endParaRPr b="0" lang="pl-PL" sz="1800" spc="-1" strike="noStrike">
+              <a:solidFill>
+                <a:srgbClr val="000000"/>
+              </a:solidFill>
+              <a:latin typeface="Calibri"/>
+            </a:endParaRPr>
+          </a:p>
+        </p:txBody>
+      </p:sp>
+      <p:sp>
+        <p:nvSpPr>
+          <p:cNvPr id="138" name="TextShape 3"/>
+          <p:cNvSpPr txBox="1"/>
+          <p:nvPr/>
+        </p:nvSpPr>
+        <p:spPr>
+          <a:xfrm>
+            <a:off x="1278360" y="4155840"/>
+            <a:ext cx="4320000" cy="333720"/>
+          </a:xfrm>
+          <a:prstGeom prst="rect">
+            <a:avLst/>
+          </a:prstGeom>
+          <a:noFill/>
+          <a:ln>
+            <a:noFill/>
+          </a:ln>
+        </p:spPr>
+        <p:txBody>
+          <a:bodyPr anchor="b">
+            <a:normAutofit/>
+          </a:bodyPr>
+          <a:p>
+            <a:endParaRPr b="0" lang="pl-PL" sz="3200" spc="-1" strike="noStrike">
+              <a:solidFill>
+                <a:srgbClr val="000000"/>
+              </a:solidFill>
+              <a:latin typeface="Calibri"/>
+            </a:endParaRPr>
+          </a:p>
+        </p:txBody>
+      </p:sp>
+    </p:spTree>
+  </p:cSld>
+  <p:timing>
+    <p:tnLst>
+      <p:par>
+        <p:cTn id="19" dur="indefinite" restart="never" nodeType="tmRoot">
+          <p:childTnLst>
+            <p:seq>
+              <p:cTn id="20" dur="indefinite" nodeType="mainSeq"/>
+              <p:prevCondLst>
+                <p:cond delay="0" evt="onPrev">
+                  <p:tgtEl>
+                    <p:sldTgt/>
+                  </p:tgtEl>
+                </p:cond>
+              </p:prevCondLst>
+              <p:nextCondLst>
+                <p:cond delay="0" evt="onNext">
+                  <p:tgtEl>
+                    <p:sldTgt/>
+                  </p:tgtEl>
+                </p:cond>
+              </p:nextCondLst>
+            </p:seq>
+          </p:childTnLst>
+        </p:cTn>
+      </p:par>
+    </p:tnLst>
+  </p:timing>
+</p:sld>
+</file>
+
 <file path=ppt/slides/slide2.xml><?xml version="1.0" encoding="utf-8"?>
 <p:sld xmlns:a="http://schemas.openxmlformats.org/drawingml/2006/main" xmlns:p="http://schemas.openxmlformats.org/presentationml/2006/main" xmlns:r="http://schemas.openxmlformats.org/officeDocument/2006/relationships" xmlns:p14="http://schemas.microsoft.com/office/powerpoint/2010/main" xmlns:p15="http://schemas.microsoft.com/office/powerpoint/2012/main" xmlns:mc="http://schemas.openxmlformats.org/markup-compatibility/2006">
   <p:cSld>
@@ -5616,6 +5756,15 @@
         <p:txBody>
           <a:bodyPr lIns="0" rIns="0" tIns="0" bIns="0" anchor="ctr"/>
           <a:p>
+            <a:r>
+              <a:rPr b="0" lang="pl-PL" sz="1800" spc="-1" strike="noStrike">
+                <a:solidFill>
+                  <a:srgbClr val="000000"/>
+                </a:solidFill>
+                <a:latin typeface="Calibri"/>
+              </a:rPr>
+              <a:t>Implicit flow</a:t>
+            </a:r>
             <a:endParaRPr b="0" lang="pl-PL" sz="1800" spc="-1" strike="noStrike">
               <a:solidFill>
                 <a:srgbClr val="000000"/>
@@ -5728,31 +5877,64 @@
           </a:p>
         </p:txBody>
       </p:sp>
-      <p:pic>
-        <p:nvPicPr>
-          <p:cNvPr id="129" name="" descr=""/>
-          <p:cNvPicPr/>
+      <p:sp>
+        <p:nvSpPr>
+          <p:cNvPr id="129" name="TextShape 2"/>
+          <p:cNvSpPr txBox="1"/>
           <p:nvPr/>
-        </p:nvPicPr>
-        <p:blipFill>
-          <a:blip r:embed="rId1"/>
-          <a:stretch/>
-        </p:blipFill>
-        <p:spPr>
-          <a:xfrm>
-            <a:off x="360" y="1426680"/>
-            <a:ext cx="6857640" cy="3328200"/>
-          </a:xfrm>
-          <a:prstGeom prst="rect">
-            <a:avLst/>
-          </a:prstGeom>
+        </p:nvSpPr>
+        <p:spPr>
+          <a:xfrm>
+            <a:off x="365760" y="1447560"/>
+            <a:ext cx="6217920" cy="3490200"/>
+          </a:xfrm>
+          <a:prstGeom prst="rect">
+            <a:avLst/>
+          </a:prstGeom>
+          <a:noFill/>
           <a:ln>
             <a:noFill/>
           </a:ln>
         </p:spPr>
-      </p:pic>
+        <p:txBody>
+          <a:bodyPr lIns="0" rIns="0" tIns="0" bIns="0" anchor="ctr"/>
+          <a:p>
+            <a:pPr algn="ctr"/>
+            <a:endParaRPr b="0" lang="en-US" sz="3200" spc="-1" strike="noStrike">
+              <a:latin typeface="Arial"/>
+            </a:endParaRPr>
+          </a:p>
+        </p:txBody>
+      </p:sp>
     </p:spTree>
   </p:cSld>
+  <p:timing>
+    <p:tnLst>
+      <p:par>
+        <p:cTn id="11" dur="indefinite" restart="never" nodeType="tmRoot">
+          <p:childTnLst>
+            <p:seq>
+              <p:cTn id="12" dur="indefinite" nodeType="mainSeq"/>
+              <p:prevCondLst>
+                <p:cond delay="0" evt="onPrev">
+                  <p:tgtEl>
+                    <p:sldTgt/>
+                  </p:tgtEl>
+                </p:cond>
+              </p:prevCondLst>
+              <p:nextCondLst>
+                <p:cond delay="0" evt="onNext">
+                  <p:tgtEl>
+                    <p:sldTgt/>
+                  </p:tgtEl>
+                </p:cond>
+              </p:nextCondLst>
+            </p:seq>
+          </p:childTnLst>
+        </p:cTn>
+      </p:par>
+    </p:tnLst>
+  </p:timing>
 </p:sld>
 </file>
 
@@ -5781,8 +5963,8 @@
         </p:nvSpPr>
         <p:spPr>
           <a:xfrm>
-            <a:off x="1295640" y="3579840"/>
-            <a:ext cx="4320000" cy="463680"/>
+            <a:off x="342720" y="205200"/>
+            <a:ext cx="6171840" cy="858600"/>
           </a:xfrm>
           <a:prstGeom prst="rect">
             <a:avLst/>
@@ -5793,92 +5975,350 @@
           </a:ln>
         </p:spPr>
         <p:txBody>
-          <a:bodyPr anchor="b">
-            <a:normAutofit/>
-          </a:bodyPr>
-          <a:p>
-            <a:endParaRPr b="0" lang="pl-PL" sz="3200" spc="-1" strike="noStrike">
-              <a:solidFill>
-                <a:srgbClr val="000000"/>
-              </a:solidFill>
-              <a:latin typeface="Calibri"/>
-            </a:endParaRPr>
-          </a:p>
-        </p:txBody>
-      </p:sp>
-      <p:sp>
-        <p:nvSpPr>
-          <p:cNvPr id="131" name="TextShape 2"/>
-          <p:cNvSpPr txBox="1"/>
+          <a:bodyPr lIns="0" rIns="0" tIns="0" bIns="0" anchor="ctr"/>
+          <a:p>
+            <a:r>
+              <a:rPr b="0" lang="pl-PL" sz="1800" spc="-1" strike="noStrike">
+                <a:solidFill>
+                  <a:srgbClr val="000000"/>
+                </a:solidFill>
+                <a:latin typeface="Calibri"/>
+              </a:rPr>
+              <a:t>Auth code flow</a:t>
+            </a:r>
+            <a:endParaRPr b="0" lang="pl-PL" sz="1800" spc="-1" strike="noStrike">
+              <a:solidFill>
+                <a:srgbClr val="000000"/>
+              </a:solidFill>
+              <a:latin typeface="Calibri"/>
+            </a:endParaRPr>
+          </a:p>
+        </p:txBody>
+      </p:sp>
+      <p:pic>
+        <p:nvPicPr>
+          <p:cNvPr id="131" name="" descr=""/>
+          <p:cNvPicPr/>
           <p:nvPr/>
-        </p:nvSpPr>
-        <p:spPr>
-          <a:xfrm>
-            <a:off x="836640" y="2355840"/>
-            <a:ext cx="5184360" cy="1151640"/>
-          </a:xfrm>
-          <a:prstGeom prst="rect">
-            <a:avLst/>
-          </a:prstGeom>
-          <a:noFill/>
+        </p:nvPicPr>
+        <p:blipFill>
+          <a:blip r:embed="rId1"/>
+          <a:stretch/>
+        </p:blipFill>
+        <p:spPr>
+          <a:xfrm>
+            <a:off x="360" y="1426680"/>
+            <a:ext cx="6857640" cy="3328200"/>
+          </a:xfrm>
+          <a:prstGeom prst="rect">
+            <a:avLst/>
+          </a:prstGeom>
           <a:ln>
             <a:noFill/>
           </a:ln>
         </p:spPr>
-        <p:txBody>
-          <a:bodyPr anchor="ctr"/>
-          <a:p>
-            <a:endParaRPr b="0" lang="pl-PL" sz="1800" spc="-1" strike="noStrike">
-              <a:solidFill>
-                <a:srgbClr val="000000"/>
-              </a:solidFill>
-              <a:latin typeface="Calibri"/>
-            </a:endParaRPr>
-          </a:p>
-        </p:txBody>
-      </p:sp>
-      <p:sp>
-        <p:nvSpPr>
-          <p:cNvPr id="132" name="TextShape 3"/>
-          <p:cNvSpPr txBox="1"/>
-          <p:nvPr/>
-        </p:nvSpPr>
-        <p:spPr>
-          <a:xfrm>
-            <a:off x="1278360" y="4155840"/>
-            <a:ext cx="4320000" cy="333720"/>
-          </a:xfrm>
-          <a:prstGeom prst="rect">
-            <a:avLst/>
-          </a:prstGeom>
-          <a:noFill/>
-          <a:ln>
-            <a:noFill/>
-          </a:ln>
-        </p:spPr>
-        <p:txBody>
-          <a:bodyPr anchor="b">
-            <a:normAutofit/>
-          </a:bodyPr>
-          <a:p>
-            <a:endParaRPr b="0" lang="pl-PL" sz="3200" spc="-1" strike="noStrike">
-              <a:solidFill>
-                <a:srgbClr val="000000"/>
-              </a:solidFill>
-              <a:latin typeface="Calibri"/>
-            </a:endParaRPr>
-          </a:p>
-        </p:txBody>
-      </p:sp>
+      </p:pic>
     </p:spTree>
   </p:cSld>
   <p:timing>
     <p:tnLst>
       <p:par>
-        <p:cTn id="11" dur="indefinite" restart="never" nodeType="tmRoot">
+        <p:cTn id="13" dur="indefinite" restart="never" nodeType="tmRoot">
           <p:childTnLst>
             <p:seq>
-              <p:cTn id="12" dur="indefinite" nodeType="mainSeq"/>
+              <p:cTn id="14" dur="indefinite" nodeType="mainSeq"/>
+              <p:prevCondLst>
+                <p:cond delay="0" evt="onPrev">
+                  <p:tgtEl>
+                    <p:sldTgt/>
+                  </p:tgtEl>
+                </p:cond>
+              </p:prevCondLst>
+              <p:nextCondLst>
+                <p:cond delay="0" evt="onNext">
+                  <p:tgtEl>
+                    <p:sldTgt/>
+                  </p:tgtEl>
+                </p:cond>
+              </p:nextCondLst>
+            </p:seq>
+          </p:childTnLst>
+        </p:cTn>
+      </p:par>
+    </p:tnLst>
+  </p:timing>
+</p:sld>
+</file>
+
+<file path=ppt/slides/slide8.xml><?xml version="1.0" encoding="utf-8"?>
+<p:sld xmlns:a="http://schemas.openxmlformats.org/drawingml/2006/main" xmlns:p="http://schemas.openxmlformats.org/presentationml/2006/main" xmlns:r="http://schemas.openxmlformats.org/officeDocument/2006/relationships" xmlns:p14="http://schemas.microsoft.com/office/powerpoint/2010/main" xmlns:p15="http://schemas.microsoft.com/office/powerpoint/2012/main" xmlns:mc="http://schemas.openxmlformats.org/markup-compatibility/2006">
+  <p:cSld>
+    <p:spTree>
+      <p:nvGrpSpPr>
+        <p:cNvPr id="1" name=""/>
+        <p:cNvGrpSpPr/>
+        <p:nvPr/>
+      </p:nvGrpSpPr>
+      <p:grpSpPr>
+        <a:xfrm>
+          <a:off x="0" y="0"/>
+          <a:ext cx="0" cy="0"/>
+          <a:chOff x="0" y="0"/>
+          <a:chExt cx="0" cy="0"/>
+        </a:xfrm>
+      </p:grpSpPr>
+      <p:sp>
+        <p:nvSpPr>
+          <p:cNvPr id="132" name="TextShape 1"/>
+          <p:cNvSpPr txBox="1"/>
+          <p:nvPr/>
+        </p:nvSpPr>
+        <p:spPr>
+          <a:xfrm>
+            <a:off x="342720" y="205200"/>
+            <a:ext cx="6171840" cy="858600"/>
+          </a:xfrm>
+          <a:prstGeom prst="rect">
+            <a:avLst/>
+          </a:prstGeom>
+          <a:noFill/>
+          <a:ln>
+            <a:noFill/>
+          </a:ln>
+        </p:spPr>
+        <p:txBody>
+          <a:bodyPr lIns="0" rIns="0" tIns="0" bIns="0" anchor="ctr"/>
+          <a:p>
+            <a:endParaRPr b="0" lang="pl-PL" sz="1800" spc="-1" strike="noStrike">
+              <a:solidFill>
+                <a:srgbClr val="000000"/>
+              </a:solidFill>
+              <a:latin typeface="Calibri"/>
+            </a:endParaRPr>
+          </a:p>
+        </p:txBody>
+      </p:sp>
+      <p:sp>
+        <p:nvSpPr>
+          <p:cNvPr id="133" name="TextShape 2"/>
+          <p:cNvSpPr txBox="1"/>
+          <p:nvPr/>
+        </p:nvSpPr>
+        <p:spPr>
+          <a:xfrm>
+            <a:off x="373680" y="1448640"/>
+            <a:ext cx="6118560" cy="3397680"/>
+          </a:xfrm>
+          <a:prstGeom prst="rect">
+            <a:avLst/>
+          </a:prstGeom>
+          <a:noFill/>
+          <a:ln>
+            <a:noFill/>
+          </a:ln>
+        </p:spPr>
+        <p:txBody>
+          <a:bodyPr lIns="0" rIns="0" tIns="0" bIns="0">
+            <a:normAutofit/>
+          </a:bodyPr>
+          <a:p>
+            <a:pPr marL="432000" indent="-324000">
+              <a:spcBef>
+                <a:spcPts val="1417"/>
+              </a:spcBef>
+              <a:buClr>
+                <a:srgbClr val="000000"/>
+              </a:buClr>
+              <a:buSzPct val="45000"/>
+              <a:buFont typeface="Wingdings" charset="2"/>
+              <a:buChar char=""/>
+            </a:pPr>
+            <a:r>
+              <a:rPr b="0" lang="pl-PL" sz="3200" spc="-1" strike="noStrike">
+                <a:solidFill>
+                  <a:srgbClr val="000000"/>
+                </a:solidFill>
+                <a:latin typeface="Calibri"/>
+              </a:rPr>
+              <a:t>client_secret i token niewidoczne dla użytkownika</a:t>
+            </a:r>
+            <a:endParaRPr b="0" lang="pl-PL" sz="3200" spc="-1" strike="noStrike">
+              <a:solidFill>
+                <a:srgbClr val="000000"/>
+              </a:solidFill>
+              <a:latin typeface="Calibri"/>
+            </a:endParaRPr>
+          </a:p>
+          <a:p>
+            <a:pPr marL="432000" indent="-324000">
+              <a:spcBef>
+                <a:spcPts val="1417"/>
+              </a:spcBef>
+              <a:buClr>
+                <a:srgbClr val="000000"/>
+              </a:buClr>
+              <a:buSzPct val="45000"/>
+              <a:buFont typeface="Wingdings" charset="2"/>
+              <a:buChar char=""/>
+            </a:pPr>
+            <a:r>
+              <a:rPr b="0" lang="pl-PL" sz="3200" spc="-1" strike="noStrike">
+                <a:solidFill>
+                  <a:srgbClr val="000000"/>
+                </a:solidFill>
+                <a:latin typeface="Calibri"/>
+              </a:rPr>
+              <a:t>Zapobiega różnym atakom (wynikającym ze złej implementacji) (confused deputy problem)</a:t>
+            </a:r>
+            <a:endParaRPr b="0" lang="pl-PL" sz="3200" spc="-1" strike="noStrike">
+              <a:solidFill>
+                <a:srgbClr val="000000"/>
+              </a:solidFill>
+              <a:latin typeface="Calibri"/>
+            </a:endParaRPr>
+          </a:p>
+        </p:txBody>
+      </p:sp>
+    </p:spTree>
+  </p:cSld>
+  <p:timing>
+    <p:tnLst>
+      <p:par>
+        <p:cTn id="15" dur="indefinite" restart="never" nodeType="tmRoot">
+          <p:childTnLst>
+            <p:seq>
+              <p:cTn id="16" dur="indefinite" nodeType="mainSeq"/>
+              <p:prevCondLst>
+                <p:cond delay="0" evt="onPrev">
+                  <p:tgtEl>
+                    <p:sldTgt/>
+                  </p:tgtEl>
+                </p:cond>
+              </p:prevCondLst>
+              <p:nextCondLst>
+                <p:cond delay="0" evt="onNext">
+                  <p:tgtEl>
+                    <p:sldTgt/>
+                  </p:tgtEl>
+                </p:cond>
+              </p:nextCondLst>
+            </p:seq>
+          </p:childTnLst>
+        </p:cTn>
+      </p:par>
+    </p:tnLst>
+  </p:timing>
+</p:sld>
+</file>
+
+<file path=ppt/slides/slide9.xml><?xml version="1.0" encoding="utf-8"?>
+<p:sld xmlns:a="http://schemas.openxmlformats.org/drawingml/2006/main" xmlns:p="http://schemas.openxmlformats.org/presentationml/2006/main" xmlns:r="http://schemas.openxmlformats.org/officeDocument/2006/relationships" xmlns:p14="http://schemas.microsoft.com/office/powerpoint/2010/main" xmlns:p15="http://schemas.microsoft.com/office/powerpoint/2012/main" xmlns:mc="http://schemas.openxmlformats.org/markup-compatibility/2006">
+  <p:cSld>
+    <p:spTree>
+      <p:nvGrpSpPr>
+        <p:cNvPr id="1" name=""/>
+        <p:cNvGrpSpPr/>
+        <p:nvPr/>
+      </p:nvGrpSpPr>
+      <p:grpSpPr>
+        <a:xfrm>
+          <a:off x="0" y="0"/>
+          <a:ext cx="0" cy="0"/>
+          <a:chOff x="0" y="0"/>
+          <a:chExt cx="0" cy="0"/>
+        </a:xfrm>
+      </p:grpSpPr>
+      <p:sp>
+        <p:nvSpPr>
+          <p:cNvPr id="134" name="TextShape 1"/>
+          <p:cNvSpPr txBox="1"/>
+          <p:nvPr/>
+        </p:nvSpPr>
+        <p:spPr>
+          <a:xfrm>
+            <a:off x="342720" y="205200"/>
+            <a:ext cx="6171840" cy="858600"/>
+          </a:xfrm>
+          <a:prstGeom prst="rect">
+            <a:avLst/>
+          </a:prstGeom>
+          <a:noFill/>
+          <a:ln>
+            <a:noFill/>
+          </a:ln>
+        </p:spPr>
+        <p:txBody>
+          <a:bodyPr lIns="0" rIns="0" tIns="0" bIns="0" anchor="ctr"/>
+          <a:p>
+            <a:r>
+              <a:rPr b="0" lang="pl-PL" sz="1800" spc="-1" strike="noStrike">
+                <a:solidFill>
+                  <a:srgbClr val="000000"/>
+                </a:solidFill>
+                <a:latin typeface="Calibri"/>
+              </a:rPr>
+              <a:t>Zagrożenia</a:t>
+            </a:r>
+            <a:endParaRPr b="0" lang="pl-PL" sz="1800" spc="-1" strike="noStrike">
+              <a:solidFill>
+                <a:srgbClr val="000000"/>
+              </a:solidFill>
+              <a:latin typeface="Calibri"/>
+            </a:endParaRPr>
+          </a:p>
+        </p:txBody>
+      </p:sp>
+      <p:sp>
+        <p:nvSpPr>
+          <p:cNvPr id="135" name="TextShape 2"/>
+          <p:cNvSpPr txBox="1"/>
+          <p:nvPr/>
+        </p:nvSpPr>
+        <p:spPr>
+          <a:xfrm>
+            <a:off x="420480" y="2171520"/>
+            <a:ext cx="5980320" cy="762120"/>
+          </a:xfrm>
+          <a:prstGeom prst="rect">
+            <a:avLst/>
+          </a:prstGeom>
+          <a:noFill/>
+          <a:ln>
+            <a:noFill/>
+          </a:ln>
+        </p:spPr>
+        <p:txBody>
+          <a:bodyPr lIns="0" rIns="0" tIns="0" bIns="0" anchor="ctr"/>
+          <a:p>
+            <a:pPr algn="ctr"/>
+            <a:r>
+              <a:rPr b="0" lang="en-US" sz="3200" spc="-1" strike="noStrike">
+                <a:latin typeface="Arial"/>
+                <a:hlinkClick r:id="rId1"/>
+              </a:rPr>
+              <a:t>https://tools.ietf.org/html/rfc6819</a:t>
+            </a:r>
+            <a:endParaRPr b="0" lang="en-US" sz="3200" spc="-1" strike="noStrike">
+              <a:latin typeface="Arial"/>
+            </a:endParaRPr>
+          </a:p>
+          <a:p>
+            <a:pPr algn="ctr"/>
+            <a:endParaRPr b="0" lang="en-US" sz="3200" spc="-1" strike="noStrike">
+              <a:latin typeface="Arial"/>
+            </a:endParaRPr>
+          </a:p>
+        </p:txBody>
+      </p:sp>
+    </p:spTree>
+  </p:cSld>
+  <p:timing>
+    <p:tnLst>
+      <p:par>
+        <p:cTn id="17" dur="indefinite" restart="never" nodeType="tmRoot">
+          <p:childTnLst>
+            <p:seq>
+              <p:cTn id="18" dur="indefinite" nodeType="mainSeq"/>
               <p:prevCondLst>
                 <p:cond delay="0" evt="onPrev">
                   <p:tgtEl>

--- a/fdd_jogieglo.pptx
+++ b/fdd_jogieglo.pptx
@@ -1,30 +1,129 @@
 
 <file path=ppt/presentation.xml><?xml version="1.0" encoding="utf-8"?>
-<p:presentation xmlns:a="http://schemas.openxmlformats.org/drawingml/2006/main" xmlns:p="http://schemas.openxmlformats.org/presentationml/2006/main" xmlns:r="http://schemas.openxmlformats.org/officeDocument/2006/relationships" xmlns:p14="http://schemas.microsoft.com/office/powerpoint/2010/main" xmlns:p15="http://schemas.microsoft.com/office/powerpoint/2012/main" xmlns:mc="http://schemas.openxmlformats.org/markup-compatibility/2006">
+<p:presentation xmlns:a="http://schemas.openxmlformats.org/drawingml/2006/main" xmlns:r="http://schemas.openxmlformats.org/officeDocument/2006/relationships" xmlns:p="http://schemas.openxmlformats.org/presentationml/2006/main">
   <p:sldMasterIdLst>
-    <p:sldMasterId id="2147483648" r:id="rId2"/>
-    <p:sldMasterId id="2147483661" r:id="rId3"/>
-    <p:sldMasterId id="2147483674" r:id="rId4"/>
+    <p:sldMasterId id="2147483648" r:id="rId1"/>
+    <p:sldMasterId id="2147483661" r:id="rId2"/>
+    <p:sldMasterId id="2147483674" r:id="rId3"/>
   </p:sldMasterIdLst>
   <p:sldIdLst>
-    <p:sldId id="256" r:id="rId5"/>
-    <p:sldId id="257" r:id="rId6"/>
-    <p:sldId id="258" r:id="rId7"/>
-    <p:sldId id="259" r:id="rId8"/>
-    <p:sldId id="260" r:id="rId9"/>
-    <p:sldId id="261" r:id="rId10"/>
-    <p:sldId id="262" r:id="rId11"/>
-    <p:sldId id="263" r:id="rId12"/>
-    <p:sldId id="264" r:id="rId13"/>
-    <p:sldId id="265" r:id="rId14"/>
+    <p:sldId id="256" r:id="rId4"/>
+    <p:sldId id="269" r:id="rId5"/>
+    <p:sldId id="267" r:id="rId6"/>
+    <p:sldId id="268" r:id="rId7"/>
+    <p:sldId id="257" r:id="rId8"/>
+    <p:sldId id="270" r:id="rId9"/>
+    <p:sldId id="258" r:id="rId10"/>
+    <p:sldId id="259" r:id="rId11"/>
+    <p:sldId id="260" r:id="rId12"/>
+    <p:sldId id="262" r:id="rId13"/>
+    <p:sldId id="263" r:id="rId14"/>
+    <p:sldId id="266" r:id="rId15"/>
+    <p:sldId id="264" r:id="rId16"/>
+    <p:sldId id="265" r:id="rId17"/>
   </p:sldIdLst>
   <p:sldSz cx="6858000" cy="5143500"/>
-  <p:notesSz cx="7559675" cy="10691812"/>
+  <p:notesSz cx="7559675" cy="10691813"/>
+  <p:defaultTextStyle>
+    <a:defPPr>
+      <a:defRPr lang="pl-PL"/>
+    </a:defPPr>
+    <a:lvl1pPr marL="0" algn="l" defTabSz="914400" rtl="0" eaLnBrk="1" latinLnBrk="0" hangingPunct="1">
+      <a:defRPr sz="1800" kern="1200">
+        <a:solidFill>
+          <a:schemeClr val="tx1"/>
+        </a:solidFill>
+        <a:latin typeface="+mn-lt"/>
+        <a:ea typeface="+mn-ea"/>
+        <a:cs typeface="+mn-cs"/>
+      </a:defRPr>
+    </a:lvl1pPr>
+    <a:lvl2pPr marL="457200" algn="l" defTabSz="914400" rtl="0" eaLnBrk="1" latinLnBrk="0" hangingPunct="1">
+      <a:defRPr sz="1800" kern="1200">
+        <a:solidFill>
+          <a:schemeClr val="tx1"/>
+        </a:solidFill>
+        <a:latin typeface="+mn-lt"/>
+        <a:ea typeface="+mn-ea"/>
+        <a:cs typeface="+mn-cs"/>
+      </a:defRPr>
+    </a:lvl2pPr>
+    <a:lvl3pPr marL="914400" algn="l" defTabSz="914400" rtl="0" eaLnBrk="1" latinLnBrk="0" hangingPunct="1">
+      <a:defRPr sz="1800" kern="1200">
+        <a:solidFill>
+          <a:schemeClr val="tx1"/>
+        </a:solidFill>
+        <a:latin typeface="+mn-lt"/>
+        <a:ea typeface="+mn-ea"/>
+        <a:cs typeface="+mn-cs"/>
+      </a:defRPr>
+    </a:lvl3pPr>
+    <a:lvl4pPr marL="1371600" algn="l" defTabSz="914400" rtl="0" eaLnBrk="1" latinLnBrk="0" hangingPunct="1">
+      <a:defRPr sz="1800" kern="1200">
+        <a:solidFill>
+          <a:schemeClr val="tx1"/>
+        </a:solidFill>
+        <a:latin typeface="+mn-lt"/>
+        <a:ea typeface="+mn-ea"/>
+        <a:cs typeface="+mn-cs"/>
+      </a:defRPr>
+    </a:lvl4pPr>
+    <a:lvl5pPr marL="1828800" algn="l" defTabSz="914400" rtl="0" eaLnBrk="1" latinLnBrk="0" hangingPunct="1">
+      <a:defRPr sz="1800" kern="1200">
+        <a:solidFill>
+          <a:schemeClr val="tx1"/>
+        </a:solidFill>
+        <a:latin typeface="+mn-lt"/>
+        <a:ea typeface="+mn-ea"/>
+        <a:cs typeface="+mn-cs"/>
+      </a:defRPr>
+    </a:lvl5pPr>
+    <a:lvl6pPr marL="2286000" algn="l" defTabSz="914400" rtl="0" eaLnBrk="1" latinLnBrk="0" hangingPunct="1">
+      <a:defRPr sz="1800" kern="1200">
+        <a:solidFill>
+          <a:schemeClr val="tx1"/>
+        </a:solidFill>
+        <a:latin typeface="+mn-lt"/>
+        <a:ea typeface="+mn-ea"/>
+        <a:cs typeface="+mn-cs"/>
+      </a:defRPr>
+    </a:lvl6pPr>
+    <a:lvl7pPr marL="2743200" algn="l" defTabSz="914400" rtl="0" eaLnBrk="1" latinLnBrk="0" hangingPunct="1">
+      <a:defRPr sz="1800" kern="1200">
+        <a:solidFill>
+          <a:schemeClr val="tx1"/>
+        </a:solidFill>
+        <a:latin typeface="+mn-lt"/>
+        <a:ea typeface="+mn-ea"/>
+        <a:cs typeface="+mn-cs"/>
+      </a:defRPr>
+    </a:lvl7pPr>
+    <a:lvl8pPr marL="3200400" algn="l" defTabSz="914400" rtl="0" eaLnBrk="1" latinLnBrk="0" hangingPunct="1">
+      <a:defRPr sz="1800" kern="1200">
+        <a:solidFill>
+          <a:schemeClr val="tx1"/>
+        </a:solidFill>
+        <a:latin typeface="+mn-lt"/>
+        <a:ea typeface="+mn-ea"/>
+        <a:cs typeface="+mn-cs"/>
+      </a:defRPr>
+    </a:lvl8pPr>
+    <a:lvl9pPr marL="3657600" algn="l" defTabSz="914400" rtl="0" eaLnBrk="1" latinLnBrk="0" hangingPunct="1">
+      <a:defRPr sz="1800" kern="1200">
+        <a:solidFill>
+          <a:schemeClr val="tx1"/>
+        </a:solidFill>
+        <a:latin typeface="+mn-lt"/>
+        <a:ea typeface="+mn-ea"/>
+        <a:cs typeface="+mn-cs"/>
+      </a:defRPr>
+    </a:lvl9pPr>
+  </p:defaultTextStyle>
 </p:presentation>
 </file>
 
 <file path=ppt/slideLayouts/slideLayout1.xml><?xml version="1.0" encoding="utf-8"?>
-<p:sldLayout xmlns:a="http://schemas.openxmlformats.org/drawingml/2006/main" xmlns:p="http://schemas.openxmlformats.org/presentationml/2006/main" xmlns:r="http://schemas.openxmlformats.org/officeDocument/2006/relationships" xmlns:p14="http://schemas.microsoft.com/office/powerpoint/2010/main" xmlns:p15="http://schemas.microsoft.com/office/powerpoint/2012/main" xmlns:mc="http://schemas.openxmlformats.org/markup-compatibility/2006" type="blank" preserve="1">
+<p:sldLayout xmlns:a="http://schemas.openxmlformats.org/drawingml/2006/main" xmlns:r="http://schemas.openxmlformats.org/officeDocument/2006/relationships" xmlns:p="http://schemas.openxmlformats.org/presentationml/2006/main" type="blank" preserve="1">
   <p:cSld name="Blank Slide">
     <p:spTree>
       <p:nvGrpSpPr>
@@ -42,11 +141,14 @@
       </p:grpSpPr>
     </p:spTree>
   </p:cSld>
+  <p:clrMapOvr>
+    <a:masterClrMapping/>
+  </p:clrMapOvr>
 </p:sldLayout>
 </file>
 
 <file path=ppt/slideLayouts/slideLayout10.xml><?xml version="1.0" encoding="utf-8"?>
-<p:sldLayout xmlns:a="http://schemas.openxmlformats.org/drawingml/2006/main" xmlns:p="http://schemas.openxmlformats.org/presentationml/2006/main" xmlns:r="http://schemas.openxmlformats.org/officeDocument/2006/relationships" xmlns:p14="http://schemas.microsoft.com/office/powerpoint/2010/main" xmlns:p15="http://schemas.microsoft.com/office/powerpoint/2012/main" xmlns:mc="http://schemas.openxmlformats.org/markup-compatibility/2006" type="objOverTx" preserve="1">
+<p:sldLayout xmlns:a="http://schemas.openxmlformats.org/drawingml/2006/main" xmlns:r="http://schemas.openxmlformats.org/officeDocument/2006/relationships" xmlns:p="http://schemas.openxmlformats.org/presentationml/2006/main" type="objOverTx" preserve="1">
   <p:cSld name="Title, Content over Content">
     <p:spTree>
       <p:nvGrpSpPr>
@@ -82,9 +184,10 @@
           </a:prstGeom>
         </p:spPr>
         <p:txBody>
-          <a:bodyPr lIns="0" rIns="0" tIns="0" bIns="0" anchor="ctr"/>
-          <a:p>
-            <a:endParaRPr b="0" lang="pl-PL" sz="1800" spc="-1" strike="noStrike">
+          <a:bodyPr lIns="0" tIns="0" rIns="0" bIns="0" anchor="ctr"/>
+          <a:lstStyle/>
+          <a:p>
+            <a:endParaRPr lang="pl-PL" sz="1800" b="0" strike="noStrike" spc="-1">
               <a:solidFill>
                 <a:srgbClr val="000000"/>
               </a:solidFill>
@@ -113,11 +216,12 @@
           </a:prstGeom>
         </p:spPr>
         <p:txBody>
-          <a:bodyPr lIns="0" rIns="0" tIns="0" bIns="0">
+          <a:bodyPr lIns="0" tIns="0" rIns="0" bIns="0">
             <a:normAutofit/>
           </a:bodyPr>
-          <a:p>
-            <a:endParaRPr b="0" lang="pl-PL" sz="3200" spc="-1" strike="noStrike">
+          <a:lstStyle/>
+          <a:p>
+            <a:endParaRPr lang="pl-PL" sz="3200" b="0" strike="noStrike" spc="-1">
               <a:solidFill>
                 <a:srgbClr val="000000"/>
               </a:solidFill>
@@ -146,11 +250,12 @@
           </a:prstGeom>
         </p:spPr>
         <p:txBody>
-          <a:bodyPr lIns="0" rIns="0" tIns="0" bIns="0">
+          <a:bodyPr lIns="0" tIns="0" rIns="0" bIns="0">
             <a:normAutofit/>
           </a:bodyPr>
-          <a:p>
-            <a:endParaRPr b="0" lang="pl-PL" sz="3200" spc="-1" strike="noStrike">
+          <a:lstStyle/>
+          <a:p>
+            <a:endParaRPr lang="pl-PL" sz="3200" b="0" strike="noStrike" spc="-1">
               <a:solidFill>
                 <a:srgbClr val="000000"/>
               </a:solidFill>
@@ -161,11 +266,14 @@
       </p:sp>
     </p:spTree>
   </p:cSld>
+  <p:clrMapOvr>
+    <a:masterClrMapping/>
+  </p:clrMapOvr>
 </p:sldLayout>
 </file>
 
 <file path=ppt/slideLayouts/slideLayout11.xml><?xml version="1.0" encoding="utf-8"?>
-<p:sldLayout xmlns:a="http://schemas.openxmlformats.org/drawingml/2006/main" xmlns:p="http://schemas.openxmlformats.org/presentationml/2006/main" xmlns:r="http://schemas.openxmlformats.org/officeDocument/2006/relationships" xmlns:p14="http://schemas.microsoft.com/office/powerpoint/2010/main" xmlns:p15="http://schemas.microsoft.com/office/powerpoint/2012/main" xmlns:mc="http://schemas.openxmlformats.org/markup-compatibility/2006" type="fourObj" preserve="1">
+<p:sldLayout xmlns:a="http://schemas.openxmlformats.org/drawingml/2006/main" xmlns:r="http://schemas.openxmlformats.org/officeDocument/2006/relationships" xmlns:p="http://schemas.openxmlformats.org/presentationml/2006/main" type="fourObj" preserve="1">
   <p:cSld name="Title, 4 Content">
     <p:spTree>
       <p:nvGrpSpPr>
@@ -201,9 +309,10 @@
           </a:prstGeom>
         </p:spPr>
         <p:txBody>
-          <a:bodyPr lIns="0" rIns="0" tIns="0" bIns="0" anchor="ctr"/>
-          <a:p>
-            <a:endParaRPr b="0" lang="pl-PL" sz="1800" spc="-1" strike="noStrike">
+          <a:bodyPr lIns="0" tIns="0" rIns="0" bIns="0" anchor="ctr"/>
+          <a:lstStyle/>
+          <a:p>
+            <a:endParaRPr lang="pl-PL" sz="1800" b="0" strike="noStrike" spc="-1">
               <a:solidFill>
                 <a:srgbClr val="000000"/>
               </a:solidFill>
@@ -232,11 +341,12 @@
           </a:prstGeom>
         </p:spPr>
         <p:txBody>
-          <a:bodyPr lIns="0" rIns="0" tIns="0" bIns="0">
+          <a:bodyPr lIns="0" tIns="0" rIns="0" bIns="0">
             <a:normAutofit/>
           </a:bodyPr>
-          <a:p>
-            <a:endParaRPr b="0" lang="pl-PL" sz="3200" spc="-1" strike="noStrike">
+          <a:lstStyle/>
+          <a:p>
+            <a:endParaRPr lang="pl-PL" sz="3200" b="0" strike="noStrike" spc="-1">
               <a:solidFill>
                 <a:srgbClr val="000000"/>
               </a:solidFill>
@@ -265,11 +375,12 @@
           </a:prstGeom>
         </p:spPr>
         <p:txBody>
-          <a:bodyPr lIns="0" rIns="0" tIns="0" bIns="0">
+          <a:bodyPr lIns="0" tIns="0" rIns="0" bIns="0">
             <a:normAutofit/>
           </a:bodyPr>
-          <a:p>
-            <a:endParaRPr b="0" lang="pl-PL" sz="3200" spc="-1" strike="noStrike">
+          <a:lstStyle/>
+          <a:p>
+            <a:endParaRPr lang="pl-PL" sz="3200" b="0" strike="noStrike" spc="-1">
               <a:solidFill>
                 <a:srgbClr val="000000"/>
               </a:solidFill>
@@ -298,11 +409,12 @@
           </a:prstGeom>
         </p:spPr>
         <p:txBody>
-          <a:bodyPr lIns="0" rIns="0" tIns="0" bIns="0">
+          <a:bodyPr lIns="0" tIns="0" rIns="0" bIns="0">
             <a:normAutofit/>
           </a:bodyPr>
-          <a:p>
-            <a:endParaRPr b="0" lang="pl-PL" sz="3200" spc="-1" strike="noStrike">
+          <a:lstStyle/>
+          <a:p>
+            <a:endParaRPr lang="pl-PL" sz="3200" b="0" strike="noStrike" spc="-1">
               <a:solidFill>
                 <a:srgbClr val="000000"/>
               </a:solidFill>
@@ -331,11 +443,12 @@
           </a:prstGeom>
         </p:spPr>
         <p:txBody>
-          <a:bodyPr lIns="0" rIns="0" tIns="0" bIns="0">
+          <a:bodyPr lIns="0" tIns="0" rIns="0" bIns="0">
             <a:normAutofit/>
           </a:bodyPr>
-          <a:p>
-            <a:endParaRPr b="0" lang="pl-PL" sz="3200" spc="-1" strike="noStrike">
+          <a:lstStyle/>
+          <a:p>
+            <a:endParaRPr lang="pl-PL" sz="3200" b="0" strike="noStrike" spc="-1">
               <a:solidFill>
                 <a:srgbClr val="000000"/>
               </a:solidFill>
@@ -346,11 +459,14 @@
       </p:sp>
     </p:spTree>
   </p:cSld>
+  <p:clrMapOvr>
+    <a:masterClrMapping/>
+  </p:clrMapOvr>
 </p:sldLayout>
 </file>
 
 <file path=ppt/slideLayouts/slideLayout12.xml><?xml version="1.0" encoding="utf-8"?>
-<p:sldLayout xmlns:a="http://schemas.openxmlformats.org/drawingml/2006/main" xmlns:p="http://schemas.openxmlformats.org/presentationml/2006/main" xmlns:r="http://schemas.openxmlformats.org/officeDocument/2006/relationships" xmlns:p14="http://schemas.microsoft.com/office/powerpoint/2010/main" xmlns:p15="http://schemas.microsoft.com/office/powerpoint/2012/main" xmlns:mc="http://schemas.openxmlformats.org/markup-compatibility/2006" type="blank" preserve="1">
+<p:sldLayout xmlns:a="http://schemas.openxmlformats.org/drawingml/2006/main" xmlns:r="http://schemas.openxmlformats.org/officeDocument/2006/relationships" xmlns:p="http://schemas.openxmlformats.org/presentationml/2006/main" type="blank" preserve="1">
   <p:cSld name="Title, 6 Content">
     <p:spTree>
       <p:nvGrpSpPr>
@@ -386,9 +502,10 @@
           </a:prstGeom>
         </p:spPr>
         <p:txBody>
-          <a:bodyPr lIns="0" rIns="0" tIns="0" bIns="0" anchor="ctr"/>
-          <a:p>
-            <a:endParaRPr b="0" lang="pl-PL" sz="1800" spc="-1" strike="noStrike">
+          <a:bodyPr lIns="0" tIns="0" rIns="0" bIns="0" anchor="ctr"/>
+          <a:lstStyle/>
+          <a:p>
+            <a:endParaRPr lang="pl-PL" sz="1800" b="0" strike="noStrike" spc="-1">
               <a:solidFill>
                 <a:srgbClr val="000000"/>
               </a:solidFill>
@@ -417,11 +534,12 @@
           </a:prstGeom>
         </p:spPr>
         <p:txBody>
-          <a:bodyPr lIns="0" rIns="0" tIns="0" bIns="0">
+          <a:bodyPr lIns="0" tIns="0" rIns="0" bIns="0">
             <a:normAutofit/>
           </a:bodyPr>
-          <a:p>
-            <a:endParaRPr b="0" lang="pl-PL" sz="3200" spc="-1" strike="noStrike">
+          <a:lstStyle/>
+          <a:p>
+            <a:endParaRPr lang="pl-PL" sz="3200" b="0" strike="noStrike" spc="-1">
               <a:solidFill>
                 <a:srgbClr val="000000"/>
               </a:solidFill>
@@ -450,11 +568,12 @@
           </a:prstGeom>
         </p:spPr>
         <p:txBody>
-          <a:bodyPr lIns="0" rIns="0" tIns="0" bIns="0">
+          <a:bodyPr lIns="0" tIns="0" rIns="0" bIns="0">
             <a:normAutofit/>
           </a:bodyPr>
-          <a:p>
-            <a:endParaRPr b="0" lang="pl-PL" sz="3200" spc="-1" strike="noStrike">
+          <a:lstStyle/>
+          <a:p>
+            <a:endParaRPr lang="pl-PL" sz="3200" b="0" strike="noStrike" spc="-1">
               <a:solidFill>
                 <a:srgbClr val="000000"/>
               </a:solidFill>
@@ -483,11 +602,12 @@
           </a:prstGeom>
         </p:spPr>
         <p:txBody>
-          <a:bodyPr lIns="0" rIns="0" tIns="0" bIns="0">
+          <a:bodyPr lIns="0" tIns="0" rIns="0" bIns="0">
             <a:normAutofit/>
           </a:bodyPr>
-          <a:p>
-            <a:endParaRPr b="0" lang="pl-PL" sz="3200" spc="-1" strike="noStrike">
+          <a:lstStyle/>
+          <a:p>
+            <a:endParaRPr lang="pl-PL" sz="3200" b="0" strike="noStrike" spc="-1">
               <a:solidFill>
                 <a:srgbClr val="000000"/>
               </a:solidFill>
@@ -516,11 +636,12 @@
           </a:prstGeom>
         </p:spPr>
         <p:txBody>
-          <a:bodyPr lIns="0" rIns="0" tIns="0" bIns="0">
+          <a:bodyPr lIns="0" tIns="0" rIns="0" bIns="0">
             <a:normAutofit/>
           </a:bodyPr>
-          <a:p>
-            <a:endParaRPr b="0" lang="pl-PL" sz="3200" spc="-1" strike="noStrike">
+          <a:lstStyle/>
+          <a:p>
+            <a:endParaRPr lang="pl-PL" sz="3200" b="0" strike="noStrike" spc="-1">
               <a:solidFill>
                 <a:srgbClr val="000000"/>
               </a:solidFill>
@@ -549,11 +670,12 @@
           </a:prstGeom>
         </p:spPr>
         <p:txBody>
-          <a:bodyPr lIns="0" rIns="0" tIns="0" bIns="0">
+          <a:bodyPr lIns="0" tIns="0" rIns="0" bIns="0">
             <a:normAutofit/>
           </a:bodyPr>
-          <a:p>
-            <a:endParaRPr b="0" lang="pl-PL" sz="3200" spc="-1" strike="noStrike">
+          <a:lstStyle/>
+          <a:p>
+            <a:endParaRPr lang="pl-PL" sz="3200" b="0" strike="noStrike" spc="-1">
               <a:solidFill>
                 <a:srgbClr val="000000"/>
               </a:solidFill>
@@ -582,11 +704,12 @@
           </a:prstGeom>
         </p:spPr>
         <p:txBody>
-          <a:bodyPr lIns="0" rIns="0" tIns="0" bIns="0">
+          <a:bodyPr lIns="0" tIns="0" rIns="0" bIns="0">
             <a:normAutofit/>
           </a:bodyPr>
-          <a:p>
-            <a:endParaRPr b="0" lang="pl-PL" sz="3200" spc="-1" strike="noStrike">
+          <a:lstStyle/>
+          <a:p>
+            <a:endParaRPr lang="pl-PL" sz="3200" b="0" strike="noStrike" spc="-1">
               <a:solidFill>
                 <a:srgbClr val="000000"/>
               </a:solidFill>
@@ -597,11 +720,14 @@
       </p:sp>
     </p:spTree>
   </p:cSld>
+  <p:clrMapOvr>
+    <a:masterClrMapping/>
+  </p:clrMapOvr>
 </p:sldLayout>
 </file>
 
 <file path=ppt/slideLayouts/slideLayout13.xml><?xml version="1.0" encoding="utf-8"?>
-<p:sldLayout xmlns:a="http://schemas.openxmlformats.org/drawingml/2006/main" xmlns:p="http://schemas.openxmlformats.org/presentationml/2006/main" xmlns:r="http://schemas.openxmlformats.org/officeDocument/2006/relationships" xmlns:p14="http://schemas.microsoft.com/office/powerpoint/2010/main" xmlns:p15="http://schemas.microsoft.com/office/powerpoint/2012/main" xmlns:mc="http://schemas.openxmlformats.org/markup-compatibility/2006" type="blank" preserve="1">
+<p:sldLayout xmlns:a="http://schemas.openxmlformats.org/drawingml/2006/main" xmlns:r="http://schemas.openxmlformats.org/officeDocument/2006/relationships" xmlns:p="http://schemas.openxmlformats.org/presentationml/2006/main" type="blank" preserve="1">
   <p:cSld name="Blank Slide">
     <p:spTree>
       <p:nvGrpSpPr>
@@ -619,11 +745,14 @@
       </p:grpSpPr>
     </p:spTree>
   </p:cSld>
+  <p:clrMapOvr>
+    <a:masterClrMapping/>
+  </p:clrMapOvr>
 </p:sldLayout>
 </file>
 
 <file path=ppt/slideLayouts/slideLayout14.xml><?xml version="1.0" encoding="utf-8"?>
-<p:sldLayout xmlns:a="http://schemas.openxmlformats.org/drawingml/2006/main" xmlns:p="http://schemas.openxmlformats.org/presentationml/2006/main" xmlns:r="http://schemas.openxmlformats.org/officeDocument/2006/relationships" xmlns:p14="http://schemas.microsoft.com/office/powerpoint/2010/main" xmlns:p15="http://schemas.microsoft.com/office/powerpoint/2012/main" xmlns:mc="http://schemas.openxmlformats.org/markup-compatibility/2006" type="tx" preserve="1">
+<p:sldLayout xmlns:a="http://schemas.openxmlformats.org/drawingml/2006/main" xmlns:r="http://schemas.openxmlformats.org/officeDocument/2006/relationships" xmlns:p="http://schemas.openxmlformats.org/presentationml/2006/main" type="tx" preserve="1">
   <p:cSld name="Title Slide">
     <p:spTree>
       <p:nvGrpSpPr>
@@ -659,9 +788,10 @@
           </a:prstGeom>
         </p:spPr>
         <p:txBody>
-          <a:bodyPr lIns="0" rIns="0" tIns="0" bIns="0" anchor="ctr"/>
-          <a:p>
-            <a:endParaRPr b="0" lang="pl-PL" sz="1800" spc="-1" strike="noStrike">
+          <a:bodyPr lIns="0" tIns="0" rIns="0" bIns="0" anchor="ctr"/>
+          <a:lstStyle/>
+          <a:p>
+            <a:endParaRPr lang="pl-PL" sz="1800" b="0" strike="noStrike" spc="-1">
               <a:solidFill>
                 <a:srgbClr val="000000"/>
               </a:solidFill>
@@ -690,10 +820,11 @@
           </a:prstGeom>
         </p:spPr>
         <p:txBody>
-          <a:bodyPr lIns="0" rIns="0" tIns="0" bIns="0" anchor="ctr"/>
+          <a:bodyPr lIns="0" tIns="0" rIns="0" bIns="0" anchor="ctr"/>
+          <a:lstStyle/>
           <a:p>
             <a:pPr algn="ctr"/>
-            <a:endParaRPr b="0" lang="en-US" sz="3200" spc="-1" strike="noStrike">
+            <a:endParaRPr lang="en-US" sz="3200" b="0" strike="noStrike" spc="-1">
               <a:latin typeface="Arial"/>
             </a:endParaRPr>
           </a:p>
@@ -701,11 +832,14 @@
       </p:sp>
     </p:spTree>
   </p:cSld>
+  <p:clrMapOvr>
+    <a:masterClrMapping/>
+  </p:clrMapOvr>
 </p:sldLayout>
 </file>
 
 <file path=ppt/slideLayouts/slideLayout15.xml><?xml version="1.0" encoding="utf-8"?>
-<p:sldLayout xmlns:a="http://schemas.openxmlformats.org/drawingml/2006/main" xmlns:p="http://schemas.openxmlformats.org/presentationml/2006/main" xmlns:r="http://schemas.openxmlformats.org/officeDocument/2006/relationships" xmlns:p14="http://schemas.microsoft.com/office/powerpoint/2010/main" xmlns:p15="http://schemas.microsoft.com/office/powerpoint/2012/main" xmlns:mc="http://schemas.openxmlformats.org/markup-compatibility/2006" type="obj" preserve="1">
+<p:sldLayout xmlns:a="http://schemas.openxmlformats.org/drawingml/2006/main" xmlns:r="http://schemas.openxmlformats.org/officeDocument/2006/relationships" xmlns:p="http://schemas.openxmlformats.org/presentationml/2006/main" type="obj" preserve="1">
   <p:cSld name="Title, Content">
     <p:spTree>
       <p:nvGrpSpPr>
@@ -741,9 +875,10 @@
           </a:prstGeom>
         </p:spPr>
         <p:txBody>
-          <a:bodyPr lIns="0" rIns="0" tIns="0" bIns="0" anchor="ctr"/>
-          <a:p>
-            <a:endParaRPr b="0" lang="pl-PL" sz="1800" spc="-1" strike="noStrike">
+          <a:bodyPr lIns="0" tIns="0" rIns="0" bIns="0" anchor="ctr"/>
+          <a:lstStyle/>
+          <a:p>
+            <a:endParaRPr lang="pl-PL" sz="1800" b="0" strike="noStrike" spc="-1">
               <a:solidFill>
                 <a:srgbClr val="000000"/>
               </a:solidFill>
@@ -772,11 +907,12 @@
           </a:prstGeom>
         </p:spPr>
         <p:txBody>
-          <a:bodyPr lIns="0" rIns="0" tIns="0" bIns="0">
+          <a:bodyPr lIns="0" tIns="0" rIns="0" bIns="0">
             <a:normAutofit/>
           </a:bodyPr>
-          <a:p>
-            <a:endParaRPr b="0" lang="pl-PL" sz="3200" spc="-1" strike="noStrike">
+          <a:lstStyle/>
+          <a:p>
+            <a:endParaRPr lang="pl-PL" sz="3200" b="0" strike="noStrike" spc="-1">
               <a:solidFill>
                 <a:srgbClr val="000000"/>
               </a:solidFill>
@@ -787,11 +923,14 @@
       </p:sp>
     </p:spTree>
   </p:cSld>
+  <p:clrMapOvr>
+    <a:masterClrMapping/>
+  </p:clrMapOvr>
 </p:sldLayout>
 </file>
 
 <file path=ppt/slideLayouts/slideLayout16.xml><?xml version="1.0" encoding="utf-8"?>
-<p:sldLayout xmlns:a="http://schemas.openxmlformats.org/drawingml/2006/main" xmlns:p="http://schemas.openxmlformats.org/presentationml/2006/main" xmlns:r="http://schemas.openxmlformats.org/officeDocument/2006/relationships" xmlns:p14="http://schemas.microsoft.com/office/powerpoint/2010/main" xmlns:p15="http://schemas.microsoft.com/office/powerpoint/2012/main" xmlns:mc="http://schemas.openxmlformats.org/markup-compatibility/2006" type="twoObj" preserve="1">
+<p:sldLayout xmlns:a="http://schemas.openxmlformats.org/drawingml/2006/main" xmlns:r="http://schemas.openxmlformats.org/officeDocument/2006/relationships" xmlns:p="http://schemas.openxmlformats.org/presentationml/2006/main" type="twoObj" preserve="1">
   <p:cSld name="Title, 2 Content">
     <p:spTree>
       <p:nvGrpSpPr>
@@ -827,9 +966,10 @@
           </a:prstGeom>
         </p:spPr>
         <p:txBody>
-          <a:bodyPr lIns="0" rIns="0" tIns="0" bIns="0" anchor="ctr"/>
-          <a:p>
-            <a:endParaRPr b="0" lang="pl-PL" sz="1800" spc="-1" strike="noStrike">
+          <a:bodyPr lIns="0" tIns="0" rIns="0" bIns="0" anchor="ctr"/>
+          <a:lstStyle/>
+          <a:p>
+            <a:endParaRPr lang="pl-PL" sz="1800" b="0" strike="noStrike" spc="-1">
               <a:solidFill>
                 <a:srgbClr val="000000"/>
               </a:solidFill>
@@ -858,11 +998,12 @@
           </a:prstGeom>
         </p:spPr>
         <p:txBody>
-          <a:bodyPr lIns="0" rIns="0" tIns="0" bIns="0">
+          <a:bodyPr lIns="0" tIns="0" rIns="0" bIns="0">
             <a:normAutofit/>
           </a:bodyPr>
-          <a:p>
-            <a:endParaRPr b="0" lang="pl-PL" sz="3200" spc="-1" strike="noStrike">
+          <a:lstStyle/>
+          <a:p>
+            <a:endParaRPr lang="pl-PL" sz="3200" b="0" strike="noStrike" spc="-1">
               <a:solidFill>
                 <a:srgbClr val="000000"/>
               </a:solidFill>
@@ -891,11 +1032,12 @@
           </a:prstGeom>
         </p:spPr>
         <p:txBody>
-          <a:bodyPr lIns="0" rIns="0" tIns="0" bIns="0">
+          <a:bodyPr lIns="0" tIns="0" rIns="0" bIns="0">
             <a:normAutofit/>
           </a:bodyPr>
-          <a:p>
-            <a:endParaRPr b="0" lang="pl-PL" sz="3200" spc="-1" strike="noStrike">
+          <a:lstStyle/>
+          <a:p>
+            <a:endParaRPr lang="pl-PL" sz="3200" b="0" strike="noStrike" spc="-1">
               <a:solidFill>
                 <a:srgbClr val="000000"/>
               </a:solidFill>
@@ -906,11 +1048,14 @@
       </p:sp>
     </p:spTree>
   </p:cSld>
+  <p:clrMapOvr>
+    <a:masterClrMapping/>
+  </p:clrMapOvr>
 </p:sldLayout>
 </file>
 
 <file path=ppt/slideLayouts/slideLayout17.xml><?xml version="1.0" encoding="utf-8"?>
-<p:sldLayout xmlns:a="http://schemas.openxmlformats.org/drawingml/2006/main" xmlns:p="http://schemas.openxmlformats.org/presentationml/2006/main" xmlns:r="http://schemas.openxmlformats.org/officeDocument/2006/relationships" xmlns:p14="http://schemas.microsoft.com/office/powerpoint/2010/main" xmlns:p15="http://schemas.microsoft.com/office/powerpoint/2012/main" xmlns:mc="http://schemas.openxmlformats.org/markup-compatibility/2006" type="titleOnly" preserve="1">
+<p:sldLayout xmlns:a="http://schemas.openxmlformats.org/drawingml/2006/main" xmlns:r="http://schemas.openxmlformats.org/officeDocument/2006/relationships" xmlns:p="http://schemas.openxmlformats.org/presentationml/2006/main" type="titleOnly" preserve="1">
   <p:cSld name="Title Only">
     <p:spTree>
       <p:nvGrpSpPr>
@@ -946,9 +1091,10 @@
           </a:prstGeom>
         </p:spPr>
         <p:txBody>
-          <a:bodyPr lIns="0" rIns="0" tIns="0" bIns="0" anchor="ctr"/>
-          <a:p>
-            <a:endParaRPr b="0" lang="pl-PL" sz="1800" spc="-1" strike="noStrike">
+          <a:bodyPr lIns="0" tIns="0" rIns="0" bIns="0" anchor="ctr"/>
+          <a:lstStyle/>
+          <a:p>
+            <a:endParaRPr lang="pl-PL" sz="1800" b="0" strike="noStrike" spc="-1">
               <a:solidFill>
                 <a:srgbClr val="000000"/>
               </a:solidFill>
@@ -959,11 +1105,14 @@
       </p:sp>
     </p:spTree>
   </p:cSld>
+  <p:clrMapOvr>
+    <a:masterClrMapping/>
+  </p:clrMapOvr>
 </p:sldLayout>
 </file>
 
 <file path=ppt/slideLayouts/slideLayout18.xml><?xml version="1.0" encoding="utf-8"?>
-<p:sldLayout xmlns:a="http://schemas.openxmlformats.org/drawingml/2006/main" xmlns:p="http://schemas.openxmlformats.org/presentationml/2006/main" xmlns:r="http://schemas.openxmlformats.org/officeDocument/2006/relationships" xmlns:p14="http://schemas.microsoft.com/office/powerpoint/2010/main" xmlns:p15="http://schemas.microsoft.com/office/powerpoint/2012/main" xmlns:mc="http://schemas.openxmlformats.org/markup-compatibility/2006" type="objOnly" preserve="1">
+<p:sldLayout xmlns:a="http://schemas.openxmlformats.org/drawingml/2006/main" xmlns:r="http://schemas.openxmlformats.org/officeDocument/2006/relationships" xmlns:p="http://schemas.openxmlformats.org/presentationml/2006/main" type="objOnly" preserve="1">
   <p:cSld name="Centered Text">
     <p:spTree>
       <p:nvGrpSpPr>
@@ -999,10 +1148,11 @@
           </a:prstGeom>
         </p:spPr>
         <p:txBody>
-          <a:bodyPr lIns="0" rIns="0" tIns="0" bIns="0" anchor="ctr"/>
+          <a:bodyPr lIns="0" tIns="0" rIns="0" bIns="0" anchor="ctr"/>
+          <a:lstStyle/>
           <a:p>
             <a:pPr algn="ctr"/>
-            <a:endParaRPr b="0" lang="en-US" sz="3200" spc="-1" strike="noStrike">
+            <a:endParaRPr lang="en-US" sz="3200" b="0" strike="noStrike" spc="-1">
               <a:latin typeface="Arial"/>
             </a:endParaRPr>
           </a:p>
@@ -1010,11 +1160,14 @@
       </p:sp>
     </p:spTree>
   </p:cSld>
+  <p:clrMapOvr>
+    <a:masterClrMapping/>
+  </p:clrMapOvr>
 </p:sldLayout>
 </file>
 
 <file path=ppt/slideLayouts/slideLayout19.xml><?xml version="1.0" encoding="utf-8"?>
-<p:sldLayout xmlns:a="http://schemas.openxmlformats.org/drawingml/2006/main" xmlns:p="http://schemas.openxmlformats.org/presentationml/2006/main" xmlns:r="http://schemas.openxmlformats.org/officeDocument/2006/relationships" xmlns:p14="http://schemas.microsoft.com/office/powerpoint/2010/main" xmlns:p15="http://schemas.microsoft.com/office/powerpoint/2012/main" xmlns:mc="http://schemas.openxmlformats.org/markup-compatibility/2006" type="twoObjAndObj" preserve="1">
+<p:sldLayout xmlns:a="http://schemas.openxmlformats.org/drawingml/2006/main" xmlns:r="http://schemas.openxmlformats.org/officeDocument/2006/relationships" xmlns:p="http://schemas.openxmlformats.org/presentationml/2006/main" type="twoObjAndObj" preserve="1">
   <p:cSld name="Title, 2 Content and Content">
     <p:spTree>
       <p:nvGrpSpPr>
@@ -1050,9 +1203,10 @@
           </a:prstGeom>
         </p:spPr>
         <p:txBody>
-          <a:bodyPr lIns="0" rIns="0" tIns="0" bIns="0" anchor="ctr"/>
-          <a:p>
-            <a:endParaRPr b="0" lang="pl-PL" sz="1800" spc="-1" strike="noStrike">
+          <a:bodyPr lIns="0" tIns="0" rIns="0" bIns="0" anchor="ctr"/>
+          <a:lstStyle/>
+          <a:p>
+            <a:endParaRPr lang="pl-PL" sz="1800" b="0" strike="noStrike" spc="-1">
               <a:solidFill>
                 <a:srgbClr val="000000"/>
               </a:solidFill>
@@ -1081,11 +1235,12 @@
           </a:prstGeom>
         </p:spPr>
         <p:txBody>
-          <a:bodyPr lIns="0" rIns="0" tIns="0" bIns="0">
+          <a:bodyPr lIns="0" tIns="0" rIns="0" bIns="0">
             <a:normAutofit/>
           </a:bodyPr>
-          <a:p>
-            <a:endParaRPr b="0" lang="pl-PL" sz="3200" spc="-1" strike="noStrike">
+          <a:lstStyle/>
+          <a:p>
+            <a:endParaRPr lang="pl-PL" sz="3200" b="0" strike="noStrike" spc="-1">
               <a:solidFill>
                 <a:srgbClr val="000000"/>
               </a:solidFill>
@@ -1114,11 +1269,12 @@
           </a:prstGeom>
         </p:spPr>
         <p:txBody>
-          <a:bodyPr lIns="0" rIns="0" tIns="0" bIns="0">
+          <a:bodyPr lIns="0" tIns="0" rIns="0" bIns="0">
             <a:normAutofit/>
           </a:bodyPr>
-          <a:p>
-            <a:endParaRPr b="0" lang="pl-PL" sz="3200" spc="-1" strike="noStrike">
+          <a:lstStyle/>
+          <a:p>
+            <a:endParaRPr lang="pl-PL" sz="3200" b="0" strike="noStrike" spc="-1">
               <a:solidFill>
                 <a:srgbClr val="000000"/>
               </a:solidFill>
@@ -1147,11 +1303,12 @@
           </a:prstGeom>
         </p:spPr>
         <p:txBody>
-          <a:bodyPr lIns="0" rIns="0" tIns="0" bIns="0">
+          <a:bodyPr lIns="0" tIns="0" rIns="0" bIns="0">
             <a:normAutofit/>
           </a:bodyPr>
-          <a:p>
-            <a:endParaRPr b="0" lang="pl-PL" sz="3200" spc="-1" strike="noStrike">
+          <a:lstStyle/>
+          <a:p>
+            <a:endParaRPr lang="pl-PL" sz="3200" b="0" strike="noStrike" spc="-1">
               <a:solidFill>
                 <a:srgbClr val="000000"/>
               </a:solidFill>
@@ -1162,11 +1319,14 @@
       </p:sp>
     </p:spTree>
   </p:cSld>
+  <p:clrMapOvr>
+    <a:masterClrMapping/>
+  </p:clrMapOvr>
 </p:sldLayout>
 </file>
 
 <file path=ppt/slideLayouts/slideLayout2.xml><?xml version="1.0" encoding="utf-8"?>
-<p:sldLayout xmlns:a="http://schemas.openxmlformats.org/drawingml/2006/main" xmlns:p="http://schemas.openxmlformats.org/presentationml/2006/main" xmlns:r="http://schemas.openxmlformats.org/officeDocument/2006/relationships" xmlns:p14="http://schemas.microsoft.com/office/powerpoint/2010/main" xmlns:p15="http://schemas.microsoft.com/office/powerpoint/2012/main" xmlns:mc="http://schemas.openxmlformats.org/markup-compatibility/2006" type="tx" preserve="1">
+<p:sldLayout xmlns:a="http://schemas.openxmlformats.org/drawingml/2006/main" xmlns:r="http://schemas.openxmlformats.org/officeDocument/2006/relationships" xmlns:p="http://schemas.openxmlformats.org/presentationml/2006/main" type="tx" preserve="1">
   <p:cSld name="Title Slide">
     <p:spTree>
       <p:nvGrpSpPr>
@@ -1202,9 +1362,10 @@
           </a:prstGeom>
         </p:spPr>
         <p:txBody>
-          <a:bodyPr lIns="0" rIns="0" tIns="0" bIns="0" anchor="ctr"/>
-          <a:p>
-            <a:endParaRPr b="0" lang="pl-PL" sz="1800" spc="-1" strike="noStrike">
+          <a:bodyPr lIns="0" tIns="0" rIns="0" bIns="0" anchor="ctr"/>
+          <a:lstStyle/>
+          <a:p>
+            <a:endParaRPr lang="pl-PL" sz="1800" b="0" strike="noStrike" spc="-1">
               <a:solidFill>
                 <a:srgbClr val="000000"/>
               </a:solidFill>
@@ -1233,10 +1394,11 @@
           </a:prstGeom>
         </p:spPr>
         <p:txBody>
-          <a:bodyPr lIns="0" rIns="0" tIns="0" bIns="0" anchor="ctr"/>
+          <a:bodyPr lIns="0" tIns="0" rIns="0" bIns="0" anchor="ctr"/>
+          <a:lstStyle/>
           <a:p>
             <a:pPr algn="ctr"/>
-            <a:endParaRPr b="0" lang="en-US" sz="3200" spc="-1" strike="noStrike">
+            <a:endParaRPr lang="en-US" sz="3200" b="0" strike="noStrike" spc="-1">
               <a:latin typeface="Arial"/>
             </a:endParaRPr>
           </a:p>
@@ -1244,11 +1406,14 @@
       </p:sp>
     </p:spTree>
   </p:cSld>
+  <p:clrMapOvr>
+    <a:masterClrMapping/>
+  </p:clrMapOvr>
 </p:sldLayout>
 </file>
 
 <file path=ppt/slideLayouts/slideLayout20.xml><?xml version="1.0" encoding="utf-8"?>
-<p:sldLayout xmlns:a="http://schemas.openxmlformats.org/drawingml/2006/main" xmlns:p="http://schemas.openxmlformats.org/presentationml/2006/main" xmlns:r="http://schemas.openxmlformats.org/officeDocument/2006/relationships" xmlns:p14="http://schemas.microsoft.com/office/powerpoint/2010/main" xmlns:p15="http://schemas.microsoft.com/office/powerpoint/2012/main" xmlns:mc="http://schemas.openxmlformats.org/markup-compatibility/2006" type="objAndTwoObj" preserve="1">
+<p:sldLayout xmlns:a="http://schemas.openxmlformats.org/drawingml/2006/main" xmlns:r="http://schemas.openxmlformats.org/officeDocument/2006/relationships" xmlns:p="http://schemas.openxmlformats.org/presentationml/2006/main" type="objAndTwoObj" preserve="1">
   <p:cSld name="Title Content and 2 Content">
     <p:spTree>
       <p:nvGrpSpPr>
@@ -1284,9 +1449,10 @@
           </a:prstGeom>
         </p:spPr>
         <p:txBody>
-          <a:bodyPr lIns="0" rIns="0" tIns="0" bIns="0" anchor="ctr"/>
-          <a:p>
-            <a:endParaRPr b="0" lang="pl-PL" sz="1800" spc="-1" strike="noStrike">
+          <a:bodyPr lIns="0" tIns="0" rIns="0" bIns="0" anchor="ctr"/>
+          <a:lstStyle/>
+          <a:p>
+            <a:endParaRPr lang="pl-PL" sz="1800" b="0" strike="noStrike" spc="-1">
               <a:solidFill>
                 <a:srgbClr val="000000"/>
               </a:solidFill>
@@ -1315,11 +1481,12 @@
           </a:prstGeom>
         </p:spPr>
         <p:txBody>
-          <a:bodyPr lIns="0" rIns="0" tIns="0" bIns="0">
+          <a:bodyPr lIns="0" tIns="0" rIns="0" bIns="0">
             <a:normAutofit/>
           </a:bodyPr>
-          <a:p>
-            <a:endParaRPr b="0" lang="pl-PL" sz="3200" spc="-1" strike="noStrike">
+          <a:lstStyle/>
+          <a:p>
+            <a:endParaRPr lang="pl-PL" sz="3200" b="0" strike="noStrike" spc="-1">
               <a:solidFill>
                 <a:srgbClr val="000000"/>
               </a:solidFill>
@@ -1348,11 +1515,12 @@
           </a:prstGeom>
         </p:spPr>
         <p:txBody>
-          <a:bodyPr lIns="0" rIns="0" tIns="0" bIns="0">
+          <a:bodyPr lIns="0" tIns="0" rIns="0" bIns="0">
             <a:normAutofit/>
           </a:bodyPr>
-          <a:p>
-            <a:endParaRPr b="0" lang="pl-PL" sz="3200" spc="-1" strike="noStrike">
+          <a:lstStyle/>
+          <a:p>
+            <a:endParaRPr lang="pl-PL" sz="3200" b="0" strike="noStrike" spc="-1">
               <a:solidFill>
                 <a:srgbClr val="000000"/>
               </a:solidFill>
@@ -1381,11 +1549,12 @@
           </a:prstGeom>
         </p:spPr>
         <p:txBody>
-          <a:bodyPr lIns="0" rIns="0" tIns="0" bIns="0">
+          <a:bodyPr lIns="0" tIns="0" rIns="0" bIns="0">
             <a:normAutofit/>
           </a:bodyPr>
-          <a:p>
-            <a:endParaRPr b="0" lang="pl-PL" sz="3200" spc="-1" strike="noStrike">
+          <a:lstStyle/>
+          <a:p>
+            <a:endParaRPr lang="pl-PL" sz="3200" b="0" strike="noStrike" spc="-1">
               <a:solidFill>
                 <a:srgbClr val="000000"/>
               </a:solidFill>
@@ -1396,11 +1565,14 @@
       </p:sp>
     </p:spTree>
   </p:cSld>
+  <p:clrMapOvr>
+    <a:masterClrMapping/>
+  </p:clrMapOvr>
 </p:sldLayout>
 </file>
 
 <file path=ppt/slideLayouts/slideLayout21.xml><?xml version="1.0" encoding="utf-8"?>
-<p:sldLayout xmlns:a="http://schemas.openxmlformats.org/drawingml/2006/main" xmlns:p="http://schemas.openxmlformats.org/presentationml/2006/main" xmlns:r="http://schemas.openxmlformats.org/officeDocument/2006/relationships" xmlns:p14="http://schemas.microsoft.com/office/powerpoint/2010/main" xmlns:p15="http://schemas.microsoft.com/office/powerpoint/2012/main" xmlns:mc="http://schemas.openxmlformats.org/markup-compatibility/2006" type="twoObjOverTx" preserve="1">
+<p:sldLayout xmlns:a="http://schemas.openxmlformats.org/drawingml/2006/main" xmlns:r="http://schemas.openxmlformats.org/officeDocument/2006/relationships" xmlns:p="http://schemas.openxmlformats.org/presentationml/2006/main" type="twoObjOverTx" preserve="1">
   <p:cSld name="Title, 2 Content over Content">
     <p:spTree>
       <p:nvGrpSpPr>
@@ -1436,9 +1608,10 @@
           </a:prstGeom>
         </p:spPr>
         <p:txBody>
-          <a:bodyPr lIns="0" rIns="0" tIns="0" bIns="0" anchor="ctr"/>
-          <a:p>
-            <a:endParaRPr b="0" lang="pl-PL" sz="1800" spc="-1" strike="noStrike">
+          <a:bodyPr lIns="0" tIns="0" rIns="0" bIns="0" anchor="ctr"/>
+          <a:lstStyle/>
+          <a:p>
+            <a:endParaRPr lang="pl-PL" sz="1800" b="0" strike="noStrike" spc="-1">
               <a:solidFill>
                 <a:srgbClr val="000000"/>
               </a:solidFill>
@@ -1467,11 +1640,12 @@
           </a:prstGeom>
         </p:spPr>
         <p:txBody>
-          <a:bodyPr lIns="0" rIns="0" tIns="0" bIns="0">
+          <a:bodyPr lIns="0" tIns="0" rIns="0" bIns="0">
             <a:normAutofit/>
           </a:bodyPr>
-          <a:p>
-            <a:endParaRPr b="0" lang="pl-PL" sz="3200" spc="-1" strike="noStrike">
+          <a:lstStyle/>
+          <a:p>
+            <a:endParaRPr lang="pl-PL" sz="3200" b="0" strike="noStrike" spc="-1">
               <a:solidFill>
                 <a:srgbClr val="000000"/>
               </a:solidFill>
@@ -1500,11 +1674,12 @@
           </a:prstGeom>
         </p:spPr>
         <p:txBody>
-          <a:bodyPr lIns="0" rIns="0" tIns="0" bIns="0">
+          <a:bodyPr lIns="0" tIns="0" rIns="0" bIns="0">
             <a:normAutofit/>
           </a:bodyPr>
-          <a:p>
-            <a:endParaRPr b="0" lang="pl-PL" sz="3200" spc="-1" strike="noStrike">
+          <a:lstStyle/>
+          <a:p>
+            <a:endParaRPr lang="pl-PL" sz="3200" b="0" strike="noStrike" spc="-1">
               <a:solidFill>
                 <a:srgbClr val="000000"/>
               </a:solidFill>
@@ -1533,11 +1708,12 @@
           </a:prstGeom>
         </p:spPr>
         <p:txBody>
-          <a:bodyPr lIns="0" rIns="0" tIns="0" bIns="0">
+          <a:bodyPr lIns="0" tIns="0" rIns="0" bIns="0">
             <a:normAutofit/>
           </a:bodyPr>
-          <a:p>
-            <a:endParaRPr b="0" lang="pl-PL" sz="3200" spc="-1" strike="noStrike">
+          <a:lstStyle/>
+          <a:p>
+            <a:endParaRPr lang="pl-PL" sz="3200" b="0" strike="noStrike" spc="-1">
               <a:solidFill>
                 <a:srgbClr val="000000"/>
               </a:solidFill>
@@ -1548,11 +1724,14 @@
       </p:sp>
     </p:spTree>
   </p:cSld>
+  <p:clrMapOvr>
+    <a:masterClrMapping/>
+  </p:clrMapOvr>
 </p:sldLayout>
 </file>
 
 <file path=ppt/slideLayouts/slideLayout22.xml><?xml version="1.0" encoding="utf-8"?>
-<p:sldLayout xmlns:a="http://schemas.openxmlformats.org/drawingml/2006/main" xmlns:p="http://schemas.openxmlformats.org/presentationml/2006/main" xmlns:r="http://schemas.openxmlformats.org/officeDocument/2006/relationships" xmlns:p14="http://schemas.microsoft.com/office/powerpoint/2010/main" xmlns:p15="http://schemas.microsoft.com/office/powerpoint/2012/main" xmlns:mc="http://schemas.openxmlformats.org/markup-compatibility/2006" type="objOverTx" preserve="1">
+<p:sldLayout xmlns:a="http://schemas.openxmlformats.org/drawingml/2006/main" xmlns:r="http://schemas.openxmlformats.org/officeDocument/2006/relationships" xmlns:p="http://schemas.openxmlformats.org/presentationml/2006/main" type="objOverTx" preserve="1">
   <p:cSld name="Title, Content over Content">
     <p:spTree>
       <p:nvGrpSpPr>
@@ -1588,9 +1767,10 @@
           </a:prstGeom>
         </p:spPr>
         <p:txBody>
-          <a:bodyPr lIns="0" rIns="0" tIns="0" bIns="0" anchor="ctr"/>
-          <a:p>
-            <a:endParaRPr b="0" lang="pl-PL" sz="1800" spc="-1" strike="noStrike">
+          <a:bodyPr lIns="0" tIns="0" rIns="0" bIns="0" anchor="ctr"/>
+          <a:lstStyle/>
+          <a:p>
+            <a:endParaRPr lang="pl-PL" sz="1800" b="0" strike="noStrike" spc="-1">
               <a:solidFill>
                 <a:srgbClr val="000000"/>
               </a:solidFill>
@@ -1619,11 +1799,12 @@
           </a:prstGeom>
         </p:spPr>
         <p:txBody>
-          <a:bodyPr lIns="0" rIns="0" tIns="0" bIns="0">
+          <a:bodyPr lIns="0" tIns="0" rIns="0" bIns="0">
             <a:normAutofit/>
           </a:bodyPr>
-          <a:p>
-            <a:endParaRPr b="0" lang="pl-PL" sz="3200" spc="-1" strike="noStrike">
+          <a:lstStyle/>
+          <a:p>
+            <a:endParaRPr lang="pl-PL" sz="3200" b="0" strike="noStrike" spc="-1">
               <a:solidFill>
                 <a:srgbClr val="000000"/>
               </a:solidFill>
@@ -1652,11 +1833,12 @@
           </a:prstGeom>
         </p:spPr>
         <p:txBody>
-          <a:bodyPr lIns="0" rIns="0" tIns="0" bIns="0">
+          <a:bodyPr lIns="0" tIns="0" rIns="0" bIns="0">
             <a:normAutofit/>
           </a:bodyPr>
-          <a:p>
-            <a:endParaRPr b="0" lang="pl-PL" sz="3200" spc="-1" strike="noStrike">
+          <a:lstStyle/>
+          <a:p>
+            <a:endParaRPr lang="pl-PL" sz="3200" b="0" strike="noStrike" spc="-1">
               <a:solidFill>
                 <a:srgbClr val="000000"/>
               </a:solidFill>
@@ -1667,11 +1849,14 @@
       </p:sp>
     </p:spTree>
   </p:cSld>
+  <p:clrMapOvr>
+    <a:masterClrMapping/>
+  </p:clrMapOvr>
 </p:sldLayout>
 </file>
 
 <file path=ppt/slideLayouts/slideLayout23.xml><?xml version="1.0" encoding="utf-8"?>
-<p:sldLayout xmlns:a="http://schemas.openxmlformats.org/drawingml/2006/main" xmlns:p="http://schemas.openxmlformats.org/presentationml/2006/main" xmlns:r="http://schemas.openxmlformats.org/officeDocument/2006/relationships" xmlns:p14="http://schemas.microsoft.com/office/powerpoint/2010/main" xmlns:p15="http://schemas.microsoft.com/office/powerpoint/2012/main" xmlns:mc="http://schemas.openxmlformats.org/markup-compatibility/2006" type="fourObj" preserve="1">
+<p:sldLayout xmlns:a="http://schemas.openxmlformats.org/drawingml/2006/main" xmlns:r="http://schemas.openxmlformats.org/officeDocument/2006/relationships" xmlns:p="http://schemas.openxmlformats.org/presentationml/2006/main" type="fourObj" preserve="1">
   <p:cSld name="Title, 4 Content">
     <p:spTree>
       <p:nvGrpSpPr>
@@ -1707,9 +1892,10 @@
           </a:prstGeom>
         </p:spPr>
         <p:txBody>
-          <a:bodyPr lIns="0" rIns="0" tIns="0" bIns="0" anchor="ctr"/>
-          <a:p>
-            <a:endParaRPr b="0" lang="pl-PL" sz="1800" spc="-1" strike="noStrike">
+          <a:bodyPr lIns="0" tIns="0" rIns="0" bIns="0" anchor="ctr"/>
+          <a:lstStyle/>
+          <a:p>
+            <a:endParaRPr lang="pl-PL" sz="1800" b="0" strike="noStrike" spc="-1">
               <a:solidFill>
                 <a:srgbClr val="000000"/>
               </a:solidFill>
@@ -1738,11 +1924,12 @@
           </a:prstGeom>
         </p:spPr>
         <p:txBody>
-          <a:bodyPr lIns="0" rIns="0" tIns="0" bIns="0">
+          <a:bodyPr lIns="0" tIns="0" rIns="0" bIns="0">
             <a:normAutofit/>
           </a:bodyPr>
-          <a:p>
-            <a:endParaRPr b="0" lang="pl-PL" sz="3200" spc="-1" strike="noStrike">
+          <a:lstStyle/>
+          <a:p>
+            <a:endParaRPr lang="pl-PL" sz="3200" b="0" strike="noStrike" spc="-1">
               <a:solidFill>
                 <a:srgbClr val="000000"/>
               </a:solidFill>
@@ -1771,11 +1958,12 @@
           </a:prstGeom>
         </p:spPr>
         <p:txBody>
-          <a:bodyPr lIns="0" rIns="0" tIns="0" bIns="0">
+          <a:bodyPr lIns="0" tIns="0" rIns="0" bIns="0">
             <a:normAutofit/>
           </a:bodyPr>
-          <a:p>
-            <a:endParaRPr b="0" lang="pl-PL" sz="3200" spc="-1" strike="noStrike">
+          <a:lstStyle/>
+          <a:p>
+            <a:endParaRPr lang="pl-PL" sz="3200" b="0" strike="noStrike" spc="-1">
               <a:solidFill>
                 <a:srgbClr val="000000"/>
               </a:solidFill>
@@ -1804,11 +1992,12 @@
           </a:prstGeom>
         </p:spPr>
         <p:txBody>
-          <a:bodyPr lIns="0" rIns="0" tIns="0" bIns="0">
+          <a:bodyPr lIns="0" tIns="0" rIns="0" bIns="0">
             <a:normAutofit/>
           </a:bodyPr>
-          <a:p>
-            <a:endParaRPr b="0" lang="pl-PL" sz="3200" spc="-1" strike="noStrike">
+          <a:lstStyle/>
+          <a:p>
+            <a:endParaRPr lang="pl-PL" sz="3200" b="0" strike="noStrike" spc="-1">
               <a:solidFill>
                 <a:srgbClr val="000000"/>
               </a:solidFill>
@@ -1837,11 +2026,12 @@
           </a:prstGeom>
         </p:spPr>
         <p:txBody>
-          <a:bodyPr lIns="0" rIns="0" tIns="0" bIns="0">
+          <a:bodyPr lIns="0" tIns="0" rIns="0" bIns="0">
             <a:normAutofit/>
           </a:bodyPr>
-          <a:p>
-            <a:endParaRPr b="0" lang="pl-PL" sz="3200" spc="-1" strike="noStrike">
+          <a:lstStyle/>
+          <a:p>
+            <a:endParaRPr lang="pl-PL" sz="3200" b="0" strike="noStrike" spc="-1">
               <a:solidFill>
                 <a:srgbClr val="000000"/>
               </a:solidFill>
@@ -1852,11 +2042,14 @@
       </p:sp>
     </p:spTree>
   </p:cSld>
+  <p:clrMapOvr>
+    <a:masterClrMapping/>
+  </p:clrMapOvr>
 </p:sldLayout>
 </file>
 
 <file path=ppt/slideLayouts/slideLayout24.xml><?xml version="1.0" encoding="utf-8"?>
-<p:sldLayout xmlns:a="http://schemas.openxmlformats.org/drawingml/2006/main" xmlns:p="http://schemas.openxmlformats.org/presentationml/2006/main" xmlns:r="http://schemas.openxmlformats.org/officeDocument/2006/relationships" xmlns:p14="http://schemas.microsoft.com/office/powerpoint/2010/main" xmlns:p15="http://schemas.microsoft.com/office/powerpoint/2012/main" xmlns:mc="http://schemas.openxmlformats.org/markup-compatibility/2006" type="blank" preserve="1">
+<p:sldLayout xmlns:a="http://schemas.openxmlformats.org/drawingml/2006/main" xmlns:r="http://schemas.openxmlformats.org/officeDocument/2006/relationships" xmlns:p="http://schemas.openxmlformats.org/presentationml/2006/main" type="blank" preserve="1">
   <p:cSld name="Title, 6 Content">
     <p:spTree>
       <p:nvGrpSpPr>
@@ -1892,9 +2085,10 @@
           </a:prstGeom>
         </p:spPr>
         <p:txBody>
-          <a:bodyPr lIns="0" rIns="0" tIns="0" bIns="0" anchor="ctr"/>
-          <a:p>
-            <a:endParaRPr b="0" lang="pl-PL" sz="1800" spc="-1" strike="noStrike">
+          <a:bodyPr lIns="0" tIns="0" rIns="0" bIns="0" anchor="ctr"/>
+          <a:lstStyle/>
+          <a:p>
+            <a:endParaRPr lang="pl-PL" sz="1800" b="0" strike="noStrike" spc="-1">
               <a:solidFill>
                 <a:srgbClr val="000000"/>
               </a:solidFill>
@@ -1923,11 +2117,12 @@
           </a:prstGeom>
         </p:spPr>
         <p:txBody>
-          <a:bodyPr lIns="0" rIns="0" tIns="0" bIns="0">
+          <a:bodyPr lIns="0" tIns="0" rIns="0" bIns="0">
             <a:normAutofit/>
           </a:bodyPr>
-          <a:p>
-            <a:endParaRPr b="0" lang="pl-PL" sz="3200" spc="-1" strike="noStrike">
+          <a:lstStyle/>
+          <a:p>
+            <a:endParaRPr lang="pl-PL" sz="3200" b="0" strike="noStrike" spc="-1">
               <a:solidFill>
                 <a:srgbClr val="000000"/>
               </a:solidFill>
@@ -1956,11 +2151,12 @@
           </a:prstGeom>
         </p:spPr>
         <p:txBody>
-          <a:bodyPr lIns="0" rIns="0" tIns="0" bIns="0">
+          <a:bodyPr lIns="0" tIns="0" rIns="0" bIns="0">
             <a:normAutofit/>
           </a:bodyPr>
-          <a:p>
-            <a:endParaRPr b="0" lang="pl-PL" sz="3200" spc="-1" strike="noStrike">
+          <a:lstStyle/>
+          <a:p>
+            <a:endParaRPr lang="pl-PL" sz="3200" b="0" strike="noStrike" spc="-1">
               <a:solidFill>
                 <a:srgbClr val="000000"/>
               </a:solidFill>
@@ -1989,11 +2185,12 @@
           </a:prstGeom>
         </p:spPr>
         <p:txBody>
-          <a:bodyPr lIns="0" rIns="0" tIns="0" bIns="0">
+          <a:bodyPr lIns="0" tIns="0" rIns="0" bIns="0">
             <a:normAutofit/>
           </a:bodyPr>
-          <a:p>
-            <a:endParaRPr b="0" lang="pl-PL" sz="3200" spc="-1" strike="noStrike">
+          <a:lstStyle/>
+          <a:p>
+            <a:endParaRPr lang="pl-PL" sz="3200" b="0" strike="noStrike" spc="-1">
               <a:solidFill>
                 <a:srgbClr val="000000"/>
               </a:solidFill>
@@ -2022,11 +2219,12 @@
           </a:prstGeom>
         </p:spPr>
         <p:txBody>
-          <a:bodyPr lIns="0" rIns="0" tIns="0" bIns="0">
+          <a:bodyPr lIns="0" tIns="0" rIns="0" bIns="0">
             <a:normAutofit/>
           </a:bodyPr>
-          <a:p>
-            <a:endParaRPr b="0" lang="pl-PL" sz="3200" spc="-1" strike="noStrike">
+          <a:lstStyle/>
+          <a:p>
+            <a:endParaRPr lang="pl-PL" sz="3200" b="0" strike="noStrike" spc="-1">
               <a:solidFill>
                 <a:srgbClr val="000000"/>
               </a:solidFill>
@@ -2055,11 +2253,12 @@
           </a:prstGeom>
         </p:spPr>
         <p:txBody>
-          <a:bodyPr lIns="0" rIns="0" tIns="0" bIns="0">
+          <a:bodyPr lIns="0" tIns="0" rIns="0" bIns="0">
             <a:normAutofit/>
           </a:bodyPr>
-          <a:p>
-            <a:endParaRPr b="0" lang="pl-PL" sz="3200" spc="-1" strike="noStrike">
+          <a:lstStyle/>
+          <a:p>
+            <a:endParaRPr lang="pl-PL" sz="3200" b="0" strike="noStrike" spc="-1">
               <a:solidFill>
                 <a:srgbClr val="000000"/>
               </a:solidFill>
@@ -2088,11 +2287,12 @@
           </a:prstGeom>
         </p:spPr>
         <p:txBody>
-          <a:bodyPr lIns="0" rIns="0" tIns="0" bIns="0">
+          <a:bodyPr lIns="0" tIns="0" rIns="0" bIns="0">
             <a:normAutofit/>
           </a:bodyPr>
-          <a:p>
-            <a:endParaRPr b="0" lang="pl-PL" sz="3200" spc="-1" strike="noStrike">
+          <a:lstStyle/>
+          <a:p>
+            <a:endParaRPr lang="pl-PL" sz="3200" b="0" strike="noStrike" spc="-1">
               <a:solidFill>
                 <a:srgbClr val="000000"/>
               </a:solidFill>
@@ -2103,11 +2303,14 @@
       </p:sp>
     </p:spTree>
   </p:cSld>
+  <p:clrMapOvr>
+    <a:masterClrMapping/>
+  </p:clrMapOvr>
 </p:sldLayout>
 </file>
 
 <file path=ppt/slideLayouts/slideLayout25.xml><?xml version="1.0" encoding="utf-8"?>
-<p:sldLayout xmlns:a="http://schemas.openxmlformats.org/drawingml/2006/main" xmlns:p="http://schemas.openxmlformats.org/presentationml/2006/main" xmlns:r="http://schemas.openxmlformats.org/officeDocument/2006/relationships" xmlns:p14="http://schemas.microsoft.com/office/powerpoint/2010/main" xmlns:p15="http://schemas.microsoft.com/office/powerpoint/2012/main" xmlns:mc="http://schemas.openxmlformats.org/markup-compatibility/2006" type="blank" preserve="1">
+<p:sldLayout xmlns:a="http://schemas.openxmlformats.org/drawingml/2006/main" xmlns:r="http://schemas.openxmlformats.org/officeDocument/2006/relationships" xmlns:p="http://schemas.openxmlformats.org/presentationml/2006/main" type="blank" preserve="1">
   <p:cSld name="Blank Slide">
     <p:spTree>
       <p:nvGrpSpPr>
@@ -2125,11 +2328,14 @@
       </p:grpSpPr>
     </p:spTree>
   </p:cSld>
+  <p:clrMapOvr>
+    <a:masterClrMapping/>
+  </p:clrMapOvr>
 </p:sldLayout>
 </file>
 
 <file path=ppt/slideLayouts/slideLayout26.xml><?xml version="1.0" encoding="utf-8"?>
-<p:sldLayout xmlns:a="http://schemas.openxmlformats.org/drawingml/2006/main" xmlns:p="http://schemas.openxmlformats.org/presentationml/2006/main" xmlns:r="http://schemas.openxmlformats.org/officeDocument/2006/relationships" xmlns:p14="http://schemas.microsoft.com/office/powerpoint/2010/main" xmlns:p15="http://schemas.microsoft.com/office/powerpoint/2012/main" xmlns:mc="http://schemas.openxmlformats.org/markup-compatibility/2006" type="tx" preserve="1">
+<p:sldLayout xmlns:a="http://schemas.openxmlformats.org/drawingml/2006/main" xmlns:r="http://schemas.openxmlformats.org/officeDocument/2006/relationships" xmlns:p="http://schemas.openxmlformats.org/presentationml/2006/main" type="tx" preserve="1">
   <p:cSld name="Title Slide">
     <p:spTree>
       <p:nvGrpSpPr>
@@ -2165,9 +2371,10 @@
           </a:prstGeom>
         </p:spPr>
         <p:txBody>
-          <a:bodyPr lIns="0" rIns="0" tIns="0" bIns="0" anchor="ctr"/>
-          <a:p>
-            <a:endParaRPr b="0" lang="pl-PL" sz="1800" spc="-1" strike="noStrike">
+          <a:bodyPr lIns="0" tIns="0" rIns="0" bIns="0" anchor="ctr"/>
+          <a:lstStyle/>
+          <a:p>
+            <a:endParaRPr lang="pl-PL" sz="1800" b="0" strike="noStrike" spc="-1">
               <a:solidFill>
                 <a:srgbClr val="000000"/>
               </a:solidFill>
@@ -2196,10 +2403,11 @@
           </a:prstGeom>
         </p:spPr>
         <p:txBody>
-          <a:bodyPr lIns="0" rIns="0" tIns="0" bIns="0" anchor="ctr"/>
+          <a:bodyPr lIns="0" tIns="0" rIns="0" bIns="0" anchor="ctr"/>
+          <a:lstStyle/>
           <a:p>
             <a:pPr algn="ctr"/>
-            <a:endParaRPr b="0" lang="en-US" sz="3200" spc="-1" strike="noStrike">
+            <a:endParaRPr lang="en-US" sz="3200" b="0" strike="noStrike" spc="-1">
               <a:latin typeface="Arial"/>
             </a:endParaRPr>
           </a:p>
@@ -2207,11 +2415,14 @@
       </p:sp>
     </p:spTree>
   </p:cSld>
+  <p:clrMapOvr>
+    <a:masterClrMapping/>
+  </p:clrMapOvr>
 </p:sldLayout>
 </file>
 
 <file path=ppt/slideLayouts/slideLayout27.xml><?xml version="1.0" encoding="utf-8"?>
-<p:sldLayout xmlns:a="http://schemas.openxmlformats.org/drawingml/2006/main" xmlns:p="http://schemas.openxmlformats.org/presentationml/2006/main" xmlns:r="http://schemas.openxmlformats.org/officeDocument/2006/relationships" xmlns:p14="http://schemas.microsoft.com/office/powerpoint/2010/main" xmlns:p15="http://schemas.microsoft.com/office/powerpoint/2012/main" xmlns:mc="http://schemas.openxmlformats.org/markup-compatibility/2006" type="obj" preserve="1">
+<p:sldLayout xmlns:a="http://schemas.openxmlformats.org/drawingml/2006/main" xmlns:r="http://schemas.openxmlformats.org/officeDocument/2006/relationships" xmlns:p="http://schemas.openxmlformats.org/presentationml/2006/main" type="obj" preserve="1">
   <p:cSld name="Title, Content">
     <p:spTree>
       <p:nvGrpSpPr>
@@ -2247,9 +2458,10 @@
           </a:prstGeom>
         </p:spPr>
         <p:txBody>
-          <a:bodyPr lIns="0" rIns="0" tIns="0" bIns="0" anchor="ctr"/>
-          <a:p>
-            <a:endParaRPr b="0" lang="pl-PL" sz="1800" spc="-1" strike="noStrike">
+          <a:bodyPr lIns="0" tIns="0" rIns="0" bIns="0" anchor="ctr"/>
+          <a:lstStyle/>
+          <a:p>
+            <a:endParaRPr lang="pl-PL" sz="1800" b="0" strike="noStrike" spc="-1">
               <a:solidFill>
                 <a:srgbClr val="000000"/>
               </a:solidFill>
@@ -2278,11 +2490,12 @@
           </a:prstGeom>
         </p:spPr>
         <p:txBody>
-          <a:bodyPr lIns="0" rIns="0" tIns="0" bIns="0">
+          <a:bodyPr lIns="0" tIns="0" rIns="0" bIns="0">
             <a:normAutofit/>
           </a:bodyPr>
-          <a:p>
-            <a:endParaRPr b="0" lang="pl-PL" sz="3200" spc="-1" strike="noStrike">
+          <a:lstStyle/>
+          <a:p>
+            <a:endParaRPr lang="pl-PL" sz="3200" b="0" strike="noStrike" spc="-1">
               <a:solidFill>
                 <a:srgbClr val="000000"/>
               </a:solidFill>
@@ -2293,11 +2506,14 @@
       </p:sp>
     </p:spTree>
   </p:cSld>
+  <p:clrMapOvr>
+    <a:masterClrMapping/>
+  </p:clrMapOvr>
 </p:sldLayout>
 </file>
 
 <file path=ppt/slideLayouts/slideLayout28.xml><?xml version="1.0" encoding="utf-8"?>
-<p:sldLayout xmlns:a="http://schemas.openxmlformats.org/drawingml/2006/main" xmlns:p="http://schemas.openxmlformats.org/presentationml/2006/main" xmlns:r="http://schemas.openxmlformats.org/officeDocument/2006/relationships" xmlns:p14="http://schemas.microsoft.com/office/powerpoint/2010/main" xmlns:p15="http://schemas.microsoft.com/office/powerpoint/2012/main" xmlns:mc="http://schemas.openxmlformats.org/markup-compatibility/2006" type="twoObj" preserve="1">
+<p:sldLayout xmlns:a="http://schemas.openxmlformats.org/drawingml/2006/main" xmlns:r="http://schemas.openxmlformats.org/officeDocument/2006/relationships" xmlns:p="http://schemas.openxmlformats.org/presentationml/2006/main" type="twoObj" preserve="1">
   <p:cSld name="Title, 2 Content">
     <p:spTree>
       <p:nvGrpSpPr>
@@ -2333,9 +2549,10 @@
           </a:prstGeom>
         </p:spPr>
         <p:txBody>
-          <a:bodyPr lIns="0" rIns="0" tIns="0" bIns="0" anchor="ctr"/>
-          <a:p>
-            <a:endParaRPr b="0" lang="pl-PL" sz="1800" spc="-1" strike="noStrike">
+          <a:bodyPr lIns="0" tIns="0" rIns="0" bIns="0" anchor="ctr"/>
+          <a:lstStyle/>
+          <a:p>
+            <a:endParaRPr lang="pl-PL" sz="1800" b="0" strike="noStrike" spc="-1">
               <a:solidFill>
                 <a:srgbClr val="000000"/>
               </a:solidFill>
@@ -2364,11 +2581,12 @@
           </a:prstGeom>
         </p:spPr>
         <p:txBody>
-          <a:bodyPr lIns="0" rIns="0" tIns="0" bIns="0">
+          <a:bodyPr lIns="0" tIns="0" rIns="0" bIns="0">
             <a:normAutofit/>
           </a:bodyPr>
-          <a:p>
-            <a:endParaRPr b="0" lang="pl-PL" sz="3200" spc="-1" strike="noStrike">
+          <a:lstStyle/>
+          <a:p>
+            <a:endParaRPr lang="pl-PL" sz="3200" b="0" strike="noStrike" spc="-1">
               <a:solidFill>
                 <a:srgbClr val="000000"/>
               </a:solidFill>
@@ -2397,11 +2615,12 @@
           </a:prstGeom>
         </p:spPr>
         <p:txBody>
-          <a:bodyPr lIns="0" rIns="0" tIns="0" bIns="0">
+          <a:bodyPr lIns="0" tIns="0" rIns="0" bIns="0">
             <a:normAutofit/>
           </a:bodyPr>
-          <a:p>
-            <a:endParaRPr b="0" lang="pl-PL" sz="3200" spc="-1" strike="noStrike">
+          <a:lstStyle/>
+          <a:p>
+            <a:endParaRPr lang="pl-PL" sz="3200" b="0" strike="noStrike" spc="-1">
               <a:solidFill>
                 <a:srgbClr val="000000"/>
               </a:solidFill>
@@ -2412,11 +2631,14 @@
       </p:sp>
     </p:spTree>
   </p:cSld>
+  <p:clrMapOvr>
+    <a:masterClrMapping/>
+  </p:clrMapOvr>
 </p:sldLayout>
 </file>
 
 <file path=ppt/slideLayouts/slideLayout29.xml><?xml version="1.0" encoding="utf-8"?>
-<p:sldLayout xmlns:a="http://schemas.openxmlformats.org/drawingml/2006/main" xmlns:p="http://schemas.openxmlformats.org/presentationml/2006/main" xmlns:r="http://schemas.openxmlformats.org/officeDocument/2006/relationships" xmlns:p14="http://schemas.microsoft.com/office/powerpoint/2010/main" xmlns:p15="http://schemas.microsoft.com/office/powerpoint/2012/main" xmlns:mc="http://schemas.openxmlformats.org/markup-compatibility/2006" type="titleOnly" preserve="1">
+<p:sldLayout xmlns:a="http://schemas.openxmlformats.org/drawingml/2006/main" xmlns:r="http://schemas.openxmlformats.org/officeDocument/2006/relationships" xmlns:p="http://schemas.openxmlformats.org/presentationml/2006/main" type="titleOnly" preserve="1">
   <p:cSld name="Title Only">
     <p:spTree>
       <p:nvGrpSpPr>
@@ -2452,9 +2674,10 @@
           </a:prstGeom>
         </p:spPr>
         <p:txBody>
-          <a:bodyPr lIns="0" rIns="0" tIns="0" bIns="0" anchor="ctr"/>
-          <a:p>
-            <a:endParaRPr b="0" lang="pl-PL" sz="1800" spc="-1" strike="noStrike">
+          <a:bodyPr lIns="0" tIns="0" rIns="0" bIns="0" anchor="ctr"/>
+          <a:lstStyle/>
+          <a:p>
+            <a:endParaRPr lang="pl-PL" sz="1800" b="0" strike="noStrike" spc="-1">
               <a:solidFill>
                 <a:srgbClr val="000000"/>
               </a:solidFill>
@@ -2465,11 +2688,14 @@
       </p:sp>
     </p:spTree>
   </p:cSld>
+  <p:clrMapOvr>
+    <a:masterClrMapping/>
+  </p:clrMapOvr>
 </p:sldLayout>
 </file>
 
 <file path=ppt/slideLayouts/slideLayout3.xml><?xml version="1.0" encoding="utf-8"?>
-<p:sldLayout xmlns:a="http://schemas.openxmlformats.org/drawingml/2006/main" xmlns:p="http://schemas.openxmlformats.org/presentationml/2006/main" xmlns:r="http://schemas.openxmlformats.org/officeDocument/2006/relationships" xmlns:p14="http://schemas.microsoft.com/office/powerpoint/2010/main" xmlns:p15="http://schemas.microsoft.com/office/powerpoint/2012/main" xmlns:mc="http://schemas.openxmlformats.org/markup-compatibility/2006" type="obj" preserve="1">
+<p:sldLayout xmlns:a="http://schemas.openxmlformats.org/drawingml/2006/main" xmlns:r="http://schemas.openxmlformats.org/officeDocument/2006/relationships" xmlns:p="http://schemas.openxmlformats.org/presentationml/2006/main" type="obj" preserve="1">
   <p:cSld name="Title, Content">
     <p:spTree>
       <p:nvGrpSpPr>
@@ -2505,9 +2731,10 @@
           </a:prstGeom>
         </p:spPr>
         <p:txBody>
-          <a:bodyPr lIns="0" rIns="0" tIns="0" bIns="0" anchor="ctr"/>
-          <a:p>
-            <a:endParaRPr b="0" lang="pl-PL" sz="1800" spc="-1" strike="noStrike">
+          <a:bodyPr lIns="0" tIns="0" rIns="0" bIns="0" anchor="ctr"/>
+          <a:lstStyle/>
+          <a:p>
+            <a:endParaRPr lang="pl-PL" sz="1800" b="0" strike="noStrike" spc="-1">
               <a:solidFill>
                 <a:srgbClr val="000000"/>
               </a:solidFill>
@@ -2536,11 +2763,12 @@
           </a:prstGeom>
         </p:spPr>
         <p:txBody>
-          <a:bodyPr lIns="0" rIns="0" tIns="0" bIns="0">
+          <a:bodyPr lIns="0" tIns="0" rIns="0" bIns="0">
             <a:normAutofit/>
           </a:bodyPr>
-          <a:p>
-            <a:endParaRPr b="0" lang="pl-PL" sz="3200" spc="-1" strike="noStrike">
+          <a:lstStyle/>
+          <a:p>
+            <a:endParaRPr lang="pl-PL" sz="3200" b="0" strike="noStrike" spc="-1">
               <a:solidFill>
                 <a:srgbClr val="000000"/>
               </a:solidFill>
@@ -2551,11 +2779,14 @@
       </p:sp>
     </p:spTree>
   </p:cSld>
+  <p:clrMapOvr>
+    <a:masterClrMapping/>
+  </p:clrMapOvr>
 </p:sldLayout>
 </file>
 
 <file path=ppt/slideLayouts/slideLayout30.xml><?xml version="1.0" encoding="utf-8"?>
-<p:sldLayout xmlns:a="http://schemas.openxmlformats.org/drawingml/2006/main" xmlns:p="http://schemas.openxmlformats.org/presentationml/2006/main" xmlns:r="http://schemas.openxmlformats.org/officeDocument/2006/relationships" xmlns:p14="http://schemas.microsoft.com/office/powerpoint/2010/main" xmlns:p15="http://schemas.microsoft.com/office/powerpoint/2012/main" xmlns:mc="http://schemas.openxmlformats.org/markup-compatibility/2006" type="objOnly" preserve="1">
+<p:sldLayout xmlns:a="http://schemas.openxmlformats.org/drawingml/2006/main" xmlns:r="http://schemas.openxmlformats.org/officeDocument/2006/relationships" xmlns:p="http://schemas.openxmlformats.org/presentationml/2006/main" type="objOnly" preserve="1">
   <p:cSld name="Centered Text">
     <p:spTree>
       <p:nvGrpSpPr>
@@ -2591,10 +2822,11 @@
           </a:prstGeom>
         </p:spPr>
         <p:txBody>
-          <a:bodyPr lIns="0" rIns="0" tIns="0" bIns="0" anchor="ctr"/>
+          <a:bodyPr lIns="0" tIns="0" rIns="0" bIns="0" anchor="ctr"/>
+          <a:lstStyle/>
           <a:p>
             <a:pPr algn="ctr"/>
-            <a:endParaRPr b="0" lang="en-US" sz="3200" spc="-1" strike="noStrike">
+            <a:endParaRPr lang="en-US" sz="3200" b="0" strike="noStrike" spc="-1">
               <a:latin typeface="Arial"/>
             </a:endParaRPr>
           </a:p>
@@ -2602,11 +2834,14 @@
       </p:sp>
     </p:spTree>
   </p:cSld>
+  <p:clrMapOvr>
+    <a:masterClrMapping/>
+  </p:clrMapOvr>
 </p:sldLayout>
 </file>
 
 <file path=ppt/slideLayouts/slideLayout31.xml><?xml version="1.0" encoding="utf-8"?>
-<p:sldLayout xmlns:a="http://schemas.openxmlformats.org/drawingml/2006/main" xmlns:p="http://schemas.openxmlformats.org/presentationml/2006/main" xmlns:r="http://schemas.openxmlformats.org/officeDocument/2006/relationships" xmlns:p14="http://schemas.microsoft.com/office/powerpoint/2010/main" xmlns:p15="http://schemas.microsoft.com/office/powerpoint/2012/main" xmlns:mc="http://schemas.openxmlformats.org/markup-compatibility/2006" type="twoObjAndObj" preserve="1">
+<p:sldLayout xmlns:a="http://schemas.openxmlformats.org/drawingml/2006/main" xmlns:r="http://schemas.openxmlformats.org/officeDocument/2006/relationships" xmlns:p="http://schemas.openxmlformats.org/presentationml/2006/main" type="twoObjAndObj" preserve="1">
   <p:cSld name="Title, 2 Content and Content">
     <p:spTree>
       <p:nvGrpSpPr>
@@ -2642,9 +2877,10 @@
           </a:prstGeom>
         </p:spPr>
         <p:txBody>
-          <a:bodyPr lIns="0" rIns="0" tIns="0" bIns="0" anchor="ctr"/>
-          <a:p>
-            <a:endParaRPr b="0" lang="pl-PL" sz="1800" spc="-1" strike="noStrike">
+          <a:bodyPr lIns="0" tIns="0" rIns="0" bIns="0" anchor="ctr"/>
+          <a:lstStyle/>
+          <a:p>
+            <a:endParaRPr lang="pl-PL" sz="1800" b="0" strike="noStrike" spc="-1">
               <a:solidFill>
                 <a:srgbClr val="000000"/>
               </a:solidFill>
@@ -2673,11 +2909,12 @@
           </a:prstGeom>
         </p:spPr>
         <p:txBody>
-          <a:bodyPr lIns="0" rIns="0" tIns="0" bIns="0">
+          <a:bodyPr lIns="0" tIns="0" rIns="0" bIns="0">
             <a:normAutofit/>
           </a:bodyPr>
-          <a:p>
-            <a:endParaRPr b="0" lang="pl-PL" sz="3200" spc="-1" strike="noStrike">
+          <a:lstStyle/>
+          <a:p>
+            <a:endParaRPr lang="pl-PL" sz="3200" b="0" strike="noStrike" spc="-1">
               <a:solidFill>
                 <a:srgbClr val="000000"/>
               </a:solidFill>
@@ -2706,11 +2943,12 @@
           </a:prstGeom>
         </p:spPr>
         <p:txBody>
-          <a:bodyPr lIns="0" rIns="0" tIns="0" bIns="0">
+          <a:bodyPr lIns="0" tIns="0" rIns="0" bIns="0">
             <a:normAutofit/>
           </a:bodyPr>
-          <a:p>
-            <a:endParaRPr b="0" lang="pl-PL" sz="3200" spc="-1" strike="noStrike">
+          <a:lstStyle/>
+          <a:p>
+            <a:endParaRPr lang="pl-PL" sz="3200" b="0" strike="noStrike" spc="-1">
               <a:solidFill>
                 <a:srgbClr val="000000"/>
               </a:solidFill>
@@ -2739,11 +2977,12 @@
           </a:prstGeom>
         </p:spPr>
         <p:txBody>
-          <a:bodyPr lIns="0" rIns="0" tIns="0" bIns="0">
+          <a:bodyPr lIns="0" tIns="0" rIns="0" bIns="0">
             <a:normAutofit/>
           </a:bodyPr>
-          <a:p>
-            <a:endParaRPr b="0" lang="pl-PL" sz="3200" spc="-1" strike="noStrike">
+          <a:lstStyle/>
+          <a:p>
+            <a:endParaRPr lang="pl-PL" sz="3200" b="0" strike="noStrike" spc="-1">
               <a:solidFill>
                 <a:srgbClr val="000000"/>
               </a:solidFill>
@@ -2754,11 +2993,14 @@
       </p:sp>
     </p:spTree>
   </p:cSld>
+  <p:clrMapOvr>
+    <a:masterClrMapping/>
+  </p:clrMapOvr>
 </p:sldLayout>
 </file>
 
 <file path=ppt/slideLayouts/slideLayout32.xml><?xml version="1.0" encoding="utf-8"?>
-<p:sldLayout xmlns:a="http://schemas.openxmlformats.org/drawingml/2006/main" xmlns:p="http://schemas.openxmlformats.org/presentationml/2006/main" xmlns:r="http://schemas.openxmlformats.org/officeDocument/2006/relationships" xmlns:p14="http://schemas.microsoft.com/office/powerpoint/2010/main" xmlns:p15="http://schemas.microsoft.com/office/powerpoint/2012/main" xmlns:mc="http://schemas.openxmlformats.org/markup-compatibility/2006" type="objAndTwoObj" preserve="1">
+<p:sldLayout xmlns:a="http://schemas.openxmlformats.org/drawingml/2006/main" xmlns:r="http://schemas.openxmlformats.org/officeDocument/2006/relationships" xmlns:p="http://schemas.openxmlformats.org/presentationml/2006/main" type="objAndTwoObj" preserve="1">
   <p:cSld name="Title Content and 2 Content">
     <p:spTree>
       <p:nvGrpSpPr>
@@ -2794,9 +3036,10 @@
           </a:prstGeom>
         </p:spPr>
         <p:txBody>
-          <a:bodyPr lIns="0" rIns="0" tIns="0" bIns="0" anchor="ctr"/>
-          <a:p>
-            <a:endParaRPr b="0" lang="pl-PL" sz="1800" spc="-1" strike="noStrike">
+          <a:bodyPr lIns="0" tIns="0" rIns="0" bIns="0" anchor="ctr"/>
+          <a:lstStyle/>
+          <a:p>
+            <a:endParaRPr lang="pl-PL" sz="1800" b="0" strike="noStrike" spc="-1">
               <a:solidFill>
                 <a:srgbClr val="000000"/>
               </a:solidFill>
@@ -2825,11 +3068,12 @@
           </a:prstGeom>
         </p:spPr>
         <p:txBody>
-          <a:bodyPr lIns="0" rIns="0" tIns="0" bIns="0">
+          <a:bodyPr lIns="0" tIns="0" rIns="0" bIns="0">
             <a:normAutofit/>
           </a:bodyPr>
-          <a:p>
-            <a:endParaRPr b="0" lang="pl-PL" sz="3200" spc="-1" strike="noStrike">
+          <a:lstStyle/>
+          <a:p>
+            <a:endParaRPr lang="pl-PL" sz="3200" b="0" strike="noStrike" spc="-1">
               <a:solidFill>
                 <a:srgbClr val="000000"/>
               </a:solidFill>
@@ -2858,11 +3102,12 @@
           </a:prstGeom>
         </p:spPr>
         <p:txBody>
-          <a:bodyPr lIns="0" rIns="0" tIns="0" bIns="0">
+          <a:bodyPr lIns="0" tIns="0" rIns="0" bIns="0">
             <a:normAutofit/>
           </a:bodyPr>
-          <a:p>
-            <a:endParaRPr b="0" lang="pl-PL" sz="3200" spc="-1" strike="noStrike">
+          <a:lstStyle/>
+          <a:p>
+            <a:endParaRPr lang="pl-PL" sz="3200" b="0" strike="noStrike" spc="-1">
               <a:solidFill>
                 <a:srgbClr val="000000"/>
               </a:solidFill>
@@ -2891,11 +3136,12 @@
           </a:prstGeom>
         </p:spPr>
         <p:txBody>
-          <a:bodyPr lIns="0" rIns="0" tIns="0" bIns="0">
+          <a:bodyPr lIns="0" tIns="0" rIns="0" bIns="0">
             <a:normAutofit/>
           </a:bodyPr>
-          <a:p>
-            <a:endParaRPr b="0" lang="pl-PL" sz="3200" spc="-1" strike="noStrike">
+          <a:lstStyle/>
+          <a:p>
+            <a:endParaRPr lang="pl-PL" sz="3200" b="0" strike="noStrike" spc="-1">
               <a:solidFill>
                 <a:srgbClr val="000000"/>
               </a:solidFill>
@@ -2906,11 +3152,14 @@
       </p:sp>
     </p:spTree>
   </p:cSld>
+  <p:clrMapOvr>
+    <a:masterClrMapping/>
+  </p:clrMapOvr>
 </p:sldLayout>
 </file>
 
 <file path=ppt/slideLayouts/slideLayout33.xml><?xml version="1.0" encoding="utf-8"?>
-<p:sldLayout xmlns:a="http://schemas.openxmlformats.org/drawingml/2006/main" xmlns:p="http://schemas.openxmlformats.org/presentationml/2006/main" xmlns:r="http://schemas.openxmlformats.org/officeDocument/2006/relationships" xmlns:p14="http://schemas.microsoft.com/office/powerpoint/2010/main" xmlns:p15="http://schemas.microsoft.com/office/powerpoint/2012/main" xmlns:mc="http://schemas.openxmlformats.org/markup-compatibility/2006" type="twoObjOverTx" preserve="1">
+<p:sldLayout xmlns:a="http://schemas.openxmlformats.org/drawingml/2006/main" xmlns:r="http://schemas.openxmlformats.org/officeDocument/2006/relationships" xmlns:p="http://schemas.openxmlformats.org/presentationml/2006/main" type="twoObjOverTx" preserve="1">
   <p:cSld name="Title, 2 Content over Content">
     <p:spTree>
       <p:nvGrpSpPr>
@@ -2946,9 +3195,10 @@
           </a:prstGeom>
         </p:spPr>
         <p:txBody>
-          <a:bodyPr lIns="0" rIns="0" tIns="0" bIns="0" anchor="ctr"/>
-          <a:p>
-            <a:endParaRPr b="0" lang="pl-PL" sz="1800" spc="-1" strike="noStrike">
+          <a:bodyPr lIns="0" tIns="0" rIns="0" bIns="0" anchor="ctr"/>
+          <a:lstStyle/>
+          <a:p>
+            <a:endParaRPr lang="pl-PL" sz="1800" b="0" strike="noStrike" spc="-1">
               <a:solidFill>
                 <a:srgbClr val="000000"/>
               </a:solidFill>
@@ -2977,11 +3227,12 @@
           </a:prstGeom>
         </p:spPr>
         <p:txBody>
-          <a:bodyPr lIns="0" rIns="0" tIns="0" bIns="0">
+          <a:bodyPr lIns="0" tIns="0" rIns="0" bIns="0">
             <a:normAutofit/>
           </a:bodyPr>
-          <a:p>
-            <a:endParaRPr b="0" lang="pl-PL" sz="3200" spc="-1" strike="noStrike">
+          <a:lstStyle/>
+          <a:p>
+            <a:endParaRPr lang="pl-PL" sz="3200" b="0" strike="noStrike" spc="-1">
               <a:solidFill>
                 <a:srgbClr val="000000"/>
               </a:solidFill>
@@ -3010,11 +3261,12 @@
           </a:prstGeom>
         </p:spPr>
         <p:txBody>
-          <a:bodyPr lIns="0" rIns="0" tIns="0" bIns="0">
+          <a:bodyPr lIns="0" tIns="0" rIns="0" bIns="0">
             <a:normAutofit/>
           </a:bodyPr>
-          <a:p>
-            <a:endParaRPr b="0" lang="pl-PL" sz="3200" spc="-1" strike="noStrike">
+          <a:lstStyle/>
+          <a:p>
+            <a:endParaRPr lang="pl-PL" sz="3200" b="0" strike="noStrike" spc="-1">
               <a:solidFill>
                 <a:srgbClr val="000000"/>
               </a:solidFill>
@@ -3043,11 +3295,12 @@
           </a:prstGeom>
         </p:spPr>
         <p:txBody>
-          <a:bodyPr lIns="0" rIns="0" tIns="0" bIns="0">
+          <a:bodyPr lIns="0" tIns="0" rIns="0" bIns="0">
             <a:normAutofit/>
           </a:bodyPr>
-          <a:p>
-            <a:endParaRPr b="0" lang="pl-PL" sz="3200" spc="-1" strike="noStrike">
+          <a:lstStyle/>
+          <a:p>
+            <a:endParaRPr lang="pl-PL" sz="3200" b="0" strike="noStrike" spc="-1">
               <a:solidFill>
                 <a:srgbClr val="000000"/>
               </a:solidFill>
@@ -3058,11 +3311,14 @@
       </p:sp>
     </p:spTree>
   </p:cSld>
+  <p:clrMapOvr>
+    <a:masterClrMapping/>
+  </p:clrMapOvr>
 </p:sldLayout>
 </file>
 
 <file path=ppt/slideLayouts/slideLayout34.xml><?xml version="1.0" encoding="utf-8"?>
-<p:sldLayout xmlns:a="http://schemas.openxmlformats.org/drawingml/2006/main" xmlns:p="http://schemas.openxmlformats.org/presentationml/2006/main" xmlns:r="http://schemas.openxmlformats.org/officeDocument/2006/relationships" xmlns:p14="http://schemas.microsoft.com/office/powerpoint/2010/main" xmlns:p15="http://schemas.microsoft.com/office/powerpoint/2012/main" xmlns:mc="http://schemas.openxmlformats.org/markup-compatibility/2006" type="objOverTx" preserve="1">
+<p:sldLayout xmlns:a="http://schemas.openxmlformats.org/drawingml/2006/main" xmlns:r="http://schemas.openxmlformats.org/officeDocument/2006/relationships" xmlns:p="http://schemas.openxmlformats.org/presentationml/2006/main" type="objOverTx" preserve="1">
   <p:cSld name="Title, Content over Content">
     <p:spTree>
       <p:nvGrpSpPr>
@@ -3098,9 +3354,10 @@
           </a:prstGeom>
         </p:spPr>
         <p:txBody>
-          <a:bodyPr lIns="0" rIns="0" tIns="0" bIns="0" anchor="ctr"/>
-          <a:p>
-            <a:endParaRPr b="0" lang="pl-PL" sz="1800" spc="-1" strike="noStrike">
+          <a:bodyPr lIns="0" tIns="0" rIns="0" bIns="0" anchor="ctr"/>
+          <a:lstStyle/>
+          <a:p>
+            <a:endParaRPr lang="pl-PL" sz="1800" b="0" strike="noStrike" spc="-1">
               <a:solidFill>
                 <a:srgbClr val="000000"/>
               </a:solidFill>
@@ -3129,11 +3386,12 @@
           </a:prstGeom>
         </p:spPr>
         <p:txBody>
-          <a:bodyPr lIns="0" rIns="0" tIns="0" bIns="0">
+          <a:bodyPr lIns="0" tIns="0" rIns="0" bIns="0">
             <a:normAutofit/>
           </a:bodyPr>
-          <a:p>
-            <a:endParaRPr b="0" lang="pl-PL" sz="3200" spc="-1" strike="noStrike">
+          <a:lstStyle/>
+          <a:p>
+            <a:endParaRPr lang="pl-PL" sz="3200" b="0" strike="noStrike" spc="-1">
               <a:solidFill>
                 <a:srgbClr val="000000"/>
               </a:solidFill>
@@ -3162,11 +3420,12 @@
           </a:prstGeom>
         </p:spPr>
         <p:txBody>
-          <a:bodyPr lIns="0" rIns="0" tIns="0" bIns="0">
+          <a:bodyPr lIns="0" tIns="0" rIns="0" bIns="0">
             <a:normAutofit/>
           </a:bodyPr>
-          <a:p>
-            <a:endParaRPr b="0" lang="pl-PL" sz="3200" spc="-1" strike="noStrike">
+          <a:lstStyle/>
+          <a:p>
+            <a:endParaRPr lang="pl-PL" sz="3200" b="0" strike="noStrike" spc="-1">
               <a:solidFill>
                 <a:srgbClr val="000000"/>
               </a:solidFill>
@@ -3177,11 +3436,14 @@
       </p:sp>
     </p:spTree>
   </p:cSld>
+  <p:clrMapOvr>
+    <a:masterClrMapping/>
+  </p:clrMapOvr>
 </p:sldLayout>
 </file>
 
 <file path=ppt/slideLayouts/slideLayout35.xml><?xml version="1.0" encoding="utf-8"?>
-<p:sldLayout xmlns:a="http://schemas.openxmlformats.org/drawingml/2006/main" xmlns:p="http://schemas.openxmlformats.org/presentationml/2006/main" xmlns:r="http://schemas.openxmlformats.org/officeDocument/2006/relationships" xmlns:p14="http://schemas.microsoft.com/office/powerpoint/2010/main" xmlns:p15="http://schemas.microsoft.com/office/powerpoint/2012/main" xmlns:mc="http://schemas.openxmlformats.org/markup-compatibility/2006" type="fourObj" preserve="1">
+<p:sldLayout xmlns:a="http://schemas.openxmlformats.org/drawingml/2006/main" xmlns:r="http://schemas.openxmlformats.org/officeDocument/2006/relationships" xmlns:p="http://schemas.openxmlformats.org/presentationml/2006/main" type="fourObj" preserve="1">
   <p:cSld name="Title, 4 Content">
     <p:spTree>
       <p:nvGrpSpPr>
@@ -3217,9 +3479,10 @@
           </a:prstGeom>
         </p:spPr>
         <p:txBody>
-          <a:bodyPr lIns="0" rIns="0" tIns="0" bIns="0" anchor="ctr"/>
-          <a:p>
-            <a:endParaRPr b="0" lang="pl-PL" sz="1800" spc="-1" strike="noStrike">
+          <a:bodyPr lIns="0" tIns="0" rIns="0" bIns="0" anchor="ctr"/>
+          <a:lstStyle/>
+          <a:p>
+            <a:endParaRPr lang="pl-PL" sz="1800" b="0" strike="noStrike" spc="-1">
               <a:solidFill>
                 <a:srgbClr val="000000"/>
               </a:solidFill>
@@ -3248,11 +3511,12 @@
           </a:prstGeom>
         </p:spPr>
         <p:txBody>
-          <a:bodyPr lIns="0" rIns="0" tIns="0" bIns="0">
+          <a:bodyPr lIns="0" tIns="0" rIns="0" bIns="0">
             <a:normAutofit/>
           </a:bodyPr>
-          <a:p>
-            <a:endParaRPr b="0" lang="pl-PL" sz="3200" spc="-1" strike="noStrike">
+          <a:lstStyle/>
+          <a:p>
+            <a:endParaRPr lang="pl-PL" sz="3200" b="0" strike="noStrike" spc="-1">
               <a:solidFill>
                 <a:srgbClr val="000000"/>
               </a:solidFill>
@@ -3281,11 +3545,12 @@
           </a:prstGeom>
         </p:spPr>
         <p:txBody>
-          <a:bodyPr lIns="0" rIns="0" tIns="0" bIns="0">
+          <a:bodyPr lIns="0" tIns="0" rIns="0" bIns="0">
             <a:normAutofit/>
           </a:bodyPr>
-          <a:p>
-            <a:endParaRPr b="0" lang="pl-PL" sz="3200" spc="-1" strike="noStrike">
+          <a:lstStyle/>
+          <a:p>
+            <a:endParaRPr lang="pl-PL" sz="3200" b="0" strike="noStrike" spc="-1">
               <a:solidFill>
                 <a:srgbClr val="000000"/>
               </a:solidFill>
@@ -3314,11 +3579,12 @@
           </a:prstGeom>
         </p:spPr>
         <p:txBody>
-          <a:bodyPr lIns="0" rIns="0" tIns="0" bIns="0">
+          <a:bodyPr lIns="0" tIns="0" rIns="0" bIns="0">
             <a:normAutofit/>
           </a:bodyPr>
-          <a:p>
-            <a:endParaRPr b="0" lang="pl-PL" sz="3200" spc="-1" strike="noStrike">
+          <a:lstStyle/>
+          <a:p>
+            <a:endParaRPr lang="pl-PL" sz="3200" b="0" strike="noStrike" spc="-1">
               <a:solidFill>
                 <a:srgbClr val="000000"/>
               </a:solidFill>
@@ -3347,11 +3613,12 @@
           </a:prstGeom>
         </p:spPr>
         <p:txBody>
-          <a:bodyPr lIns="0" rIns="0" tIns="0" bIns="0">
+          <a:bodyPr lIns="0" tIns="0" rIns="0" bIns="0">
             <a:normAutofit/>
           </a:bodyPr>
-          <a:p>
-            <a:endParaRPr b="0" lang="pl-PL" sz="3200" spc="-1" strike="noStrike">
+          <a:lstStyle/>
+          <a:p>
+            <a:endParaRPr lang="pl-PL" sz="3200" b="0" strike="noStrike" spc="-1">
               <a:solidFill>
                 <a:srgbClr val="000000"/>
               </a:solidFill>
@@ -3362,11 +3629,14 @@
       </p:sp>
     </p:spTree>
   </p:cSld>
+  <p:clrMapOvr>
+    <a:masterClrMapping/>
+  </p:clrMapOvr>
 </p:sldLayout>
 </file>
 
 <file path=ppt/slideLayouts/slideLayout36.xml><?xml version="1.0" encoding="utf-8"?>
-<p:sldLayout xmlns:a="http://schemas.openxmlformats.org/drawingml/2006/main" xmlns:p="http://schemas.openxmlformats.org/presentationml/2006/main" xmlns:r="http://schemas.openxmlformats.org/officeDocument/2006/relationships" xmlns:p14="http://schemas.microsoft.com/office/powerpoint/2010/main" xmlns:p15="http://schemas.microsoft.com/office/powerpoint/2012/main" xmlns:mc="http://schemas.openxmlformats.org/markup-compatibility/2006" type="blank" preserve="1">
+<p:sldLayout xmlns:a="http://schemas.openxmlformats.org/drawingml/2006/main" xmlns:r="http://schemas.openxmlformats.org/officeDocument/2006/relationships" xmlns:p="http://schemas.openxmlformats.org/presentationml/2006/main" type="blank" preserve="1">
   <p:cSld name="Title, 6 Content">
     <p:spTree>
       <p:nvGrpSpPr>
@@ -3402,9 +3672,10 @@
           </a:prstGeom>
         </p:spPr>
         <p:txBody>
-          <a:bodyPr lIns="0" rIns="0" tIns="0" bIns="0" anchor="ctr"/>
-          <a:p>
-            <a:endParaRPr b="0" lang="pl-PL" sz="1800" spc="-1" strike="noStrike">
+          <a:bodyPr lIns="0" tIns="0" rIns="0" bIns="0" anchor="ctr"/>
+          <a:lstStyle/>
+          <a:p>
+            <a:endParaRPr lang="pl-PL" sz="1800" b="0" strike="noStrike" spc="-1">
               <a:solidFill>
                 <a:srgbClr val="000000"/>
               </a:solidFill>
@@ -3433,11 +3704,12 @@
           </a:prstGeom>
         </p:spPr>
         <p:txBody>
-          <a:bodyPr lIns="0" rIns="0" tIns="0" bIns="0">
+          <a:bodyPr lIns="0" tIns="0" rIns="0" bIns="0">
             <a:normAutofit/>
           </a:bodyPr>
-          <a:p>
-            <a:endParaRPr b="0" lang="pl-PL" sz="3200" spc="-1" strike="noStrike">
+          <a:lstStyle/>
+          <a:p>
+            <a:endParaRPr lang="pl-PL" sz="3200" b="0" strike="noStrike" spc="-1">
               <a:solidFill>
                 <a:srgbClr val="000000"/>
               </a:solidFill>
@@ -3466,11 +3738,12 @@
           </a:prstGeom>
         </p:spPr>
         <p:txBody>
-          <a:bodyPr lIns="0" rIns="0" tIns="0" bIns="0">
+          <a:bodyPr lIns="0" tIns="0" rIns="0" bIns="0">
             <a:normAutofit/>
           </a:bodyPr>
-          <a:p>
-            <a:endParaRPr b="0" lang="pl-PL" sz="3200" spc="-1" strike="noStrike">
+          <a:lstStyle/>
+          <a:p>
+            <a:endParaRPr lang="pl-PL" sz="3200" b="0" strike="noStrike" spc="-1">
               <a:solidFill>
                 <a:srgbClr val="000000"/>
               </a:solidFill>
@@ -3499,11 +3772,12 @@
           </a:prstGeom>
         </p:spPr>
         <p:txBody>
-          <a:bodyPr lIns="0" rIns="0" tIns="0" bIns="0">
+          <a:bodyPr lIns="0" tIns="0" rIns="0" bIns="0">
             <a:normAutofit/>
           </a:bodyPr>
-          <a:p>
-            <a:endParaRPr b="0" lang="pl-PL" sz="3200" spc="-1" strike="noStrike">
+          <a:lstStyle/>
+          <a:p>
+            <a:endParaRPr lang="pl-PL" sz="3200" b="0" strike="noStrike" spc="-1">
               <a:solidFill>
                 <a:srgbClr val="000000"/>
               </a:solidFill>
@@ -3532,11 +3806,12 @@
           </a:prstGeom>
         </p:spPr>
         <p:txBody>
-          <a:bodyPr lIns="0" rIns="0" tIns="0" bIns="0">
+          <a:bodyPr lIns="0" tIns="0" rIns="0" bIns="0">
             <a:normAutofit/>
           </a:bodyPr>
-          <a:p>
-            <a:endParaRPr b="0" lang="pl-PL" sz="3200" spc="-1" strike="noStrike">
+          <a:lstStyle/>
+          <a:p>
+            <a:endParaRPr lang="pl-PL" sz="3200" b="0" strike="noStrike" spc="-1">
               <a:solidFill>
                 <a:srgbClr val="000000"/>
               </a:solidFill>
@@ -3565,11 +3840,12 @@
           </a:prstGeom>
         </p:spPr>
         <p:txBody>
-          <a:bodyPr lIns="0" rIns="0" tIns="0" bIns="0">
+          <a:bodyPr lIns="0" tIns="0" rIns="0" bIns="0">
             <a:normAutofit/>
           </a:bodyPr>
-          <a:p>
-            <a:endParaRPr b="0" lang="pl-PL" sz="3200" spc="-1" strike="noStrike">
+          <a:lstStyle/>
+          <a:p>
+            <a:endParaRPr lang="pl-PL" sz="3200" b="0" strike="noStrike" spc="-1">
               <a:solidFill>
                 <a:srgbClr val="000000"/>
               </a:solidFill>
@@ -3598,11 +3874,12 @@
           </a:prstGeom>
         </p:spPr>
         <p:txBody>
-          <a:bodyPr lIns="0" rIns="0" tIns="0" bIns="0">
+          <a:bodyPr lIns="0" tIns="0" rIns="0" bIns="0">
             <a:normAutofit/>
           </a:bodyPr>
-          <a:p>
-            <a:endParaRPr b="0" lang="pl-PL" sz="3200" spc="-1" strike="noStrike">
+          <a:lstStyle/>
+          <a:p>
+            <a:endParaRPr lang="pl-PL" sz="3200" b="0" strike="noStrike" spc="-1">
               <a:solidFill>
                 <a:srgbClr val="000000"/>
               </a:solidFill>
@@ -3613,11 +3890,14 @@
       </p:sp>
     </p:spTree>
   </p:cSld>
+  <p:clrMapOvr>
+    <a:masterClrMapping/>
+  </p:clrMapOvr>
 </p:sldLayout>
 </file>
 
 <file path=ppt/slideLayouts/slideLayout4.xml><?xml version="1.0" encoding="utf-8"?>
-<p:sldLayout xmlns:a="http://schemas.openxmlformats.org/drawingml/2006/main" xmlns:p="http://schemas.openxmlformats.org/presentationml/2006/main" xmlns:r="http://schemas.openxmlformats.org/officeDocument/2006/relationships" xmlns:p14="http://schemas.microsoft.com/office/powerpoint/2010/main" xmlns:p15="http://schemas.microsoft.com/office/powerpoint/2012/main" xmlns:mc="http://schemas.openxmlformats.org/markup-compatibility/2006" type="twoObj" preserve="1">
+<p:sldLayout xmlns:a="http://schemas.openxmlformats.org/drawingml/2006/main" xmlns:r="http://schemas.openxmlformats.org/officeDocument/2006/relationships" xmlns:p="http://schemas.openxmlformats.org/presentationml/2006/main" type="twoObj" preserve="1">
   <p:cSld name="Title, 2 Content">
     <p:spTree>
       <p:nvGrpSpPr>
@@ -3653,9 +3933,10 @@
           </a:prstGeom>
         </p:spPr>
         <p:txBody>
-          <a:bodyPr lIns="0" rIns="0" tIns="0" bIns="0" anchor="ctr"/>
-          <a:p>
-            <a:endParaRPr b="0" lang="pl-PL" sz="1800" spc="-1" strike="noStrike">
+          <a:bodyPr lIns="0" tIns="0" rIns="0" bIns="0" anchor="ctr"/>
+          <a:lstStyle/>
+          <a:p>
+            <a:endParaRPr lang="pl-PL" sz="1800" b="0" strike="noStrike" spc="-1">
               <a:solidFill>
                 <a:srgbClr val="000000"/>
               </a:solidFill>
@@ -3684,11 +3965,12 @@
           </a:prstGeom>
         </p:spPr>
         <p:txBody>
-          <a:bodyPr lIns="0" rIns="0" tIns="0" bIns="0">
+          <a:bodyPr lIns="0" tIns="0" rIns="0" bIns="0">
             <a:normAutofit/>
           </a:bodyPr>
-          <a:p>
-            <a:endParaRPr b="0" lang="pl-PL" sz="3200" spc="-1" strike="noStrike">
+          <a:lstStyle/>
+          <a:p>
+            <a:endParaRPr lang="pl-PL" sz="3200" b="0" strike="noStrike" spc="-1">
               <a:solidFill>
                 <a:srgbClr val="000000"/>
               </a:solidFill>
@@ -3717,11 +3999,12 @@
           </a:prstGeom>
         </p:spPr>
         <p:txBody>
-          <a:bodyPr lIns="0" rIns="0" tIns="0" bIns="0">
+          <a:bodyPr lIns="0" tIns="0" rIns="0" bIns="0">
             <a:normAutofit/>
           </a:bodyPr>
-          <a:p>
-            <a:endParaRPr b="0" lang="pl-PL" sz="3200" spc="-1" strike="noStrike">
+          <a:lstStyle/>
+          <a:p>
+            <a:endParaRPr lang="pl-PL" sz="3200" b="0" strike="noStrike" spc="-1">
               <a:solidFill>
                 <a:srgbClr val="000000"/>
               </a:solidFill>
@@ -3732,11 +4015,14 @@
       </p:sp>
     </p:spTree>
   </p:cSld>
+  <p:clrMapOvr>
+    <a:masterClrMapping/>
+  </p:clrMapOvr>
 </p:sldLayout>
 </file>
 
 <file path=ppt/slideLayouts/slideLayout5.xml><?xml version="1.0" encoding="utf-8"?>
-<p:sldLayout xmlns:a="http://schemas.openxmlformats.org/drawingml/2006/main" xmlns:p="http://schemas.openxmlformats.org/presentationml/2006/main" xmlns:r="http://schemas.openxmlformats.org/officeDocument/2006/relationships" xmlns:p14="http://schemas.microsoft.com/office/powerpoint/2010/main" xmlns:p15="http://schemas.microsoft.com/office/powerpoint/2012/main" xmlns:mc="http://schemas.openxmlformats.org/markup-compatibility/2006" type="titleOnly" preserve="1">
+<p:sldLayout xmlns:a="http://schemas.openxmlformats.org/drawingml/2006/main" xmlns:r="http://schemas.openxmlformats.org/officeDocument/2006/relationships" xmlns:p="http://schemas.openxmlformats.org/presentationml/2006/main" type="titleOnly" preserve="1">
   <p:cSld name="Title Only">
     <p:spTree>
       <p:nvGrpSpPr>
@@ -3772,9 +4058,10 @@
           </a:prstGeom>
         </p:spPr>
         <p:txBody>
-          <a:bodyPr lIns="0" rIns="0" tIns="0" bIns="0" anchor="ctr"/>
-          <a:p>
-            <a:endParaRPr b="0" lang="pl-PL" sz="1800" spc="-1" strike="noStrike">
+          <a:bodyPr lIns="0" tIns="0" rIns="0" bIns="0" anchor="ctr"/>
+          <a:lstStyle/>
+          <a:p>
+            <a:endParaRPr lang="pl-PL" sz="1800" b="0" strike="noStrike" spc="-1">
               <a:solidFill>
                 <a:srgbClr val="000000"/>
               </a:solidFill>
@@ -3785,11 +4072,14 @@
       </p:sp>
     </p:spTree>
   </p:cSld>
+  <p:clrMapOvr>
+    <a:masterClrMapping/>
+  </p:clrMapOvr>
 </p:sldLayout>
 </file>
 
 <file path=ppt/slideLayouts/slideLayout6.xml><?xml version="1.0" encoding="utf-8"?>
-<p:sldLayout xmlns:a="http://schemas.openxmlformats.org/drawingml/2006/main" xmlns:p="http://schemas.openxmlformats.org/presentationml/2006/main" xmlns:r="http://schemas.openxmlformats.org/officeDocument/2006/relationships" xmlns:p14="http://schemas.microsoft.com/office/powerpoint/2010/main" xmlns:p15="http://schemas.microsoft.com/office/powerpoint/2012/main" xmlns:mc="http://schemas.openxmlformats.org/markup-compatibility/2006" type="objOnly" preserve="1">
+<p:sldLayout xmlns:a="http://schemas.openxmlformats.org/drawingml/2006/main" xmlns:r="http://schemas.openxmlformats.org/officeDocument/2006/relationships" xmlns:p="http://schemas.openxmlformats.org/presentationml/2006/main" type="objOnly" preserve="1">
   <p:cSld name="Centered Text">
     <p:spTree>
       <p:nvGrpSpPr>
@@ -3825,10 +4115,11 @@
           </a:prstGeom>
         </p:spPr>
         <p:txBody>
-          <a:bodyPr lIns="0" rIns="0" tIns="0" bIns="0" anchor="ctr"/>
+          <a:bodyPr lIns="0" tIns="0" rIns="0" bIns="0" anchor="ctr"/>
+          <a:lstStyle/>
           <a:p>
             <a:pPr algn="ctr"/>
-            <a:endParaRPr b="0" lang="en-US" sz="3200" spc="-1" strike="noStrike">
+            <a:endParaRPr lang="en-US" sz="3200" b="0" strike="noStrike" spc="-1">
               <a:latin typeface="Arial"/>
             </a:endParaRPr>
           </a:p>
@@ -3836,11 +4127,14 @@
       </p:sp>
     </p:spTree>
   </p:cSld>
+  <p:clrMapOvr>
+    <a:masterClrMapping/>
+  </p:clrMapOvr>
 </p:sldLayout>
 </file>
 
 <file path=ppt/slideLayouts/slideLayout7.xml><?xml version="1.0" encoding="utf-8"?>
-<p:sldLayout xmlns:a="http://schemas.openxmlformats.org/drawingml/2006/main" xmlns:p="http://schemas.openxmlformats.org/presentationml/2006/main" xmlns:r="http://schemas.openxmlformats.org/officeDocument/2006/relationships" xmlns:p14="http://schemas.microsoft.com/office/powerpoint/2010/main" xmlns:p15="http://schemas.microsoft.com/office/powerpoint/2012/main" xmlns:mc="http://schemas.openxmlformats.org/markup-compatibility/2006" type="twoObjAndObj" preserve="1">
+<p:sldLayout xmlns:a="http://schemas.openxmlformats.org/drawingml/2006/main" xmlns:r="http://schemas.openxmlformats.org/officeDocument/2006/relationships" xmlns:p="http://schemas.openxmlformats.org/presentationml/2006/main" type="twoObjAndObj" preserve="1">
   <p:cSld name="Title, 2 Content and Content">
     <p:spTree>
       <p:nvGrpSpPr>
@@ -3876,9 +4170,10 @@
           </a:prstGeom>
         </p:spPr>
         <p:txBody>
-          <a:bodyPr lIns="0" rIns="0" tIns="0" bIns="0" anchor="ctr"/>
-          <a:p>
-            <a:endParaRPr b="0" lang="pl-PL" sz="1800" spc="-1" strike="noStrike">
+          <a:bodyPr lIns="0" tIns="0" rIns="0" bIns="0" anchor="ctr"/>
+          <a:lstStyle/>
+          <a:p>
+            <a:endParaRPr lang="pl-PL" sz="1800" b="0" strike="noStrike" spc="-1">
               <a:solidFill>
                 <a:srgbClr val="000000"/>
               </a:solidFill>
@@ -3907,11 +4202,12 @@
           </a:prstGeom>
         </p:spPr>
         <p:txBody>
-          <a:bodyPr lIns="0" rIns="0" tIns="0" bIns="0">
+          <a:bodyPr lIns="0" tIns="0" rIns="0" bIns="0">
             <a:normAutofit/>
           </a:bodyPr>
-          <a:p>
-            <a:endParaRPr b="0" lang="pl-PL" sz="3200" spc="-1" strike="noStrike">
+          <a:lstStyle/>
+          <a:p>
+            <a:endParaRPr lang="pl-PL" sz="3200" b="0" strike="noStrike" spc="-1">
               <a:solidFill>
                 <a:srgbClr val="000000"/>
               </a:solidFill>
@@ -3940,11 +4236,12 @@
           </a:prstGeom>
         </p:spPr>
         <p:txBody>
-          <a:bodyPr lIns="0" rIns="0" tIns="0" bIns="0">
+          <a:bodyPr lIns="0" tIns="0" rIns="0" bIns="0">
             <a:normAutofit/>
           </a:bodyPr>
-          <a:p>
-            <a:endParaRPr b="0" lang="pl-PL" sz="3200" spc="-1" strike="noStrike">
+          <a:lstStyle/>
+          <a:p>
+            <a:endParaRPr lang="pl-PL" sz="3200" b="0" strike="noStrike" spc="-1">
               <a:solidFill>
                 <a:srgbClr val="000000"/>
               </a:solidFill>
@@ -3973,11 +4270,12 @@
           </a:prstGeom>
         </p:spPr>
         <p:txBody>
-          <a:bodyPr lIns="0" rIns="0" tIns="0" bIns="0">
+          <a:bodyPr lIns="0" tIns="0" rIns="0" bIns="0">
             <a:normAutofit/>
           </a:bodyPr>
-          <a:p>
-            <a:endParaRPr b="0" lang="pl-PL" sz="3200" spc="-1" strike="noStrike">
+          <a:lstStyle/>
+          <a:p>
+            <a:endParaRPr lang="pl-PL" sz="3200" b="0" strike="noStrike" spc="-1">
               <a:solidFill>
                 <a:srgbClr val="000000"/>
               </a:solidFill>
@@ -3988,11 +4286,14 @@
       </p:sp>
     </p:spTree>
   </p:cSld>
+  <p:clrMapOvr>
+    <a:masterClrMapping/>
+  </p:clrMapOvr>
 </p:sldLayout>
 </file>
 
 <file path=ppt/slideLayouts/slideLayout8.xml><?xml version="1.0" encoding="utf-8"?>
-<p:sldLayout xmlns:a="http://schemas.openxmlformats.org/drawingml/2006/main" xmlns:p="http://schemas.openxmlformats.org/presentationml/2006/main" xmlns:r="http://schemas.openxmlformats.org/officeDocument/2006/relationships" xmlns:p14="http://schemas.microsoft.com/office/powerpoint/2010/main" xmlns:p15="http://schemas.microsoft.com/office/powerpoint/2012/main" xmlns:mc="http://schemas.openxmlformats.org/markup-compatibility/2006" type="objAndTwoObj" preserve="1">
+<p:sldLayout xmlns:a="http://schemas.openxmlformats.org/drawingml/2006/main" xmlns:r="http://schemas.openxmlformats.org/officeDocument/2006/relationships" xmlns:p="http://schemas.openxmlformats.org/presentationml/2006/main" type="objAndTwoObj" preserve="1">
   <p:cSld name="Title Content and 2 Content">
     <p:spTree>
       <p:nvGrpSpPr>
@@ -4028,9 +4329,10 @@
           </a:prstGeom>
         </p:spPr>
         <p:txBody>
-          <a:bodyPr lIns="0" rIns="0" tIns="0" bIns="0" anchor="ctr"/>
-          <a:p>
-            <a:endParaRPr b="0" lang="pl-PL" sz="1800" spc="-1" strike="noStrike">
+          <a:bodyPr lIns="0" tIns="0" rIns="0" bIns="0" anchor="ctr"/>
+          <a:lstStyle/>
+          <a:p>
+            <a:endParaRPr lang="pl-PL" sz="1800" b="0" strike="noStrike" spc="-1">
               <a:solidFill>
                 <a:srgbClr val="000000"/>
               </a:solidFill>
@@ -4059,11 +4361,12 @@
           </a:prstGeom>
         </p:spPr>
         <p:txBody>
-          <a:bodyPr lIns="0" rIns="0" tIns="0" bIns="0">
+          <a:bodyPr lIns="0" tIns="0" rIns="0" bIns="0">
             <a:normAutofit/>
           </a:bodyPr>
-          <a:p>
-            <a:endParaRPr b="0" lang="pl-PL" sz="3200" spc="-1" strike="noStrike">
+          <a:lstStyle/>
+          <a:p>
+            <a:endParaRPr lang="pl-PL" sz="3200" b="0" strike="noStrike" spc="-1">
               <a:solidFill>
                 <a:srgbClr val="000000"/>
               </a:solidFill>
@@ -4092,11 +4395,12 @@
           </a:prstGeom>
         </p:spPr>
         <p:txBody>
-          <a:bodyPr lIns="0" rIns="0" tIns="0" bIns="0">
+          <a:bodyPr lIns="0" tIns="0" rIns="0" bIns="0">
             <a:normAutofit/>
           </a:bodyPr>
-          <a:p>
-            <a:endParaRPr b="0" lang="pl-PL" sz="3200" spc="-1" strike="noStrike">
+          <a:lstStyle/>
+          <a:p>
+            <a:endParaRPr lang="pl-PL" sz="3200" b="0" strike="noStrike" spc="-1">
               <a:solidFill>
                 <a:srgbClr val="000000"/>
               </a:solidFill>
@@ -4125,11 +4429,12 @@
           </a:prstGeom>
         </p:spPr>
         <p:txBody>
-          <a:bodyPr lIns="0" rIns="0" tIns="0" bIns="0">
+          <a:bodyPr lIns="0" tIns="0" rIns="0" bIns="0">
             <a:normAutofit/>
           </a:bodyPr>
-          <a:p>
-            <a:endParaRPr b="0" lang="pl-PL" sz="3200" spc="-1" strike="noStrike">
+          <a:lstStyle/>
+          <a:p>
+            <a:endParaRPr lang="pl-PL" sz="3200" b="0" strike="noStrike" spc="-1">
               <a:solidFill>
                 <a:srgbClr val="000000"/>
               </a:solidFill>
@@ -4140,11 +4445,14 @@
       </p:sp>
     </p:spTree>
   </p:cSld>
+  <p:clrMapOvr>
+    <a:masterClrMapping/>
+  </p:clrMapOvr>
 </p:sldLayout>
 </file>
 
 <file path=ppt/slideLayouts/slideLayout9.xml><?xml version="1.0" encoding="utf-8"?>
-<p:sldLayout xmlns:a="http://schemas.openxmlformats.org/drawingml/2006/main" xmlns:p="http://schemas.openxmlformats.org/presentationml/2006/main" xmlns:r="http://schemas.openxmlformats.org/officeDocument/2006/relationships" xmlns:p14="http://schemas.microsoft.com/office/powerpoint/2010/main" xmlns:p15="http://schemas.microsoft.com/office/powerpoint/2012/main" xmlns:mc="http://schemas.openxmlformats.org/markup-compatibility/2006" type="twoObjOverTx" preserve="1">
+<p:sldLayout xmlns:a="http://schemas.openxmlformats.org/drawingml/2006/main" xmlns:r="http://schemas.openxmlformats.org/officeDocument/2006/relationships" xmlns:p="http://schemas.openxmlformats.org/presentationml/2006/main" type="twoObjOverTx" preserve="1">
   <p:cSld name="Title, 2 Content over Content">
     <p:spTree>
       <p:nvGrpSpPr>
@@ -4180,9 +4488,10 @@
           </a:prstGeom>
         </p:spPr>
         <p:txBody>
-          <a:bodyPr lIns="0" rIns="0" tIns="0" bIns="0" anchor="ctr"/>
-          <a:p>
-            <a:endParaRPr b="0" lang="pl-PL" sz="1800" spc="-1" strike="noStrike">
+          <a:bodyPr lIns="0" tIns="0" rIns="0" bIns="0" anchor="ctr"/>
+          <a:lstStyle/>
+          <a:p>
+            <a:endParaRPr lang="pl-PL" sz="1800" b="0" strike="noStrike" spc="-1">
               <a:solidFill>
                 <a:srgbClr val="000000"/>
               </a:solidFill>
@@ -4211,11 +4520,12 @@
           </a:prstGeom>
         </p:spPr>
         <p:txBody>
-          <a:bodyPr lIns="0" rIns="0" tIns="0" bIns="0">
+          <a:bodyPr lIns="0" tIns="0" rIns="0" bIns="0">
             <a:normAutofit/>
           </a:bodyPr>
-          <a:p>
-            <a:endParaRPr b="0" lang="pl-PL" sz="3200" spc="-1" strike="noStrike">
+          <a:lstStyle/>
+          <a:p>
+            <a:endParaRPr lang="pl-PL" sz="3200" b="0" strike="noStrike" spc="-1">
               <a:solidFill>
                 <a:srgbClr val="000000"/>
               </a:solidFill>
@@ -4244,11 +4554,12 @@
           </a:prstGeom>
         </p:spPr>
         <p:txBody>
-          <a:bodyPr lIns="0" rIns="0" tIns="0" bIns="0">
+          <a:bodyPr lIns="0" tIns="0" rIns="0" bIns="0">
             <a:normAutofit/>
           </a:bodyPr>
-          <a:p>
-            <a:endParaRPr b="0" lang="pl-PL" sz="3200" spc="-1" strike="noStrike">
+          <a:lstStyle/>
+          <a:p>
+            <a:endParaRPr lang="pl-PL" sz="3200" b="0" strike="noStrike" spc="-1">
               <a:solidFill>
                 <a:srgbClr val="000000"/>
               </a:solidFill>
@@ -4277,11 +4588,12 @@
           </a:prstGeom>
         </p:spPr>
         <p:txBody>
-          <a:bodyPr lIns="0" rIns="0" tIns="0" bIns="0">
+          <a:bodyPr lIns="0" tIns="0" rIns="0" bIns="0">
             <a:normAutofit/>
           </a:bodyPr>
-          <a:p>
-            <a:endParaRPr b="0" lang="pl-PL" sz="3200" spc="-1" strike="noStrike">
+          <a:lstStyle/>
+          <a:p>
+            <a:endParaRPr lang="pl-PL" sz="3200" b="0" strike="noStrike" spc="-1">
               <a:solidFill>
                 <a:srgbClr val="000000"/>
               </a:solidFill>
@@ -4292,17 +4604,21 @@
       </p:sp>
     </p:spTree>
   </p:cSld>
+  <p:clrMapOvr>
+    <a:masterClrMapping/>
+  </p:clrMapOvr>
 </p:sldLayout>
 </file>
 
 <file path=ppt/slideMasters/slideMaster1.xml><?xml version="1.0" encoding="utf-8"?>
-<p:sldMaster xmlns:a="http://schemas.openxmlformats.org/drawingml/2006/main" xmlns:p="http://schemas.openxmlformats.org/presentationml/2006/main" xmlns:r="http://schemas.openxmlformats.org/officeDocument/2006/relationships" xmlns:p14="http://schemas.microsoft.com/office/powerpoint/2010/main" xmlns:p15="http://schemas.microsoft.com/office/powerpoint/2012/main" xmlns:mc="http://schemas.openxmlformats.org/markup-compatibility/2006">
+<p:sldMaster xmlns:a="http://schemas.openxmlformats.org/drawingml/2006/main" xmlns:r="http://schemas.openxmlformats.org/officeDocument/2006/relationships" xmlns:p="http://schemas.openxmlformats.org/presentationml/2006/main">
   <p:cSld>
     <p:bg>
       <p:bgPr>
         <a:solidFill>
-          <a:srgbClr val="ffffff"/>
+          <a:srgbClr val="FFFFFF"/>
         </a:solidFill>
+        <a:effectLst/>
       </p:bgPr>
     </p:bg>
     <p:spTree>
@@ -4321,12 +4637,12 @@
       </p:grpSpPr>
       <p:pic>
         <p:nvPicPr>
-          <p:cNvPr id="0" name="Picture 3" descr=""/>
+          <p:cNvPr id="3" name="Picture 3"/>
           <p:cNvPicPr/>
           <p:nvPr/>
         </p:nvPicPr>
         <p:blipFill>
-          <a:blip r:embed="rId2"/>
+          <a:blip r:embed="rId14"/>
           <a:stretch/>
         </p:blipFill>
         <p:spPr>
@@ -4344,7 +4660,7 @@
       </p:pic>
       <p:sp>
         <p:nvSpPr>
-          <p:cNvPr id="1" name="PlaceHolder 1"/>
+          <p:cNvPr id="4" name="PlaceHolder 1"/>
           <p:cNvSpPr>
             <a:spLocks noGrp="1"/>
           </p:cNvSpPr>
@@ -4365,6 +4681,7 @@
           <a:bodyPr anchor="ctr">
             <a:normAutofit/>
           </a:bodyPr>
+          <a:lstStyle/>
           <a:p>
             <a:pPr algn="ctr">
               <a:lnSpc>
@@ -4372,15 +4689,15 @@
               </a:lnSpc>
             </a:pPr>
             <a:r>
-              <a:rPr b="1" lang="pl-PL" sz="2400" spc="-1" strike="noStrike">
+              <a:rPr lang="pl-PL" sz="2400" b="1" strike="noStrike" spc="-1">
                 <a:solidFill>
-                  <a:srgbClr val="ffffff"/>
+                  <a:srgbClr val="FFFFFF"/>
                 </a:solidFill>
                 <a:latin typeface="Lato"/>
               </a:rPr>
               <a:t>Tytuł wykładu</a:t>
             </a:r>
-            <a:endParaRPr b="0" lang="pl-PL" sz="2400" spc="-1" strike="noStrike">
+            <a:endParaRPr lang="pl-PL" sz="2400" b="0" strike="noStrike" spc="-1">
               <a:solidFill>
                 <a:srgbClr val="000000"/>
               </a:solidFill>
@@ -4409,9 +4726,10 @@
           </a:prstGeom>
         </p:spPr>
         <p:txBody>
-          <a:bodyPr lIns="0" rIns="0" tIns="0" bIns="0">
+          <a:bodyPr lIns="0" tIns="0" rIns="0" bIns="0">
             <a:normAutofit/>
           </a:bodyPr>
+          <a:lstStyle/>
           <a:p>
             <a:pPr marL="432000" indent="-324000">
               <a:spcBef>
@@ -4425,7 +4743,7 @@
               <a:buChar char=""/>
             </a:pPr>
             <a:r>
-              <a:rPr b="0" lang="pl-PL" sz="3200" spc="-1" strike="noStrike">
+              <a:rPr lang="pl-PL" sz="3200" b="0" strike="noStrike" spc="-1">
                 <a:solidFill>
                   <a:srgbClr val="000000"/>
                 </a:solidFill>
@@ -4433,15 +4751,9 @@
               </a:rPr>
               <a:t>Click to edit the outline text format</a:t>
             </a:r>
-            <a:endParaRPr b="0" lang="pl-PL" sz="3200" spc="-1" strike="noStrike">
-              <a:solidFill>
-                <a:srgbClr val="000000"/>
-              </a:solidFill>
-              <a:latin typeface="Calibri"/>
-            </a:endParaRPr>
-          </a:p>
-          <a:p>
-            <a:pPr lvl="1" marL="864000" indent="-324000">
+          </a:p>
+          <a:p>
+            <a:pPr marL="864000" lvl="1" indent="-324000">
               <a:spcBef>
                 <a:spcPts val="1134"/>
               </a:spcBef>
@@ -4453,7 +4765,7 @@
               <a:buChar char=""/>
             </a:pPr>
             <a:r>
-              <a:rPr b="0" lang="pl-PL" sz="2400" spc="-1" strike="noStrike">
+              <a:rPr lang="pl-PL" sz="2400" b="0" strike="noStrike" spc="-1">
                 <a:solidFill>
                   <a:srgbClr val="000000"/>
                 </a:solidFill>
@@ -4461,15 +4773,9 @@
               </a:rPr>
               <a:t>Second Outline Level</a:t>
             </a:r>
-            <a:endParaRPr b="0" lang="pl-PL" sz="2400" spc="-1" strike="noStrike">
-              <a:solidFill>
-                <a:srgbClr val="000000"/>
-              </a:solidFill>
-              <a:latin typeface="Calibri"/>
-            </a:endParaRPr>
-          </a:p>
-          <a:p>
-            <a:pPr lvl="2" marL="1296000" indent="-288000">
+          </a:p>
+          <a:p>
+            <a:pPr marL="1296000" lvl="2" indent="-288000">
               <a:spcBef>
                 <a:spcPts val="850"/>
               </a:spcBef>
@@ -4481,7 +4787,7 @@
               <a:buChar char=""/>
             </a:pPr>
             <a:r>
-              <a:rPr b="0" lang="pl-PL" sz="2000" spc="-1" strike="noStrike">
+              <a:rPr lang="pl-PL" sz="2000" b="0" strike="noStrike" spc="-1">
                 <a:solidFill>
                   <a:srgbClr val="000000"/>
                 </a:solidFill>
@@ -4489,15 +4795,9 @@
               </a:rPr>
               <a:t>Third Outline Level</a:t>
             </a:r>
-            <a:endParaRPr b="0" lang="pl-PL" sz="2000" spc="-1" strike="noStrike">
-              <a:solidFill>
-                <a:srgbClr val="000000"/>
-              </a:solidFill>
-              <a:latin typeface="Calibri"/>
-            </a:endParaRPr>
-          </a:p>
-          <a:p>
-            <a:pPr lvl="3" marL="1728000" indent="-216000">
+          </a:p>
+          <a:p>
+            <a:pPr marL="1728000" lvl="3" indent="-216000">
               <a:spcBef>
                 <a:spcPts val="567"/>
               </a:spcBef>
@@ -4509,7 +4809,7 @@
               <a:buChar char=""/>
             </a:pPr>
             <a:r>
-              <a:rPr b="0" lang="pl-PL" sz="2000" spc="-1" strike="noStrike">
+              <a:rPr lang="pl-PL" sz="2000" b="0" strike="noStrike" spc="-1">
                 <a:solidFill>
                   <a:srgbClr val="000000"/>
                 </a:solidFill>
@@ -4517,15 +4817,9 @@
               </a:rPr>
               <a:t>Fourth Outline Level</a:t>
             </a:r>
-            <a:endParaRPr b="0" lang="pl-PL" sz="2000" spc="-1" strike="noStrike">
-              <a:solidFill>
-                <a:srgbClr val="000000"/>
-              </a:solidFill>
-              <a:latin typeface="Calibri"/>
-            </a:endParaRPr>
-          </a:p>
-          <a:p>
-            <a:pPr lvl="4" marL="2160000" indent="-216000">
+          </a:p>
+          <a:p>
+            <a:pPr marL="2160000" lvl="4" indent="-216000">
               <a:spcBef>
                 <a:spcPts val="283"/>
               </a:spcBef>
@@ -4537,7 +4831,7 @@
               <a:buChar char=""/>
             </a:pPr>
             <a:r>
-              <a:rPr b="0" lang="pl-PL" sz="2000" spc="-1" strike="noStrike">
+              <a:rPr lang="pl-PL" sz="2000" b="0" strike="noStrike" spc="-1">
                 <a:solidFill>
                   <a:srgbClr val="000000"/>
                 </a:solidFill>
@@ -4545,15 +4839,9 @@
               </a:rPr>
               <a:t>Fifth Outline Level</a:t>
             </a:r>
-            <a:endParaRPr b="0" lang="pl-PL" sz="2000" spc="-1" strike="noStrike">
-              <a:solidFill>
-                <a:srgbClr val="000000"/>
-              </a:solidFill>
-              <a:latin typeface="Calibri"/>
-            </a:endParaRPr>
-          </a:p>
-          <a:p>
-            <a:pPr lvl="5" marL="2592000" indent="-216000">
+          </a:p>
+          <a:p>
+            <a:pPr marL="2592000" lvl="5" indent="-216000">
               <a:spcBef>
                 <a:spcPts val="283"/>
               </a:spcBef>
@@ -4565,7 +4853,7 @@
               <a:buChar char=""/>
             </a:pPr>
             <a:r>
-              <a:rPr b="0" lang="pl-PL" sz="2000" spc="-1" strike="noStrike">
+              <a:rPr lang="pl-PL" sz="2000" b="0" strike="noStrike" spc="-1">
                 <a:solidFill>
                   <a:srgbClr val="000000"/>
                 </a:solidFill>
@@ -4573,15 +4861,9 @@
               </a:rPr>
               <a:t>Sixth Outline Level</a:t>
             </a:r>
-            <a:endParaRPr b="0" lang="pl-PL" sz="2000" spc="-1" strike="noStrike">
-              <a:solidFill>
-                <a:srgbClr val="000000"/>
-              </a:solidFill>
-              <a:latin typeface="Calibri"/>
-            </a:endParaRPr>
-          </a:p>
-          <a:p>
-            <a:pPr lvl="6" marL="3024000" indent="-216000">
+          </a:p>
+          <a:p>
+            <a:pPr marL="3024000" lvl="6" indent="-216000">
               <a:spcBef>
                 <a:spcPts val="283"/>
               </a:spcBef>
@@ -4593,7 +4875,7 @@
               <a:buChar char=""/>
             </a:pPr>
             <a:r>
-              <a:rPr b="0" lang="pl-PL" sz="2000" spc="-1" strike="noStrike">
+              <a:rPr lang="pl-PL" sz="2000" b="0" strike="noStrike" spc="-1">
                 <a:solidFill>
                   <a:srgbClr val="000000"/>
                 </a:solidFill>
@@ -4601,43 +4883,318 @@
               </a:rPr>
               <a:t>Seventh Outline Level</a:t>
             </a:r>
-            <a:endParaRPr b="0" lang="pl-PL" sz="2000" spc="-1" strike="noStrike">
-              <a:solidFill>
-                <a:srgbClr val="000000"/>
-              </a:solidFill>
-              <a:latin typeface="Calibri"/>
-            </a:endParaRPr>
           </a:p>
         </p:txBody>
       </p:sp>
     </p:spTree>
   </p:cSld>
-  <p:clrMap bg1="lt1" bg2="lt2" tx1="dk1" tx2="dk2" accent1="accent1" accent2="accent2" accent3="accent3" accent4="accent4" accent5="accent5" accent6="accent6" hlink="hlink" folHlink="folHlink"/>
+  <p:clrMap bg1="lt1" tx1="dk1" bg2="lt2" tx2="dk2" accent1="accent1" accent2="accent2" accent3="accent3" accent4="accent4" accent5="accent5" accent6="accent6" hlink="hlink" folHlink="folHlink"/>
   <p:sldLayoutIdLst>
-    <p:sldLayoutId id="2147483649" r:id="rId3"/>
-    <p:sldLayoutId id="2147483650" r:id="rId4"/>
-    <p:sldLayoutId id="2147483651" r:id="rId5"/>
-    <p:sldLayoutId id="2147483652" r:id="rId6"/>
-    <p:sldLayoutId id="2147483653" r:id="rId7"/>
-    <p:sldLayoutId id="2147483654" r:id="rId8"/>
-    <p:sldLayoutId id="2147483655" r:id="rId9"/>
-    <p:sldLayoutId id="2147483656" r:id="rId10"/>
-    <p:sldLayoutId id="2147483657" r:id="rId11"/>
-    <p:sldLayoutId id="2147483658" r:id="rId12"/>
-    <p:sldLayoutId id="2147483659" r:id="rId13"/>
-    <p:sldLayoutId id="2147483660" r:id="rId14"/>
+    <p:sldLayoutId id="2147483649" r:id="rId1"/>
+    <p:sldLayoutId id="2147483650" r:id="rId2"/>
+    <p:sldLayoutId id="2147483651" r:id="rId3"/>
+    <p:sldLayoutId id="2147483652" r:id="rId4"/>
+    <p:sldLayoutId id="2147483653" r:id="rId5"/>
+    <p:sldLayoutId id="2147483654" r:id="rId6"/>
+    <p:sldLayoutId id="2147483655" r:id="rId7"/>
+    <p:sldLayoutId id="2147483656" r:id="rId8"/>
+    <p:sldLayoutId id="2147483657" r:id="rId9"/>
+    <p:sldLayoutId id="2147483658" r:id="rId10"/>
+    <p:sldLayoutId id="2147483659" r:id="rId11"/>
+    <p:sldLayoutId id="2147483660" r:id="rId12"/>
   </p:sldLayoutIdLst>
+  <p:txStyles>
+    <p:titleStyle>
+      <a:lvl1pPr algn="l" defTabSz="914400" rtl="0" eaLnBrk="1" latinLnBrk="0" hangingPunct="1">
+        <a:lnSpc>
+          <a:spcPct val="90000"/>
+        </a:lnSpc>
+        <a:spcBef>
+          <a:spcPct val="0"/>
+        </a:spcBef>
+        <a:buNone/>
+        <a:defRPr sz="4400" kern="1200">
+          <a:solidFill>
+            <a:schemeClr val="tx1"/>
+          </a:solidFill>
+          <a:latin typeface="+mj-lt"/>
+          <a:ea typeface="+mj-ea"/>
+          <a:cs typeface="+mj-cs"/>
+        </a:defRPr>
+      </a:lvl1pPr>
+    </p:titleStyle>
+    <p:bodyStyle>
+      <a:lvl1pPr marL="228600" indent="-228600" algn="l" defTabSz="914400" rtl="0" eaLnBrk="1" latinLnBrk="0" hangingPunct="1">
+        <a:lnSpc>
+          <a:spcPct val="90000"/>
+        </a:lnSpc>
+        <a:spcBef>
+          <a:spcPts val="1000"/>
+        </a:spcBef>
+        <a:buFont typeface="Arial" panose="020B0604020202020204" pitchFamily="34" charset="0"/>
+        <a:buChar char="•"/>
+        <a:defRPr sz="2800" kern="1200">
+          <a:solidFill>
+            <a:schemeClr val="tx1"/>
+          </a:solidFill>
+          <a:latin typeface="+mn-lt"/>
+          <a:ea typeface="+mn-ea"/>
+          <a:cs typeface="+mn-cs"/>
+        </a:defRPr>
+      </a:lvl1pPr>
+      <a:lvl2pPr marL="685800" indent="-228600" algn="l" defTabSz="914400" rtl="0" eaLnBrk="1" latinLnBrk="0" hangingPunct="1">
+        <a:lnSpc>
+          <a:spcPct val="90000"/>
+        </a:lnSpc>
+        <a:spcBef>
+          <a:spcPts val="500"/>
+        </a:spcBef>
+        <a:buFont typeface="Arial" panose="020B0604020202020204" pitchFamily="34" charset="0"/>
+        <a:buChar char="•"/>
+        <a:defRPr sz="2400" kern="1200">
+          <a:solidFill>
+            <a:schemeClr val="tx1"/>
+          </a:solidFill>
+          <a:latin typeface="+mn-lt"/>
+          <a:ea typeface="+mn-ea"/>
+          <a:cs typeface="+mn-cs"/>
+        </a:defRPr>
+      </a:lvl2pPr>
+      <a:lvl3pPr marL="1143000" indent="-228600" algn="l" defTabSz="914400" rtl="0" eaLnBrk="1" latinLnBrk="0" hangingPunct="1">
+        <a:lnSpc>
+          <a:spcPct val="90000"/>
+        </a:lnSpc>
+        <a:spcBef>
+          <a:spcPts val="500"/>
+        </a:spcBef>
+        <a:buFont typeface="Arial" panose="020B0604020202020204" pitchFamily="34" charset="0"/>
+        <a:buChar char="•"/>
+        <a:defRPr sz="2000" kern="1200">
+          <a:solidFill>
+            <a:schemeClr val="tx1"/>
+          </a:solidFill>
+          <a:latin typeface="+mn-lt"/>
+          <a:ea typeface="+mn-ea"/>
+          <a:cs typeface="+mn-cs"/>
+        </a:defRPr>
+      </a:lvl3pPr>
+      <a:lvl4pPr marL="1600200" indent="-228600" algn="l" defTabSz="914400" rtl="0" eaLnBrk="1" latinLnBrk="0" hangingPunct="1">
+        <a:lnSpc>
+          <a:spcPct val="90000"/>
+        </a:lnSpc>
+        <a:spcBef>
+          <a:spcPts val="500"/>
+        </a:spcBef>
+        <a:buFont typeface="Arial" panose="020B0604020202020204" pitchFamily="34" charset="0"/>
+        <a:buChar char="•"/>
+        <a:defRPr sz="1800" kern="1200">
+          <a:solidFill>
+            <a:schemeClr val="tx1"/>
+          </a:solidFill>
+          <a:latin typeface="+mn-lt"/>
+          <a:ea typeface="+mn-ea"/>
+          <a:cs typeface="+mn-cs"/>
+        </a:defRPr>
+      </a:lvl4pPr>
+      <a:lvl5pPr marL="2057400" indent="-228600" algn="l" defTabSz="914400" rtl="0" eaLnBrk="1" latinLnBrk="0" hangingPunct="1">
+        <a:lnSpc>
+          <a:spcPct val="90000"/>
+        </a:lnSpc>
+        <a:spcBef>
+          <a:spcPts val="500"/>
+        </a:spcBef>
+        <a:buFont typeface="Arial" panose="020B0604020202020204" pitchFamily="34" charset="0"/>
+        <a:buChar char="•"/>
+        <a:defRPr sz="1800" kern="1200">
+          <a:solidFill>
+            <a:schemeClr val="tx1"/>
+          </a:solidFill>
+          <a:latin typeface="+mn-lt"/>
+          <a:ea typeface="+mn-ea"/>
+          <a:cs typeface="+mn-cs"/>
+        </a:defRPr>
+      </a:lvl5pPr>
+      <a:lvl6pPr marL="2514600" indent="-228600" algn="l" defTabSz="914400" rtl="0" eaLnBrk="1" latinLnBrk="0" hangingPunct="1">
+        <a:lnSpc>
+          <a:spcPct val="90000"/>
+        </a:lnSpc>
+        <a:spcBef>
+          <a:spcPts val="500"/>
+        </a:spcBef>
+        <a:buFont typeface="Arial" panose="020B0604020202020204" pitchFamily="34" charset="0"/>
+        <a:buChar char="•"/>
+        <a:defRPr sz="1800" kern="1200">
+          <a:solidFill>
+            <a:schemeClr val="tx1"/>
+          </a:solidFill>
+          <a:latin typeface="+mn-lt"/>
+          <a:ea typeface="+mn-ea"/>
+          <a:cs typeface="+mn-cs"/>
+        </a:defRPr>
+      </a:lvl6pPr>
+      <a:lvl7pPr marL="2971800" indent="-228600" algn="l" defTabSz="914400" rtl="0" eaLnBrk="1" latinLnBrk="0" hangingPunct="1">
+        <a:lnSpc>
+          <a:spcPct val="90000"/>
+        </a:lnSpc>
+        <a:spcBef>
+          <a:spcPts val="500"/>
+        </a:spcBef>
+        <a:buFont typeface="Arial" panose="020B0604020202020204" pitchFamily="34" charset="0"/>
+        <a:buChar char="•"/>
+        <a:defRPr sz="1800" kern="1200">
+          <a:solidFill>
+            <a:schemeClr val="tx1"/>
+          </a:solidFill>
+          <a:latin typeface="+mn-lt"/>
+          <a:ea typeface="+mn-ea"/>
+          <a:cs typeface="+mn-cs"/>
+        </a:defRPr>
+      </a:lvl7pPr>
+      <a:lvl8pPr marL="3429000" indent="-228600" algn="l" defTabSz="914400" rtl="0" eaLnBrk="1" latinLnBrk="0" hangingPunct="1">
+        <a:lnSpc>
+          <a:spcPct val="90000"/>
+        </a:lnSpc>
+        <a:spcBef>
+          <a:spcPts val="500"/>
+        </a:spcBef>
+        <a:buFont typeface="Arial" panose="020B0604020202020204" pitchFamily="34" charset="0"/>
+        <a:buChar char="•"/>
+        <a:defRPr sz="1800" kern="1200">
+          <a:solidFill>
+            <a:schemeClr val="tx1"/>
+          </a:solidFill>
+          <a:latin typeface="+mn-lt"/>
+          <a:ea typeface="+mn-ea"/>
+          <a:cs typeface="+mn-cs"/>
+        </a:defRPr>
+      </a:lvl8pPr>
+      <a:lvl9pPr marL="3886200" indent="-228600" algn="l" defTabSz="914400" rtl="0" eaLnBrk="1" latinLnBrk="0" hangingPunct="1">
+        <a:lnSpc>
+          <a:spcPct val="90000"/>
+        </a:lnSpc>
+        <a:spcBef>
+          <a:spcPts val="500"/>
+        </a:spcBef>
+        <a:buFont typeface="Arial" panose="020B0604020202020204" pitchFamily="34" charset="0"/>
+        <a:buChar char="•"/>
+        <a:defRPr sz="1800" kern="1200">
+          <a:solidFill>
+            <a:schemeClr val="tx1"/>
+          </a:solidFill>
+          <a:latin typeface="+mn-lt"/>
+          <a:ea typeface="+mn-ea"/>
+          <a:cs typeface="+mn-cs"/>
+        </a:defRPr>
+      </a:lvl9pPr>
+    </p:bodyStyle>
+    <p:otherStyle>
+      <a:defPPr>
+        <a:defRPr lang="pl-PL"/>
+      </a:defPPr>
+      <a:lvl1pPr marL="0" algn="l" defTabSz="914400" rtl="0" eaLnBrk="1" latinLnBrk="0" hangingPunct="1">
+        <a:defRPr sz="1800" kern="1200">
+          <a:solidFill>
+            <a:schemeClr val="tx1"/>
+          </a:solidFill>
+          <a:latin typeface="+mn-lt"/>
+          <a:ea typeface="+mn-ea"/>
+          <a:cs typeface="+mn-cs"/>
+        </a:defRPr>
+      </a:lvl1pPr>
+      <a:lvl2pPr marL="457200" algn="l" defTabSz="914400" rtl="0" eaLnBrk="1" latinLnBrk="0" hangingPunct="1">
+        <a:defRPr sz="1800" kern="1200">
+          <a:solidFill>
+            <a:schemeClr val="tx1"/>
+          </a:solidFill>
+          <a:latin typeface="+mn-lt"/>
+          <a:ea typeface="+mn-ea"/>
+          <a:cs typeface="+mn-cs"/>
+        </a:defRPr>
+      </a:lvl2pPr>
+      <a:lvl3pPr marL="914400" algn="l" defTabSz="914400" rtl="0" eaLnBrk="1" latinLnBrk="0" hangingPunct="1">
+        <a:defRPr sz="1800" kern="1200">
+          <a:solidFill>
+            <a:schemeClr val="tx1"/>
+          </a:solidFill>
+          <a:latin typeface="+mn-lt"/>
+          <a:ea typeface="+mn-ea"/>
+          <a:cs typeface="+mn-cs"/>
+        </a:defRPr>
+      </a:lvl3pPr>
+      <a:lvl4pPr marL="1371600" algn="l" defTabSz="914400" rtl="0" eaLnBrk="1" latinLnBrk="0" hangingPunct="1">
+        <a:defRPr sz="1800" kern="1200">
+          <a:solidFill>
+            <a:schemeClr val="tx1"/>
+          </a:solidFill>
+          <a:latin typeface="+mn-lt"/>
+          <a:ea typeface="+mn-ea"/>
+          <a:cs typeface="+mn-cs"/>
+        </a:defRPr>
+      </a:lvl4pPr>
+      <a:lvl5pPr marL="1828800" algn="l" defTabSz="914400" rtl="0" eaLnBrk="1" latinLnBrk="0" hangingPunct="1">
+        <a:defRPr sz="1800" kern="1200">
+          <a:solidFill>
+            <a:schemeClr val="tx1"/>
+          </a:solidFill>
+          <a:latin typeface="+mn-lt"/>
+          <a:ea typeface="+mn-ea"/>
+          <a:cs typeface="+mn-cs"/>
+        </a:defRPr>
+      </a:lvl5pPr>
+      <a:lvl6pPr marL="2286000" algn="l" defTabSz="914400" rtl="0" eaLnBrk="1" latinLnBrk="0" hangingPunct="1">
+        <a:defRPr sz="1800" kern="1200">
+          <a:solidFill>
+            <a:schemeClr val="tx1"/>
+          </a:solidFill>
+          <a:latin typeface="+mn-lt"/>
+          <a:ea typeface="+mn-ea"/>
+          <a:cs typeface="+mn-cs"/>
+        </a:defRPr>
+      </a:lvl6pPr>
+      <a:lvl7pPr marL="2743200" algn="l" defTabSz="914400" rtl="0" eaLnBrk="1" latinLnBrk="0" hangingPunct="1">
+        <a:defRPr sz="1800" kern="1200">
+          <a:solidFill>
+            <a:schemeClr val="tx1"/>
+          </a:solidFill>
+          <a:latin typeface="+mn-lt"/>
+          <a:ea typeface="+mn-ea"/>
+          <a:cs typeface="+mn-cs"/>
+        </a:defRPr>
+      </a:lvl7pPr>
+      <a:lvl8pPr marL="3200400" algn="l" defTabSz="914400" rtl="0" eaLnBrk="1" latinLnBrk="0" hangingPunct="1">
+        <a:defRPr sz="1800" kern="1200">
+          <a:solidFill>
+            <a:schemeClr val="tx1"/>
+          </a:solidFill>
+          <a:latin typeface="+mn-lt"/>
+          <a:ea typeface="+mn-ea"/>
+          <a:cs typeface="+mn-cs"/>
+        </a:defRPr>
+      </a:lvl8pPr>
+      <a:lvl9pPr marL="3657600" algn="l" defTabSz="914400" rtl="0" eaLnBrk="1" latinLnBrk="0" hangingPunct="1">
+        <a:defRPr sz="1800" kern="1200">
+          <a:solidFill>
+            <a:schemeClr val="tx1"/>
+          </a:solidFill>
+          <a:latin typeface="+mn-lt"/>
+          <a:ea typeface="+mn-ea"/>
+          <a:cs typeface="+mn-cs"/>
+        </a:defRPr>
+      </a:lvl9pPr>
+    </p:otherStyle>
+  </p:txStyles>
 </p:sldMaster>
 </file>
 
 <file path=ppt/slideMasters/slideMaster2.xml><?xml version="1.0" encoding="utf-8"?>
-<p:sldMaster xmlns:a="http://schemas.openxmlformats.org/drawingml/2006/main" xmlns:p="http://schemas.openxmlformats.org/presentationml/2006/main" xmlns:r="http://schemas.openxmlformats.org/officeDocument/2006/relationships" xmlns:p14="http://schemas.microsoft.com/office/powerpoint/2010/main" xmlns:p15="http://schemas.microsoft.com/office/powerpoint/2012/main" xmlns:mc="http://schemas.openxmlformats.org/markup-compatibility/2006">
+<p:sldMaster xmlns:a="http://schemas.openxmlformats.org/drawingml/2006/main" xmlns:r="http://schemas.openxmlformats.org/officeDocument/2006/relationships" xmlns:p="http://schemas.openxmlformats.org/presentationml/2006/main">
   <p:cSld>
     <p:bg>
       <p:bgPr>
         <a:solidFill>
-          <a:srgbClr val="ffffff"/>
+          <a:srgbClr val="FFFFFF"/>
         </a:solidFill>
+        <a:effectLst/>
       </p:bgPr>
     </p:bg>
     <p:spTree>
@@ -4677,6 +5234,7 @@
           <a:bodyPr anchor="b">
             <a:normAutofit/>
           </a:bodyPr>
+          <a:lstStyle/>
           <a:p>
             <a:pPr>
               <a:lnSpc>
@@ -4687,7 +5245,7 @@
               </a:spcBef>
             </a:pPr>
             <a:r>
-              <a:rPr b="1" lang="pl-PL" sz="2000" spc="-1" strike="noStrike">
+              <a:rPr lang="pl-PL" sz="2000" b="1" strike="noStrike" spc="-1">
                 <a:solidFill>
                   <a:srgbClr val="000000"/>
                 </a:solidFill>
@@ -4695,7 +5253,7 @@
               </a:rPr>
               <a:t>Edit Master text styles</a:t>
             </a:r>
-            <a:endParaRPr b="0" lang="pl-PL" sz="2000" spc="-1" strike="noStrike">
+            <a:endParaRPr lang="pl-PL" sz="2000" b="0" strike="noStrike" spc="-1">
               <a:solidFill>
                 <a:srgbClr val="000000"/>
               </a:solidFill>
@@ -4727,6 +5285,7 @@
           <a:bodyPr>
             <a:normAutofit/>
           </a:bodyPr>
+          <a:lstStyle/>
           <a:p>
             <a:pPr marL="343080" indent="-342720">
               <a:lnSpc>
@@ -4736,13 +5295,13 @@
                 <a:spcPts val="479"/>
               </a:spcBef>
               <a:buClr>
-                <a:srgbClr val="e9591c"/>
+                <a:srgbClr val="E9591C"/>
               </a:buClr>
               <a:buFont typeface="Wingdings" charset="2"/>
               <a:buChar char=""/>
             </a:pPr>
             <a:r>
-              <a:rPr b="0" lang="pl-PL" sz="2400" spc="-1" strike="noStrike">
+              <a:rPr lang="pl-PL" sz="2400" b="0" strike="noStrike" spc="-1">
                 <a:solidFill>
                   <a:srgbClr val="000000"/>
                 </a:solidFill>
@@ -4750,15 +5309,15 @@
               </a:rPr>
               <a:t>Edit Master text styles</a:t>
             </a:r>
-            <a:endParaRPr b="0" lang="pl-PL" sz="2400" spc="-1" strike="noStrike">
-              <a:solidFill>
-                <a:srgbClr val="000000"/>
-              </a:solidFill>
-              <a:latin typeface="Calibri"/>
-            </a:endParaRPr>
-          </a:p>
-          <a:p>
-            <a:pPr lvl="1" marL="743040" indent="-285480">
+            <a:endParaRPr lang="pl-PL" sz="2400" b="0" strike="noStrike" spc="-1">
+              <a:solidFill>
+                <a:srgbClr val="000000"/>
+              </a:solidFill>
+              <a:latin typeface="Calibri"/>
+            </a:endParaRPr>
+          </a:p>
+          <a:p>
+            <a:pPr marL="743040" lvl="1" indent="-285480">
               <a:lnSpc>
                 <a:spcPct val="100000"/>
               </a:lnSpc>
@@ -4766,13 +5325,13 @@
                 <a:spcPts val="400"/>
               </a:spcBef>
               <a:buClr>
-                <a:srgbClr val="e9591c"/>
+                <a:srgbClr val="E9591C"/>
               </a:buClr>
               <a:buFont typeface="Wingdings" charset="2"/>
               <a:buChar char=""/>
             </a:pPr>
             <a:r>
-              <a:rPr b="0" lang="pl-PL" sz="2000" spc="-1" strike="noStrike">
+              <a:rPr lang="pl-PL" sz="2000" b="0" strike="noStrike" spc="-1">
                 <a:solidFill>
                   <a:srgbClr val="000000"/>
                 </a:solidFill>
@@ -4780,15 +5339,15 @@
               </a:rPr>
               <a:t>Second level</a:t>
             </a:r>
-            <a:endParaRPr b="0" lang="pl-PL" sz="2000" spc="-1" strike="noStrike">
-              <a:solidFill>
-                <a:srgbClr val="000000"/>
-              </a:solidFill>
-              <a:latin typeface="Calibri"/>
-            </a:endParaRPr>
-          </a:p>
-          <a:p>
-            <a:pPr lvl="2" marL="1143000" indent="-228240">
+            <a:endParaRPr lang="pl-PL" sz="2000" b="0" strike="noStrike" spc="-1">
+              <a:solidFill>
+                <a:srgbClr val="000000"/>
+              </a:solidFill>
+              <a:latin typeface="Calibri"/>
+            </a:endParaRPr>
+          </a:p>
+          <a:p>
+            <a:pPr marL="1143000" lvl="2" indent="-228240">
               <a:lnSpc>
                 <a:spcPct val="100000"/>
               </a:lnSpc>
@@ -4796,13 +5355,13 @@
                 <a:spcPts val="360"/>
               </a:spcBef>
               <a:buClr>
-                <a:srgbClr val="e9591c"/>
+                <a:srgbClr val="E9591C"/>
               </a:buClr>
               <a:buFont typeface="Wingdings" charset="2"/>
               <a:buChar char=""/>
             </a:pPr>
             <a:r>
-              <a:rPr b="0" lang="pl-PL" sz="1800" spc="-1" strike="noStrike">
+              <a:rPr lang="pl-PL" sz="1800" b="0" strike="noStrike" spc="-1">
                 <a:solidFill>
                   <a:srgbClr val="000000"/>
                 </a:solidFill>
@@ -4810,15 +5369,15 @@
               </a:rPr>
               <a:t>Third level</a:t>
             </a:r>
-            <a:endParaRPr b="0" lang="pl-PL" sz="1800" spc="-1" strike="noStrike">
-              <a:solidFill>
-                <a:srgbClr val="000000"/>
-              </a:solidFill>
-              <a:latin typeface="Calibri"/>
-            </a:endParaRPr>
-          </a:p>
-          <a:p>
-            <a:pPr lvl="3" marL="1600200" indent="-228240">
+            <a:endParaRPr lang="pl-PL" sz="1800" b="0" strike="noStrike" spc="-1">
+              <a:solidFill>
+                <a:srgbClr val="000000"/>
+              </a:solidFill>
+              <a:latin typeface="Calibri"/>
+            </a:endParaRPr>
+          </a:p>
+          <a:p>
+            <a:pPr marL="1600200" lvl="3" indent="-228240">
               <a:lnSpc>
                 <a:spcPct val="100000"/>
               </a:lnSpc>
@@ -4826,13 +5385,13 @@
                 <a:spcPts val="320"/>
               </a:spcBef>
               <a:buClr>
-                <a:srgbClr val="e9591c"/>
+                <a:srgbClr val="E9591C"/>
               </a:buClr>
               <a:buFont typeface="Wingdings" charset="2"/>
               <a:buChar char=""/>
             </a:pPr>
             <a:r>
-              <a:rPr b="0" lang="pl-PL" sz="1600" spc="-1" strike="noStrike">
+              <a:rPr lang="pl-PL" sz="1600" b="0" strike="noStrike" spc="-1">
                 <a:solidFill>
                   <a:srgbClr val="000000"/>
                 </a:solidFill>
@@ -4840,15 +5399,15 @@
               </a:rPr>
               <a:t>Fourth level</a:t>
             </a:r>
-            <a:endParaRPr b="0" lang="pl-PL" sz="1600" spc="-1" strike="noStrike">
-              <a:solidFill>
-                <a:srgbClr val="000000"/>
-              </a:solidFill>
-              <a:latin typeface="Calibri"/>
-            </a:endParaRPr>
-          </a:p>
-          <a:p>
-            <a:pPr lvl="4" marL="2057400" indent="-228240">
+            <a:endParaRPr lang="pl-PL" sz="1600" b="0" strike="noStrike" spc="-1">
+              <a:solidFill>
+                <a:srgbClr val="000000"/>
+              </a:solidFill>
+              <a:latin typeface="Calibri"/>
+            </a:endParaRPr>
+          </a:p>
+          <a:p>
+            <a:pPr marL="2057400" lvl="4" indent="-228240">
               <a:lnSpc>
                 <a:spcPct val="100000"/>
               </a:lnSpc>
@@ -4856,13 +5415,13 @@
                 <a:spcPts val="320"/>
               </a:spcBef>
               <a:buClr>
-                <a:srgbClr val="e9591c"/>
+                <a:srgbClr val="E9591C"/>
               </a:buClr>
               <a:buFont typeface="Wingdings" charset="2"/>
               <a:buChar char=""/>
             </a:pPr>
             <a:r>
-              <a:rPr b="0" lang="pl-PL" sz="1600" spc="-1" strike="noStrike">
+              <a:rPr lang="pl-PL" sz="1600" b="0" strike="noStrike" spc="-1">
                 <a:solidFill>
                   <a:srgbClr val="000000"/>
                 </a:solidFill>
@@ -4870,7 +5429,7 @@
               </a:rPr>
               <a:t>Fifth level</a:t>
             </a:r>
-            <a:endParaRPr b="0" lang="pl-PL" sz="1600" spc="-1" strike="noStrike">
+            <a:endParaRPr lang="pl-PL" sz="1600" b="0" strike="noStrike" spc="-1">
               <a:solidFill>
                 <a:srgbClr val="000000"/>
               </a:solidFill>
@@ -4899,10 +5458,11 @@
           </a:prstGeom>
         </p:spPr>
         <p:txBody>
-          <a:bodyPr lIns="0" rIns="0" tIns="0" bIns="0" anchor="ctr"/>
+          <a:bodyPr lIns="0" tIns="0" rIns="0" bIns="0" anchor="ctr"/>
+          <a:lstStyle/>
           <a:p>
             <a:r>
-              <a:rPr b="0" lang="pl-PL" sz="1800" spc="-1" strike="noStrike">
+              <a:rPr lang="pl-PL" sz="1800" b="0" strike="noStrike" spc="-1">
                 <a:solidFill>
                   <a:srgbClr val="000000"/>
                 </a:solidFill>
@@ -4910,43 +5470,318 @@
               </a:rPr>
               <a:t>Click to edit the title text format</a:t>
             </a:r>
-            <a:endParaRPr b="0" lang="pl-PL" sz="1800" spc="-1" strike="noStrike">
-              <a:solidFill>
-                <a:srgbClr val="000000"/>
-              </a:solidFill>
-              <a:latin typeface="Calibri"/>
-            </a:endParaRPr>
           </a:p>
         </p:txBody>
       </p:sp>
     </p:spTree>
   </p:cSld>
-  <p:clrMap bg1="lt1" bg2="lt2" tx1="dk1" tx2="dk2" accent1="accent1" accent2="accent2" accent3="accent3" accent4="accent4" accent5="accent5" accent6="accent6" hlink="hlink" folHlink="folHlink"/>
+  <p:clrMap bg1="lt1" tx1="dk1" bg2="lt2" tx2="dk2" accent1="accent1" accent2="accent2" accent3="accent3" accent4="accent4" accent5="accent5" accent6="accent6" hlink="hlink" folHlink="folHlink"/>
   <p:sldLayoutIdLst>
-    <p:sldLayoutId id="2147483662" r:id="rId2"/>
-    <p:sldLayoutId id="2147483663" r:id="rId3"/>
-    <p:sldLayoutId id="2147483664" r:id="rId4"/>
-    <p:sldLayoutId id="2147483665" r:id="rId5"/>
-    <p:sldLayoutId id="2147483666" r:id="rId6"/>
-    <p:sldLayoutId id="2147483667" r:id="rId7"/>
-    <p:sldLayoutId id="2147483668" r:id="rId8"/>
-    <p:sldLayoutId id="2147483669" r:id="rId9"/>
-    <p:sldLayoutId id="2147483670" r:id="rId10"/>
-    <p:sldLayoutId id="2147483671" r:id="rId11"/>
-    <p:sldLayoutId id="2147483672" r:id="rId12"/>
-    <p:sldLayoutId id="2147483673" r:id="rId13"/>
+    <p:sldLayoutId id="2147483662" r:id="rId1"/>
+    <p:sldLayoutId id="2147483663" r:id="rId2"/>
+    <p:sldLayoutId id="2147483664" r:id="rId3"/>
+    <p:sldLayoutId id="2147483665" r:id="rId4"/>
+    <p:sldLayoutId id="2147483666" r:id="rId5"/>
+    <p:sldLayoutId id="2147483667" r:id="rId6"/>
+    <p:sldLayoutId id="2147483668" r:id="rId7"/>
+    <p:sldLayoutId id="2147483669" r:id="rId8"/>
+    <p:sldLayoutId id="2147483670" r:id="rId9"/>
+    <p:sldLayoutId id="2147483671" r:id="rId10"/>
+    <p:sldLayoutId id="2147483672" r:id="rId11"/>
+    <p:sldLayoutId id="2147483673" r:id="rId12"/>
   </p:sldLayoutIdLst>
+  <p:txStyles>
+    <p:titleStyle>
+      <a:lvl1pPr algn="l" defTabSz="914400" rtl="0" eaLnBrk="1" latinLnBrk="0" hangingPunct="1">
+        <a:lnSpc>
+          <a:spcPct val="90000"/>
+        </a:lnSpc>
+        <a:spcBef>
+          <a:spcPct val="0"/>
+        </a:spcBef>
+        <a:buNone/>
+        <a:defRPr sz="4400" kern="1200">
+          <a:solidFill>
+            <a:schemeClr val="tx1"/>
+          </a:solidFill>
+          <a:latin typeface="+mj-lt"/>
+          <a:ea typeface="+mj-ea"/>
+          <a:cs typeface="+mj-cs"/>
+        </a:defRPr>
+      </a:lvl1pPr>
+    </p:titleStyle>
+    <p:bodyStyle>
+      <a:lvl1pPr marL="228600" indent="-228600" algn="l" defTabSz="914400" rtl="0" eaLnBrk="1" latinLnBrk="0" hangingPunct="1">
+        <a:lnSpc>
+          <a:spcPct val="90000"/>
+        </a:lnSpc>
+        <a:spcBef>
+          <a:spcPts val="1000"/>
+        </a:spcBef>
+        <a:buFont typeface="Arial" panose="020B0604020202020204" pitchFamily="34" charset="0"/>
+        <a:buChar char="•"/>
+        <a:defRPr sz="2800" kern="1200">
+          <a:solidFill>
+            <a:schemeClr val="tx1"/>
+          </a:solidFill>
+          <a:latin typeface="+mn-lt"/>
+          <a:ea typeface="+mn-ea"/>
+          <a:cs typeface="+mn-cs"/>
+        </a:defRPr>
+      </a:lvl1pPr>
+      <a:lvl2pPr marL="685800" indent="-228600" algn="l" defTabSz="914400" rtl="0" eaLnBrk="1" latinLnBrk="0" hangingPunct="1">
+        <a:lnSpc>
+          <a:spcPct val="90000"/>
+        </a:lnSpc>
+        <a:spcBef>
+          <a:spcPts val="500"/>
+        </a:spcBef>
+        <a:buFont typeface="Arial" panose="020B0604020202020204" pitchFamily="34" charset="0"/>
+        <a:buChar char="•"/>
+        <a:defRPr sz="2400" kern="1200">
+          <a:solidFill>
+            <a:schemeClr val="tx1"/>
+          </a:solidFill>
+          <a:latin typeface="+mn-lt"/>
+          <a:ea typeface="+mn-ea"/>
+          <a:cs typeface="+mn-cs"/>
+        </a:defRPr>
+      </a:lvl2pPr>
+      <a:lvl3pPr marL="1143000" indent="-228600" algn="l" defTabSz="914400" rtl="0" eaLnBrk="1" latinLnBrk="0" hangingPunct="1">
+        <a:lnSpc>
+          <a:spcPct val="90000"/>
+        </a:lnSpc>
+        <a:spcBef>
+          <a:spcPts val="500"/>
+        </a:spcBef>
+        <a:buFont typeface="Arial" panose="020B0604020202020204" pitchFamily="34" charset="0"/>
+        <a:buChar char="•"/>
+        <a:defRPr sz="2000" kern="1200">
+          <a:solidFill>
+            <a:schemeClr val="tx1"/>
+          </a:solidFill>
+          <a:latin typeface="+mn-lt"/>
+          <a:ea typeface="+mn-ea"/>
+          <a:cs typeface="+mn-cs"/>
+        </a:defRPr>
+      </a:lvl3pPr>
+      <a:lvl4pPr marL="1600200" indent="-228600" algn="l" defTabSz="914400" rtl="0" eaLnBrk="1" latinLnBrk="0" hangingPunct="1">
+        <a:lnSpc>
+          <a:spcPct val="90000"/>
+        </a:lnSpc>
+        <a:spcBef>
+          <a:spcPts val="500"/>
+        </a:spcBef>
+        <a:buFont typeface="Arial" panose="020B0604020202020204" pitchFamily="34" charset="0"/>
+        <a:buChar char="•"/>
+        <a:defRPr sz="1800" kern="1200">
+          <a:solidFill>
+            <a:schemeClr val="tx1"/>
+          </a:solidFill>
+          <a:latin typeface="+mn-lt"/>
+          <a:ea typeface="+mn-ea"/>
+          <a:cs typeface="+mn-cs"/>
+        </a:defRPr>
+      </a:lvl4pPr>
+      <a:lvl5pPr marL="2057400" indent="-228600" algn="l" defTabSz="914400" rtl="0" eaLnBrk="1" latinLnBrk="0" hangingPunct="1">
+        <a:lnSpc>
+          <a:spcPct val="90000"/>
+        </a:lnSpc>
+        <a:spcBef>
+          <a:spcPts val="500"/>
+        </a:spcBef>
+        <a:buFont typeface="Arial" panose="020B0604020202020204" pitchFamily="34" charset="0"/>
+        <a:buChar char="•"/>
+        <a:defRPr sz="1800" kern="1200">
+          <a:solidFill>
+            <a:schemeClr val="tx1"/>
+          </a:solidFill>
+          <a:latin typeface="+mn-lt"/>
+          <a:ea typeface="+mn-ea"/>
+          <a:cs typeface="+mn-cs"/>
+        </a:defRPr>
+      </a:lvl5pPr>
+      <a:lvl6pPr marL="2514600" indent="-228600" algn="l" defTabSz="914400" rtl="0" eaLnBrk="1" latinLnBrk="0" hangingPunct="1">
+        <a:lnSpc>
+          <a:spcPct val="90000"/>
+        </a:lnSpc>
+        <a:spcBef>
+          <a:spcPts val="500"/>
+        </a:spcBef>
+        <a:buFont typeface="Arial" panose="020B0604020202020204" pitchFamily="34" charset="0"/>
+        <a:buChar char="•"/>
+        <a:defRPr sz="1800" kern="1200">
+          <a:solidFill>
+            <a:schemeClr val="tx1"/>
+          </a:solidFill>
+          <a:latin typeface="+mn-lt"/>
+          <a:ea typeface="+mn-ea"/>
+          <a:cs typeface="+mn-cs"/>
+        </a:defRPr>
+      </a:lvl6pPr>
+      <a:lvl7pPr marL="2971800" indent="-228600" algn="l" defTabSz="914400" rtl="0" eaLnBrk="1" latinLnBrk="0" hangingPunct="1">
+        <a:lnSpc>
+          <a:spcPct val="90000"/>
+        </a:lnSpc>
+        <a:spcBef>
+          <a:spcPts val="500"/>
+        </a:spcBef>
+        <a:buFont typeface="Arial" panose="020B0604020202020204" pitchFamily="34" charset="0"/>
+        <a:buChar char="•"/>
+        <a:defRPr sz="1800" kern="1200">
+          <a:solidFill>
+            <a:schemeClr val="tx1"/>
+          </a:solidFill>
+          <a:latin typeface="+mn-lt"/>
+          <a:ea typeface="+mn-ea"/>
+          <a:cs typeface="+mn-cs"/>
+        </a:defRPr>
+      </a:lvl7pPr>
+      <a:lvl8pPr marL="3429000" indent="-228600" algn="l" defTabSz="914400" rtl="0" eaLnBrk="1" latinLnBrk="0" hangingPunct="1">
+        <a:lnSpc>
+          <a:spcPct val="90000"/>
+        </a:lnSpc>
+        <a:spcBef>
+          <a:spcPts val="500"/>
+        </a:spcBef>
+        <a:buFont typeface="Arial" panose="020B0604020202020204" pitchFamily="34" charset="0"/>
+        <a:buChar char="•"/>
+        <a:defRPr sz="1800" kern="1200">
+          <a:solidFill>
+            <a:schemeClr val="tx1"/>
+          </a:solidFill>
+          <a:latin typeface="+mn-lt"/>
+          <a:ea typeface="+mn-ea"/>
+          <a:cs typeface="+mn-cs"/>
+        </a:defRPr>
+      </a:lvl8pPr>
+      <a:lvl9pPr marL="3886200" indent="-228600" algn="l" defTabSz="914400" rtl="0" eaLnBrk="1" latinLnBrk="0" hangingPunct="1">
+        <a:lnSpc>
+          <a:spcPct val="90000"/>
+        </a:lnSpc>
+        <a:spcBef>
+          <a:spcPts val="500"/>
+        </a:spcBef>
+        <a:buFont typeface="Arial" panose="020B0604020202020204" pitchFamily="34" charset="0"/>
+        <a:buChar char="•"/>
+        <a:defRPr sz="1800" kern="1200">
+          <a:solidFill>
+            <a:schemeClr val="tx1"/>
+          </a:solidFill>
+          <a:latin typeface="+mn-lt"/>
+          <a:ea typeface="+mn-ea"/>
+          <a:cs typeface="+mn-cs"/>
+        </a:defRPr>
+      </a:lvl9pPr>
+    </p:bodyStyle>
+    <p:otherStyle>
+      <a:defPPr>
+        <a:defRPr lang="pl-PL"/>
+      </a:defPPr>
+      <a:lvl1pPr marL="0" algn="l" defTabSz="914400" rtl="0" eaLnBrk="1" latinLnBrk="0" hangingPunct="1">
+        <a:defRPr sz="1800" kern="1200">
+          <a:solidFill>
+            <a:schemeClr val="tx1"/>
+          </a:solidFill>
+          <a:latin typeface="+mn-lt"/>
+          <a:ea typeface="+mn-ea"/>
+          <a:cs typeface="+mn-cs"/>
+        </a:defRPr>
+      </a:lvl1pPr>
+      <a:lvl2pPr marL="457200" algn="l" defTabSz="914400" rtl="0" eaLnBrk="1" latinLnBrk="0" hangingPunct="1">
+        <a:defRPr sz="1800" kern="1200">
+          <a:solidFill>
+            <a:schemeClr val="tx1"/>
+          </a:solidFill>
+          <a:latin typeface="+mn-lt"/>
+          <a:ea typeface="+mn-ea"/>
+          <a:cs typeface="+mn-cs"/>
+        </a:defRPr>
+      </a:lvl2pPr>
+      <a:lvl3pPr marL="914400" algn="l" defTabSz="914400" rtl="0" eaLnBrk="1" latinLnBrk="0" hangingPunct="1">
+        <a:defRPr sz="1800" kern="1200">
+          <a:solidFill>
+            <a:schemeClr val="tx1"/>
+          </a:solidFill>
+          <a:latin typeface="+mn-lt"/>
+          <a:ea typeface="+mn-ea"/>
+          <a:cs typeface="+mn-cs"/>
+        </a:defRPr>
+      </a:lvl3pPr>
+      <a:lvl4pPr marL="1371600" algn="l" defTabSz="914400" rtl="0" eaLnBrk="1" latinLnBrk="0" hangingPunct="1">
+        <a:defRPr sz="1800" kern="1200">
+          <a:solidFill>
+            <a:schemeClr val="tx1"/>
+          </a:solidFill>
+          <a:latin typeface="+mn-lt"/>
+          <a:ea typeface="+mn-ea"/>
+          <a:cs typeface="+mn-cs"/>
+        </a:defRPr>
+      </a:lvl4pPr>
+      <a:lvl5pPr marL="1828800" algn="l" defTabSz="914400" rtl="0" eaLnBrk="1" latinLnBrk="0" hangingPunct="1">
+        <a:defRPr sz="1800" kern="1200">
+          <a:solidFill>
+            <a:schemeClr val="tx1"/>
+          </a:solidFill>
+          <a:latin typeface="+mn-lt"/>
+          <a:ea typeface="+mn-ea"/>
+          <a:cs typeface="+mn-cs"/>
+        </a:defRPr>
+      </a:lvl5pPr>
+      <a:lvl6pPr marL="2286000" algn="l" defTabSz="914400" rtl="0" eaLnBrk="1" latinLnBrk="0" hangingPunct="1">
+        <a:defRPr sz="1800" kern="1200">
+          <a:solidFill>
+            <a:schemeClr val="tx1"/>
+          </a:solidFill>
+          <a:latin typeface="+mn-lt"/>
+          <a:ea typeface="+mn-ea"/>
+          <a:cs typeface="+mn-cs"/>
+        </a:defRPr>
+      </a:lvl6pPr>
+      <a:lvl7pPr marL="2743200" algn="l" defTabSz="914400" rtl="0" eaLnBrk="1" latinLnBrk="0" hangingPunct="1">
+        <a:defRPr sz="1800" kern="1200">
+          <a:solidFill>
+            <a:schemeClr val="tx1"/>
+          </a:solidFill>
+          <a:latin typeface="+mn-lt"/>
+          <a:ea typeface="+mn-ea"/>
+          <a:cs typeface="+mn-cs"/>
+        </a:defRPr>
+      </a:lvl7pPr>
+      <a:lvl8pPr marL="3200400" algn="l" defTabSz="914400" rtl="0" eaLnBrk="1" latinLnBrk="0" hangingPunct="1">
+        <a:defRPr sz="1800" kern="1200">
+          <a:solidFill>
+            <a:schemeClr val="tx1"/>
+          </a:solidFill>
+          <a:latin typeface="+mn-lt"/>
+          <a:ea typeface="+mn-ea"/>
+          <a:cs typeface="+mn-cs"/>
+        </a:defRPr>
+      </a:lvl8pPr>
+      <a:lvl9pPr marL="3657600" algn="l" defTabSz="914400" rtl="0" eaLnBrk="1" latinLnBrk="0" hangingPunct="1">
+        <a:defRPr sz="1800" kern="1200">
+          <a:solidFill>
+            <a:schemeClr val="tx1"/>
+          </a:solidFill>
+          <a:latin typeface="+mn-lt"/>
+          <a:ea typeface="+mn-ea"/>
+          <a:cs typeface="+mn-cs"/>
+        </a:defRPr>
+      </a:lvl9pPr>
+    </p:otherStyle>
+  </p:txStyles>
 </p:sldMaster>
 </file>
 
 <file path=ppt/slideMasters/slideMaster3.xml><?xml version="1.0" encoding="utf-8"?>
-<p:sldMaster xmlns:a="http://schemas.openxmlformats.org/drawingml/2006/main" xmlns:p="http://schemas.openxmlformats.org/presentationml/2006/main" xmlns:r="http://schemas.openxmlformats.org/officeDocument/2006/relationships" xmlns:p14="http://schemas.microsoft.com/office/powerpoint/2010/main" xmlns:p15="http://schemas.microsoft.com/office/powerpoint/2012/main" xmlns:mc="http://schemas.openxmlformats.org/markup-compatibility/2006">
+<p:sldMaster xmlns:a="http://schemas.openxmlformats.org/drawingml/2006/main" xmlns:r="http://schemas.openxmlformats.org/officeDocument/2006/relationships" xmlns:p="http://schemas.openxmlformats.org/presentationml/2006/main">
   <p:cSld>
     <p:bg>
       <p:bgPr>
         <a:solidFill>
-          <a:srgbClr val="ffffff"/>
+          <a:srgbClr val="FFFFFF"/>
         </a:solidFill>
+        <a:effectLst/>
       </p:bgPr>
     </p:bg>
     <p:spTree>
@@ -4965,12 +5800,12 @@
       </p:grpSpPr>
       <p:pic>
         <p:nvPicPr>
-          <p:cNvPr id="78" name="Picture 5" descr=""/>
+          <p:cNvPr id="78" name="Picture 5"/>
           <p:cNvPicPr/>
           <p:nvPr/>
         </p:nvPicPr>
         <p:blipFill>
-          <a:blip r:embed="rId2"/>
+          <a:blip r:embed="rId14"/>
           <a:stretch/>
         </p:blipFill>
         <p:spPr>
@@ -5007,6 +5842,7 @@
         </p:spPr>
         <p:txBody>
           <a:bodyPr anchor="b"/>
+          <a:lstStyle/>
           <a:p>
             <a:pPr algn="ctr">
               <a:lnSpc>
@@ -5017,15 +5853,15 @@
               </a:spcBef>
             </a:pPr>
             <a:r>
-              <a:rPr b="1" lang="pl-PL" sz="2400" spc="-1" strike="noStrike">
+              <a:rPr lang="pl-PL" sz="2400" b="1" strike="noStrike" spc="-1">
                 <a:solidFill>
-                  <a:srgbClr val="ff7100"/>
+                  <a:srgbClr val="FF7100"/>
                 </a:solidFill>
                 <a:latin typeface="Calibri"/>
               </a:rPr>
               <a:t>Imię i nazwisko prelegenta</a:t>
             </a:r>
-            <a:endParaRPr b="0" lang="pl-PL" sz="2400" spc="-1" strike="noStrike">
+            <a:endParaRPr lang="pl-PL" sz="2400" b="0" strike="noStrike" spc="-1">
               <a:solidFill>
                 <a:srgbClr val="000000"/>
               </a:solidFill>
@@ -5057,6 +5893,7 @@
           <a:bodyPr anchor="ctr">
             <a:normAutofit/>
           </a:bodyPr>
+          <a:lstStyle/>
           <a:p>
             <a:pPr algn="ctr">
               <a:lnSpc>
@@ -5064,7 +5901,7 @@
               </a:lnSpc>
             </a:pPr>
             <a:r>
-              <a:rPr b="0" lang="pl-PL" sz="1800" spc="-1" strike="noStrike">
+              <a:rPr lang="pl-PL" sz="1800" b="0" strike="noStrike" spc="-1">
                 <a:solidFill>
                   <a:srgbClr val="808080"/>
                 </a:solidFill>
@@ -5072,7 +5909,7 @@
               </a:rPr>
               <a:t>Tytuł prezentacji</a:t>
             </a:r>
-            <a:endParaRPr b="0" lang="pl-PL" sz="1800" spc="-1" strike="noStrike">
+            <a:endParaRPr lang="pl-PL" sz="1800" b="0" strike="noStrike" spc="-1">
               <a:solidFill>
                 <a:srgbClr val="000000"/>
               </a:solidFill>
@@ -5104,6 +5941,7 @@
           <a:bodyPr anchor="b">
             <a:normAutofit/>
           </a:bodyPr>
+          <a:lstStyle/>
           <a:p>
             <a:pPr algn="ctr">
               <a:lnSpc>
@@ -5114,7 +5952,7 @@
               </a:spcBef>
             </a:pPr>
             <a:r>
-              <a:rPr b="0" lang="pl-PL" sz="1800" spc="-1" strike="noStrike">
+              <a:rPr lang="pl-PL" sz="1800" b="0" strike="noStrike" spc="-1">
                 <a:solidFill>
                   <a:srgbClr val="000000"/>
                 </a:solidFill>
@@ -5122,7 +5960,7 @@
               </a:rPr>
               <a:t>adres@future-processing.com</a:t>
             </a:r>
-            <a:endParaRPr b="0" lang="pl-PL" sz="1800" spc="-1" strike="noStrike">
+            <a:endParaRPr lang="pl-PL" sz="1800" b="0" strike="noStrike" spc="-1">
               <a:solidFill>
                 <a:srgbClr val="000000"/>
               </a:solidFill>
@@ -5133,26 +5971,306 @@
       </p:sp>
     </p:spTree>
   </p:cSld>
-  <p:clrMap bg1="lt1" bg2="lt2" tx1="dk1" tx2="dk2" accent1="accent1" accent2="accent2" accent3="accent3" accent4="accent4" accent5="accent5" accent6="accent6" hlink="hlink" folHlink="folHlink"/>
+  <p:clrMap bg1="lt1" tx1="dk1" bg2="lt2" tx2="dk2" accent1="accent1" accent2="accent2" accent3="accent3" accent4="accent4" accent5="accent5" accent6="accent6" hlink="hlink" folHlink="folHlink"/>
   <p:sldLayoutIdLst>
-    <p:sldLayoutId id="2147483675" r:id="rId3"/>
-    <p:sldLayoutId id="2147483676" r:id="rId4"/>
-    <p:sldLayoutId id="2147483677" r:id="rId5"/>
-    <p:sldLayoutId id="2147483678" r:id="rId6"/>
-    <p:sldLayoutId id="2147483679" r:id="rId7"/>
-    <p:sldLayoutId id="2147483680" r:id="rId8"/>
-    <p:sldLayoutId id="2147483681" r:id="rId9"/>
-    <p:sldLayoutId id="2147483682" r:id="rId10"/>
-    <p:sldLayoutId id="2147483683" r:id="rId11"/>
-    <p:sldLayoutId id="2147483684" r:id="rId12"/>
-    <p:sldLayoutId id="2147483685" r:id="rId13"/>
-    <p:sldLayoutId id="2147483686" r:id="rId14"/>
+    <p:sldLayoutId id="2147483675" r:id="rId1"/>
+    <p:sldLayoutId id="2147483676" r:id="rId2"/>
+    <p:sldLayoutId id="2147483677" r:id="rId3"/>
+    <p:sldLayoutId id="2147483678" r:id="rId4"/>
+    <p:sldLayoutId id="2147483679" r:id="rId5"/>
+    <p:sldLayoutId id="2147483680" r:id="rId6"/>
+    <p:sldLayoutId id="2147483681" r:id="rId7"/>
+    <p:sldLayoutId id="2147483682" r:id="rId8"/>
+    <p:sldLayoutId id="2147483683" r:id="rId9"/>
+    <p:sldLayoutId id="2147483684" r:id="rId10"/>
+    <p:sldLayoutId id="2147483685" r:id="rId11"/>
+    <p:sldLayoutId id="2147483686" r:id="rId12"/>
   </p:sldLayoutIdLst>
+  <p:txStyles>
+    <p:titleStyle>
+      <a:lvl1pPr algn="l" defTabSz="914400" rtl="0" eaLnBrk="1" latinLnBrk="0" hangingPunct="1">
+        <a:lnSpc>
+          <a:spcPct val="90000"/>
+        </a:lnSpc>
+        <a:spcBef>
+          <a:spcPct val="0"/>
+        </a:spcBef>
+        <a:buNone/>
+        <a:defRPr sz="4400" kern="1200">
+          <a:solidFill>
+            <a:schemeClr val="tx1"/>
+          </a:solidFill>
+          <a:latin typeface="+mj-lt"/>
+          <a:ea typeface="+mj-ea"/>
+          <a:cs typeface="+mj-cs"/>
+        </a:defRPr>
+      </a:lvl1pPr>
+    </p:titleStyle>
+    <p:bodyStyle>
+      <a:lvl1pPr marL="228600" indent="-228600" algn="l" defTabSz="914400" rtl="0" eaLnBrk="1" latinLnBrk="0" hangingPunct="1">
+        <a:lnSpc>
+          <a:spcPct val="90000"/>
+        </a:lnSpc>
+        <a:spcBef>
+          <a:spcPts val="1000"/>
+        </a:spcBef>
+        <a:buFont typeface="Arial" panose="020B0604020202020204" pitchFamily="34" charset="0"/>
+        <a:buChar char="•"/>
+        <a:defRPr sz="2800" kern="1200">
+          <a:solidFill>
+            <a:schemeClr val="tx1"/>
+          </a:solidFill>
+          <a:latin typeface="+mn-lt"/>
+          <a:ea typeface="+mn-ea"/>
+          <a:cs typeface="+mn-cs"/>
+        </a:defRPr>
+      </a:lvl1pPr>
+      <a:lvl2pPr marL="685800" indent="-228600" algn="l" defTabSz="914400" rtl="0" eaLnBrk="1" latinLnBrk="0" hangingPunct="1">
+        <a:lnSpc>
+          <a:spcPct val="90000"/>
+        </a:lnSpc>
+        <a:spcBef>
+          <a:spcPts val="500"/>
+        </a:spcBef>
+        <a:buFont typeface="Arial" panose="020B0604020202020204" pitchFamily="34" charset="0"/>
+        <a:buChar char="•"/>
+        <a:defRPr sz="2400" kern="1200">
+          <a:solidFill>
+            <a:schemeClr val="tx1"/>
+          </a:solidFill>
+          <a:latin typeface="+mn-lt"/>
+          <a:ea typeface="+mn-ea"/>
+          <a:cs typeface="+mn-cs"/>
+        </a:defRPr>
+      </a:lvl2pPr>
+      <a:lvl3pPr marL="1143000" indent="-228600" algn="l" defTabSz="914400" rtl="0" eaLnBrk="1" latinLnBrk="0" hangingPunct="1">
+        <a:lnSpc>
+          <a:spcPct val="90000"/>
+        </a:lnSpc>
+        <a:spcBef>
+          <a:spcPts val="500"/>
+        </a:spcBef>
+        <a:buFont typeface="Arial" panose="020B0604020202020204" pitchFamily="34" charset="0"/>
+        <a:buChar char="•"/>
+        <a:defRPr sz="2000" kern="1200">
+          <a:solidFill>
+            <a:schemeClr val="tx1"/>
+          </a:solidFill>
+          <a:latin typeface="+mn-lt"/>
+          <a:ea typeface="+mn-ea"/>
+          <a:cs typeface="+mn-cs"/>
+        </a:defRPr>
+      </a:lvl3pPr>
+      <a:lvl4pPr marL="1600200" indent="-228600" algn="l" defTabSz="914400" rtl="0" eaLnBrk="1" latinLnBrk="0" hangingPunct="1">
+        <a:lnSpc>
+          <a:spcPct val="90000"/>
+        </a:lnSpc>
+        <a:spcBef>
+          <a:spcPts val="500"/>
+        </a:spcBef>
+        <a:buFont typeface="Arial" panose="020B0604020202020204" pitchFamily="34" charset="0"/>
+        <a:buChar char="•"/>
+        <a:defRPr sz="1800" kern="1200">
+          <a:solidFill>
+            <a:schemeClr val="tx1"/>
+          </a:solidFill>
+          <a:latin typeface="+mn-lt"/>
+          <a:ea typeface="+mn-ea"/>
+          <a:cs typeface="+mn-cs"/>
+        </a:defRPr>
+      </a:lvl4pPr>
+      <a:lvl5pPr marL="2057400" indent="-228600" algn="l" defTabSz="914400" rtl="0" eaLnBrk="1" latinLnBrk="0" hangingPunct="1">
+        <a:lnSpc>
+          <a:spcPct val="90000"/>
+        </a:lnSpc>
+        <a:spcBef>
+          <a:spcPts val="500"/>
+        </a:spcBef>
+        <a:buFont typeface="Arial" panose="020B0604020202020204" pitchFamily="34" charset="0"/>
+        <a:buChar char="•"/>
+        <a:defRPr sz="1800" kern="1200">
+          <a:solidFill>
+            <a:schemeClr val="tx1"/>
+          </a:solidFill>
+          <a:latin typeface="+mn-lt"/>
+          <a:ea typeface="+mn-ea"/>
+          <a:cs typeface="+mn-cs"/>
+        </a:defRPr>
+      </a:lvl5pPr>
+      <a:lvl6pPr marL="2514600" indent="-228600" algn="l" defTabSz="914400" rtl="0" eaLnBrk="1" latinLnBrk="0" hangingPunct="1">
+        <a:lnSpc>
+          <a:spcPct val="90000"/>
+        </a:lnSpc>
+        <a:spcBef>
+          <a:spcPts val="500"/>
+        </a:spcBef>
+        <a:buFont typeface="Arial" panose="020B0604020202020204" pitchFamily="34" charset="0"/>
+        <a:buChar char="•"/>
+        <a:defRPr sz="1800" kern="1200">
+          <a:solidFill>
+            <a:schemeClr val="tx1"/>
+          </a:solidFill>
+          <a:latin typeface="+mn-lt"/>
+          <a:ea typeface="+mn-ea"/>
+          <a:cs typeface="+mn-cs"/>
+        </a:defRPr>
+      </a:lvl6pPr>
+      <a:lvl7pPr marL="2971800" indent="-228600" algn="l" defTabSz="914400" rtl="0" eaLnBrk="1" latinLnBrk="0" hangingPunct="1">
+        <a:lnSpc>
+          <a:spcPct val="90000"/>
+        </a:lnSpc>
+        <a:spcBef>
+          <a:spcPts val="500"/>
+        </a:spcBef>
+        <a:buFont typeface="Arial" panose="020B0604020202020204" pitchFamily="34" charset="0"/>
+        <a:buChar char="•"/>
+        <a:defRPr sz="1800" kern="1200">
+          <a:solidFill>
+            <a:schemeClr val="tx1"/>
+          </a:solidFill>
+          <a:latin typeface="+mn-lt"/>
+          <a:ea typeface="+mn-ea"/>
+          <a:cs typeface="+mn-cs"/>
+        </a:defRPr>
+      </a:lvl7pPr>
+      <a:lvl8pPr marL="3429000" indent="-228600" algn="l" defTabSz="914400" rtl="0" eaLnBrk="1" latinLnBrk="0" hangingPunct="1">
+        <a:lnSpc>
+          <a:spcPct val="90000"/>
+        </a:lnSpc>
+        <a:spcBef>
+          <a:spcPts val="500"/>
+        </a:spcBef>
+        <a:buFont typeface="Arial" panose="020B0604020202020204" pitchFamily="34" charset="0"/>
+        <a:buChar char="•"/>
+        <a:defRPr sz="1800" kern="1200">
+          <a:solidFill>
+            <a:schemeClr val="tx1"/>
+          </a:solidFill>
+          <a:latin typeface="+mn-lt"/>
+          <a:ea typeface="+mn-ea"/>
+          <a:cs typeface="+mn-cs"/>
+        </a:defRPr>
+      </a:lvl8pPr>
+      <a:lvl9pPr marL="3886200" indent="-228600" algn="l" defTabSz="914400" rtl="0" eaLnBrk="1" latinLnBrk="0" hangingPunct="1">
+        <a:lnSpc>
+          <a:spcPct val="90000"/>
+        </a:lnSpc>
+        <a:spcBef>
+          <a:spcPts val="500"/>
+        </a:spcBef>
+        <a:buFont typeface="Arial" panose="020B0604020202020204" pitchFamily="34" charset="0"/>
+        <a:buChar char="•"/>
+        <a:defRPr sz="1800" kern="1200">
+          <a:solidFill>
+            <a:schemeClr val="tx1"/>
+          </a:solidFill>
+          <a:latin typeface="+mn-lt"/>
+          <a:ea typeface="+mn-ea"/>
+          <a:cs typeface="+mn-cs"/>
+        </a:defRPr>
+      </a:lvl9pPr>
+    </p:bodyStyle>
+    <p:otherStyle>
+      <a:defPPr>
+        <a:defRPr lang="pl-PL"/>
+      </a:defPPr>
+      <a:lvl1pPr marL="0" algn="l" defTabSz="914400" rtl="0" eaLnBrk="1" latinLnBrk="0" hangingPunct="1">
+        <a:defRPr sz="1800" kern="1200">
+          <a:solidFill>
+            <a:schemeClr val="tx1"/>
+          </a:solidFill>
+          <a:latin typeface="+mn-lt"/>
+          <a:ea typeface="+mn-ea"/>
+          <a:cs typeface="+mn-cs"/>
+        </a:defRPr>
+      </a:lvl1pPr>
+      <a:lvl2pPr marL="457200" algn="l" defTabSz="914400" rtl="0" eaLnBrk="1" latinLnBrk="0" hangingPunct="1">
+        <a:defRPr sz="1800" kern="1200">
+          <a:solidFill>
+            <a:schemeClr val="tx1"/>
+          </a:solidFill>
+          <a:latin typeface="+mn-lt"/>
+          <a:ea typeface="+mn-ea"/>
+          <a:cs typeface="+mn-cs"/>
+        </a:defRPr>
+      </a:lvl2pPr>
+      <a:lvl3pPr marL="914400" algn="l" defTabSz="914400" rtl="0" eaLnBrk="1" latinLnBrk="0" hangingPunct="1">
+        <a:defRPr sz="1800" kern="1200">
+          <a:solidFill>
+            <a:schemeClr val="tx1"/>
+          </a:solidFill>
+          <a:latin typeface="+mn-lt"/>
+          <a:ea typeface="+mn-ea"/>
+          <a:cs typeface="+mn-cs"/>
+        </a:defRPr>
+      </a:lvl3pPr>
+      <a:lvl4pPr marL="1371600" algn="l" defTabSz="914400" rtl="0" eaLnBrk="1" latinLnBrk="0" hangingPunct="1">
+        <a:defRPr sz="1800" kern="1200">
+          <a:solidFill>
+            <a:schemeClr val="tx1"/>
+          </a:solidFill>
+          <a:latin typeface="+mn-lt"/>
+          <a:ea typeface="+mn-ea"/>
+          <a:cs typeface="+mn-cs"/>
+        </a:defRPr>
+      </a:lvl4pPr>
+      <a:lvl5pPr marL="1828800" algn="l" defTabSz="914400" rtl="0" eaLnBrk="1" latinLnBrk="0" hangingPunct="1">
+        <a:defRPr sz="1800" kern="1200">
+          <a:solidFill>
+            <a:schemeClr val="tx1"/>
+          </a:solidFill>
+          <a:latin typeface="+mn-lt"/>
+          <a:ea typeface="+mn-ea"/>
+          <a:cs typeface="+mn-cs"/>
+        </a:defRPr>
+      </a:lvl5pPr>
+      <a:lvl6pPr marL="2286000" algn="l" defTabSz="914400" rtl="0" eaLnBrk="1" latinLnBrk="0" hangingPunct="1">
+        <a:defRPr sz="1800" kern="1200">
+          <a:solidFill>
+            <a:schemeClr val="tx1"/>
+          </a:solidFill>
+          <a:latin typeface="+mn-lt"/>
+          <a:ea typeface="+mn-ea"/>
+          <a:cs typeface="+mn-cs"/>
+        </a:defRPr>
+      </a:lvl6pPr>
+      <a:lvl7pPr marL="2743200" algn="l" defTabSz="914400" rtl="0" eaLnBrk="1" latinLnBrk="0" hangingPunct="1">
+        <a:defRPr sz="1800" kern="1200">
+          <a:solidFill>
+            <a:schemeClr val="tx1"/>
+          </a:solidFill>
+          <a:latin typeface="+mn-lt"/>
+          <a:ea typeface="+mn-ea"/>
+          <a:cs typeface="+mn-cs"/>
+        </a:defRPr>
+      </a:lvl7pPr>
+      <a:lvl8pPr marL="3200400" algn="l" defTabSz="914400" rtl="0" eaLnBrk="1" latinLnBrk="0" hangingPunct="1">
+        <a:defRPr sz="1800" kern="1200">
+          <a:solidFill>
+            <a:schemeClr val="tx1"/>
+          </a:solidFill>
+          <a:latin typeface="+mn-lt"/>
+          <a:ea typeface="+mn-ea"/>
+          <a:cs typeface="+mn-cs"/>
+        </a:defRPr>
+      </a:lvl8pPr>
+      <a:lvl9pPr marL="3657600" algn="l" defTabSz="914400" rtl="0" eaLnBrk="1" latinLnBrk="0" hangingPunct="1">
+        <a:defRPr sz="1800" kern="1200">
+          <a:solidFill>
+            <a:schemeClr val="tx1"/>
+          </a:solidFill>
+          <a:latin typeface="+mn-lt"/>
+          <a:ea typeface="+mn-ea"/>
+          <a:cs typeface="+mn-cs"/>
+        </a:defRPr>
+      </a:lvl9pPr>
+    </p:otherStyle>
+  </p:txStyles>
 </p:sldMaster>
 </file>
 
 <file path=ppt/slides/slide1.xml><?xml version="1.0" encoding="utf-8"?>
-<p:sld xmlns:a="http://schemas.openxmlformats.org/drawingml/2006/main" xmlns:p="http://schemas.openxmlformats.org/presentationml/2006/main" xmlns:r="http://schemas.openxmlformats.org/officeDocument/2006/relationships" xmlns:p14="http://schemas.microsoft.com/office/powerpoint/2010/main" xmlns:p15="http://schemas.microsoft.com/office/powerpoint/2012/main" xmlns:mc="http://schemas.openxmlformats.org/markup-compatibility/2006">
+<p:sld xmlns:a="http://schemas.openxmlformats.org/drawingml/2006/main" xmlns:r="http://schemas.openxmlformats.org/officeDocument/2006/relationships" xmlns:p="http://schemas.openxmlformats.org/presentationml/2006/main">
   <p:cSld>
     <p:spTree>
       <p:nvGrpSpPr>
@@ -5189,8 +6307,9 @@
         </p:spPr>
         <p:txBody>
           <a:bodyPr anchor="ctr"/>
-          <a:p>
-            <a:endParaRPr b="0" lang="pl-PL" sz="1800" spc="-1" strike="noStrike">
+          <a:lstStyle/>
+          <a:p>
+            <a:endParaRPr lang="pl-PL" sz="1800" b="0" strike="noStrike" spc="-1">
               <a:solidFill>
                 <a:srgbClr val="000000"/>
               </a:solidFill>
@@ -5220,9 +6339,10 @@
         </p:spPr>
         <p:txBody>
           <a:bodyPr/>
+          <a:lstStyle/>
           <a:p>
             <a:pPr algn="ctr"/>
-            <a:endParaRPr b="0" lang="en-US" sz="3200" spc="-1" strike="noStrike">
+            <a:endParaRPr lang="en-US" sz="3200" b="0" strike="noStrike" spc="-1">
               <a:latin typeface="Arial"/>
             </a:endParaRPr>
           </a:p>
@@ -5230,6 +6350,9 @@
       </p:sp>
     </p:spTree>
   </p:cSld>
+  <p:clrMapOvr>
+    <a:masterClrMapping/>
+  </p:clrMapOvr>
   <p:timing>
     <p:tnLst>
       <p:par>
@@ -5238,14 +6361,14 @@
             <p:seq>
               <p:cTn id="2" dur="indefinite" nodeType="mainSeq"/>
               <p:prevCondLst>
-                <p:cond delay="0" evt="onPrev">
+                <p:cond evt="onPrev" delay="0">
                   <p:tgtEl>
                     <p:sldTgt/>
                   </p:tgtEl>
                 </p:cond>
               </p:prevCondLst>
               <p:nextCondLst>
-                <p:cond delay="0" evt="onNext">
+                <p:cond evt="onNext" delay="0">
                   <p:tgtEl>
                     <p:sldTgt/>
                   </p:tgtEl>
@@ -5261,7 +6384,7 @@
 </file>
 
 <file path=ppt/slides/slide10.xml><?xml version="1.0" encoding="utf-8"?>
-<p:sld xmlns:a="http://schemas.openxmlformats.org/drawingml/2006/main" xmlns:p="http://schemas.openxmlformats.org/presentationml/2006/main" xmlns:r="http://schemas.openxmlformats.org/officeDocument/2006/relationships" xmlns:p14="http://schemas.microsoft.com/office/powerpoint/2010/main" xmlns:p15="http://schemas.microsoft.com/office/powerpoint/2012/main" xmlns:mc="http://schemas.openxmlformats.org/markup-compatibility/2006">
+<p:sld xmlns:a="http://schemas.openxmlformats.org/drawingml/2006/main" xmlns:r="http://schemas.openxmlformats.org/officeDocument/2006/relationships" xmlns:p="http://schemas.openxmlformats.org/presentationml/2006/main">
   <p:cSld>
     <p:spTree>
       <p:nvGrpSpPr>
@@ -5279,14 +6402,14 @@
       </p:grpSpPr>
       <p:sp>
         <p:nvSpPr>
-          <p:cNvPr id="136" name="TextShape 1"/>
+          <p:cNvPr id="130" name="TextShape 1"/>
           <p:cNvSpPr txBox="1"/>
           <p:nvPr/>
         </p:nvSpPr>
         <p:spPr>
           <a:xfrm>
-            <a:off x="1295640" y="3579840"/>
-            <a:ext cx="4320000" cy="463680"/>
+            <a:off x="342720" y="205200"/>
+            <a:ext cx="6171840" cy="858600"/>
           </a:xfrm>
           <a:prstGeom prst="rect">
             <a:avLst/>
@@ -5297,101 +6420,591 @@
           </a:ln>
         </p:spPr>
         <p:txBody>
-          <a:bodyPr anchor="b">
-            <a:normAutofit/>
-          </a:bodyPr>
-          <a:p>
-            <a:endParaRPr b="0" lang="pl-PL" sz="3200" spc="-1" strike="noStrike">
-              <a:solidFill>
-                <a:srgbClr val="000000"/>
-              </a:solidFill>
-              <a:latin typeface="Calibri"/>
-            </a:endParaRPr>
-          </a:p>
-        </p:txBody>
-      </p:sp>
-      <p:sp>
-        <p:nvSpPr>
-          <p:cNvPr id="137" name="TextShape 2"/>
-          <p:cNvSpPr txBox="1"/>
+          <a:bodyPr lIns="0" tIns="0" rIns="0" bIns="0" anchor="ctr"/>
+          <a:lstStyle/>
+          <a:p>
+            <a:r>
+              <a:rPr lang="pl-PL" sz="1800" b="0" strike="noStrike" spc="-1">
+                <a:solidFill>
+                  <a:srgbClr val="000000"/>
+                </a:solidFill>
+                <a:latin typeface="Calibri"/>
+              </a:rPr>
+              <a:t>Auth code flow</a:t>
+            </a:r>
+          </a:p>
+        </p:txBody>
+      </p:sp>
+      <p:pic>
+        <p:nvPicPr>
+          <p:cNvPr id="131" name="Obraz 130"/>
+          <p:cNvPicPr/>
           <p:nvPr/>
-        </p:nvSpPr>
-        <p:spPr>
-          <a:xfrm>
-            <a:off x="836640" y="2355840"/>
-            <a:ext cx="5184360" cy="1151640"/>
-          </a:xfrm>
-          <a:prstGeom prst="rect">
-            <a:avLst/>
-          </a:prstGeom>
-          <a:noFill/>
+        </p:nvPicPr>
+        <p:blipFill>
+          <a:blip r:embed="rId2"/>
+          <a:stretch/>
+        </p:blipFill>
+        <p:spPr>
+          <a:xfrm>
+            <a:off x="360" y="1426680"/>
+            <a:ext cx="6857640" cy="3328200"/>
+          </a:xfrm>
+          <a:prstGeom prst="rect">
+            <a:avLst/>
+          </a:prstGeom>
           <a:ln>
             <a:noFill/>
           </a:ln>
         </p:spPr>
-        <p:txBody>
-          <a:bodyPr anchor="ctr"/>
-          <a:p>
-            <a:endParaRPr b="0" lang="pl-PL" sz="1800" spc="-1" strike="noStrike">
-              <a:solidFill>
-                <a:srgbClr val="000000"/>
-              </a:solidFill>
-              <a:latin typeface="Calibri"/>
-            </a:endParaRPr>
-          </a:p>
-        </p:txBody>
-      </p:sp>
-      <p:sp>
-        <p:nvSpPr>
-          <p:cNvPr id="138" name="TextShape 3"/>
-          <p:cNvSpPr txBox="1"/>
-          <p:nvPr/>
-        </p:nvSpPr>
-        <p:spPr>
-          <a:xfrm>
-            <a:off x="1278360" y="4155840"/>
-            <a:ext cx="4320000" cy="333720"/>
-          </a:xfrm>
-          <a:prstGeom prst="rect">
-            <a:avLst/>
-          </a:prstGeom>
-          <a:noFill/>
-          <a:ln>
-            <a:noFill/>
-          </a:ln>
-        </p:spPr>
-        <p:txBody>
-          <a:bodyPr anchor="b">
-            <a:normAutofit/>
-          </a:bodyPr>
-          <a:p>
-            <a:endParaRPr b="0" lang="pl-PL" sz="3200" spc="-1" strike="noStrike">
-              <a:solidFill>
-                <a:srgbClr val="000000"/>
-              </a:solidFill>
-              <a:latin typeface="Calibri"/>
-            </a:endParaRPr>
-          </a:p>
-        </p:txBody>
-      </p:sp>
+      </p:pic>
     </p:spTree>
   </p:cSld>
+  <p:clrMapOvr>
+    <a:masterClrMapping/>
+  </p:clrMapOvr>
   <p:timing>
     <p:tnLst>
       <p:par>
-        <p:cTn id="19" dur="indefinite" restart="never" nodeType="tmRoot">
+        <p:cTn id="1" dur="indefinite" restart="never" nodeType="tmRoot">
           <p:childTnLst>
             <p:seq>
-              <p:cTn id="20" dur="indefinite" nodeType="mainSeq"/>
+              <p:cTn id="2" dur="indefinite" nodeType="mainSeq"/>
               <p:prevCondLst>
-                <p:cond delay="0" evt="onPrev">
+                <p:cond evt="onPrev" delay="0">
                   <p:tgtEl>
                     <p:sldTgt/>
                   </p:tgtEl>
                 </p:cond>
               </p:prevCondLst>
               <p:nextCondLst>
-                <p:cond delay="0" evt="onNext">
+                <p:cond evt="onNext" delay="0">
+                  <p:tgtEl>
+                    <p:sldTgt/>
+                  </p:tgtEl>
+                </p:cond>
+              </p:nextCondLst>
+            </p:seq>
+          </p:childTnLst>
+        </p:cTn>
+      </p:par>
+    </p:tnLst>
+  </p:timing>
+</p:sld>
+</file>
+
+<file path=ppt/slides/slide11.xml><?xml version="1.0" encoding="utf-8"?>
+<p:sld xmlns:a="http://schemas.openxmlformats.org/drawingml/2006/main" xmlns:r="http://schemas.openxmlformats.org/officeDocument/2006/relationships" xmlns:p="http://schemas.openxmlformats.org/presentationml/2006/main">
+  <p:cSld>
+    <p:spTree>
+      <p:nvGrpSpPr>
+        <p:cNvPr id="1" name=""/>
+        <p:cNvGrpSpPr/>
+        <p:nvPr/>
+      </p:nvGrpSpPr>
+      <p:grpSpPr>
+        <a:xfrm>
+          <a:off x="0" y="0"/>
+          <a:ext cx="0" cy="0"/>
+          <a:chOff x="0" y="0"/>
+          <a:chExt cx="0" cy="0"/>
+        </a:xfrm>
+      </p:grpSpPr>
+      <p:sp>
+        <p:nvSpPr>
+          <p:cNvPr id="132" name="TextShape 1"/>
+          <p:cNvSpPr txBox="1"/>
+          <p:nvPr/>
+        </p:nvSpPr>
+        <p:spPr>
+          <a:xfrm>
+            <a:off x="342720" y="205200"/>
+            <a:ext cx="6171840" cy="858600"/>
+          </a:xfrm>
+          <a:prstGeom prst="rect">
+            <a:avLst/>
+          </a:prstGeom>
+          <a:noFill/>
+          <a:ln>
+            <a:noFill/>
+          </a:ln>
+        </p:spPr>
+        <p:txBody>
+          <a:bodyPr lIns="0" tIns="0" rIns="0" bIns="0" anchor="ctr"/>
+          <a:lstStyle/>
+          <a:p>
+            <a:endParaRPr lang="pl-PL" sz="1800" b="0" strike="noStrike" spc="-1">
+              <a:solidFill>
+                <a:srgbClr val="000000"/>
+              </a:solidFill>
+              <a:latin typeface="Calibri"/>
+            </a:endParaRPr>
+          </a:p>
+        </p:txBody>
+      </p:sp>
+      <p:sp>
+        <p:nvSpPr>
+          <p:cNvPr id="133" name="TextShape 2"/>
+          <p:cNvSpPr txBox="1"/>
+          <p:nvPr/>
+        </p:nvSpPr>
+        <p:spPr>
+          <a:xfrm>
+            <a:off x="373680" y="1448640"/>
+            <a:ext cx="6118560" cy="3397680"/>
+          </a:xfrm>
+          <a:prstGeom prst="rect">
+            <a:avLst/>
+          </a:prstGeom>
+          <a:noFill/>
+          <a:ln>
+            <a:noFill/>
+          </a:ln>
+        </p:spPr>
+        <p:txBody>
+          <a:bodyPr lIns="0" tIns="0" rIns="0" bIns="0">
+            <a:normAutofit/>
+          </a:bodyPr>
+          <a:lstStyle/>
+          <a:p>
+            <a:pPr marL="432000" indent="-324000">
+              <a:spcBef>
+                <a:spcPts val="1417"/>
+              </a:spcBef>
+              <a:buClr>
+                <a:srgbClr val="000000"/>
+              </a:buClr>
+              <a:buSzPct val="45000"/>
+              <a:buFont typeface="Wingdings" charset="2"/>
+              <a:buChar char=""/>
+            </a:pPr>
+            <a:r>
+              <a:rPr lang="pl-PL" sz="3200" b="0" strike="noStrike" spc="-1">
+                <a:solidFill>
+                  <a:srgbClr val="000000"/>
+                </a:solidFill>
+                <a:latin typeface="Calibri"/>
+              </a:rPr>
+              <a:t>client_secret i token niewidoczne dla użytkownika</a:t>
+            </a:r>
+          </a:p>
+          <a:p>
+            <a:pPr marL="432000" indent="-324000">
+              <a:spcBef>
+                <a:spcPts val="1417"/>
+              </a:spcBef>
+              <a:buClr>
+                <a:srgbClr val="000000"/>
+              </a:buClr>
+              <a:buSzPct val="45000"/>
+              <a:buFont typeface="Wingdings" charset="2"/>
+              <a:buChar char=""/>
+            </a:pPr>
+            <a:r>
+              <a:rPr lang="pl-PL" sz="3200" b="0" strike="noStrike" spc="-1">
+                <a:solidFill>
+                  <a:srgbClr val="000000"/>
+                </a:solidFill>
+                <a:latin typeface="Calibri"/>
+              </a:rPr>
+              <a:t>Zapobiega różnym atakom (wynikającym ze złej implementacji) (confused deputy problem)</a:t>
+            </a:r>
+          </a:p>
+        </p:txBody>
+      </p:sp>
+    </p:spTree>
+  </p:cSld>
+  <p:clrMapOvr>
+    <a:masterClrMapping/>
+  </p:clrMapOvr>
+  <p:timing>
+    <p:tnLst>
+      <p:par>
+        <p:cTn id="1" dur="indefinite" restart="never" nodeType="tmRoot">
+          <p:childTnLst>
+            <p:seq>
+              <p:cTn id="2" dur="indefinite" nodeType="mainSeq"/>
+              <p:prevCondLst>
+                <p:cond evt="onPrev" delay="0">
+                  <p:tgtEl>
+                    <p:sldTgt/>
+                  </p:tgtEl>
+                </p:cond>
+              </p:prevCondLst>
+              <p:nextCondLst>
+                <p:cond evt="onNext" delay="0">
+                  <p:tgtEl>
+                    <p:sldTgt/>
+                  </p:tgtEl>
+                </p:cond>
+              </p:nextCondLst>
+            </p:seq>
+          </p:childTnLst>
+        </p:cTn>
+      </p:par>
+    </p:tnLst>
+  </p:timing>
+</p:sld>
+</file>
+
+<file path=ppt/slides/slide12.xml><?xml version="1.0" encoding="utf-8"?>
+<p:sld xmlns:a="http://schemas.openxmlformats.org/drawingml/2006/main" xmlns:r="http://schemas.openxmlformats.org/officeDocument/2006/relationships" xmlns:p="http://schemas.openxmlformats.org/presentationml/2006/main">
+  <p:cSld>
+    <p:spTree>
+      <p:nvGrpSpPr>
+        <p:cNvPr id="1" name=""/>
+        <p:cNvGrpSpPr/>
+        <p:nvPr/>
+      </p:nvGrpSpPr>
+      <p:grpSpPr>
+        <a:xfrm>
+          <a:off x="0" y="0"/>
+          <a:ext cx="0" cy="0"/>
+          <a:chOff x="0" y="0"/>
+          <a:chExt cx="0" cy="0"/>
+        </a:xfrm>
+      </p:grpSpPr>
+      <p:pic>
+        <p:nvPicPr>
+          <p:cNvPr id="3" name="Obraz 3">
+            <a:extLst>
+              <a:ext uri="{FF2B5EF4-FFF2-40B4-BE49-F238E27FC236}">
+                <a16:creationId xmlns:a16="http://schemas.microsoft.com/office/drawing/2014/main" id="{CBE37C1D-E9C3-4B9E-8A9A-0CF81529348E}"/>
+              </a:ext>
+            </a:extLst>
+          </p:cNvPr>
+          <p:cNvPicPr>
+            <a:picLocks noChangeAspect="1"/>
+          </p:cNvPicPr>
+          <p:nvPr/>
+        </p:nvPicPr>
+        <p:blipFill>
+          <a:blip r:embed="rId2"/>
+          <a:stretch>
+            <a:fillRect/>
+          </a:stretch>
+        </p:blipFill>
+        <p:spPr>
+          <a:xfrm>
+            <a:off x="368957" y="1647228"/>
+            <a:ext cx="6307691" cy="3407209"/>
+          </a:xfrm>
+          <a:prstGeom prst="rect">
+            <a:avLst/>
+          </a:prstGeom>
+        </p:spPr>
+      </p:pic>
+      <p:pic>
+        <p:nvPicPr>
+          <p:cNvPr id="2" name="Obraz 3" descr="Obraz zawierający clipart&#10;&#10;Opis wygenerowany przy bardzo wysokim poziomie pewności">
+            <a:extLst>
+              <a:ext uri="{FF2B5EF4-FFF2-40B4-BE49-F238E27FC236}">
+                <a16:creationId xmlns:a16="http://schemas.microsoft.com/office/drawing/2014/main" id="{5761C701-FE7A-4AB4-BE9E-80281619F8F8}"/>
+              </a:ext>
+            </a:extLst>
+          </p:cNvPr>
+          <p:cNvPicPr>
+            <a:picLocks noChangeAspect="1"/>
+          </p:cNvPicPr>
+          <p:nvPr/>
+        </p:nvPicPr>
+        <p:blipFill>
+          <a:blip r:embed="rId3"/>
+          <a:stretch>
+            <a:fillRect/>
+          </a:stretch>
+        </p:blipFill>
+        <p:spPr>
+          <a:xfrm>
+            <a:off x="1875006" y="-1152"/>
+            <a:ext cx="2743200" cy="1539621"/>
+          </a:xfrm>
+          <a:prstGeom prst="rect">
+            <a:avLst/>
+          </a:prstGeom>
+        </p:spPr>
+      </p:pic>
+    </p:spTree>
+    <p:extLst>
+      <p:ext uri="{BB962C8B-B14F-4D97-AF65-F5344CB8AC3E}">
+        <p14:creationId xmlns:p14="http://schemas.microsoft.com/office/powerpoint/2010/main" val="1688879468"/>
+      </p:ext>
+    </p:extLst>
+  </p:cSld>
+  <p:clrMapOvr>
+    <a:masterClrMapping/>
+  </p:clrMapOvr>
+</p:sld>
+</file>
+
+<file path=ppt/slides/slide13.xml><?xml version="1.0" encoding="utf-8"?>
+<p:sld xmlns:a="http://schemas.openxmlformats.org/drawingml/2006/main" xmlns:r="http://schemas.openxmlformats.org/officeDocument/2006/relationships" xmlns:p="http://schemas.openxmlformats.org/presentationml/2006/main">
+  <p:cSld>
+    <p:spTree>
+      <p:nvGrpSpPr>
+        <p:cNvPr id="1" name=""/>
+        <p:cNvGrpSpPr/>
+        <p:nvPr/>
+      </p:nvGrpSpPr>
+      <p:grpSpPr>
+        <a:xfrm>
+          <a:off x="0" y="0"/>
+          <a:ext cx="0" cy="0"/>
+          <a:chOff x="0" y="0"/>
+          <a:chExt cx="0" cy="0"/>
+        </a:xfrm>
+      </p:grpSpPr>
+      <p:sp>
+        <p:nvSpPr>
+          <p:cNvPr id="134" name="TextShape 1"/>
+          <p:cNvSpPr txBox="1"/>
+          <p:nvPr/>
+        </p:nvSpPr>
+        <p:spPr>
+          <a:xfrm>
+            <a:off x="342720" y="205200"/>
+            <a:ext cx="6171840" cy="858600"/>
+          </a:xfrm>
+          <a:prstGeom prst="rect">
+            <a:avLst/>
+          </a:prstGeom>
+          <a:noFill/>
+          <a:ln>
+            <a:noFill/>
+          </a:ln>
+        </p:spPr>
+        <p:txBody>
+          <a:bodyPr lIns="0" tIns="0" rIns="0" bIns="0" anchor="ctr"/>
+          <a:lstStyle/>
+          <a:p>
+            <a:r>
+              <a:rPr lang="pl-PL" sz="1800" b="0" strike="noStrike" spc="-1">
+                <a:solidFill>
+                  <a:srgbClr val="000000"/>
+                </a:solidFill>
+                <a:latin typeface="Calibri"/>
+              </a:rPr>
+              <a:t>Zagrożenia</a:t>
+            </a:r>
+          </a:p>
+        </p:txBody>
+      </p:sp>
+      <p:sp>
+        <p:nvSpPr>
+          <p:cNvPr id="135" name="TextShape 2"/>
+          <p:cNvSpPr txBox="1"/>
+          <p:nvPr/>
+        </p:nvSpPr>
+        <p:spPr>
+          <a:xfrm>
+            <a:off x="420480" y="2171520"/>
+            <a:ext cx="5980320" cy="762120"/>
+          </a:xfrm>
+          <a:prstGeom prst="rect">
+            <a:avLst/>
+          </a:prstGeom>
+          <a:noFill/>
+          <a:ln>
+            <a:noFill/>
+          </a:ln>
+        </p:spPr>
+        <p:txBody>
+          <a:bodyPr lIns="0" tIns="0" rIns="0" bIns="0" anchor="ctr"/>
+          <a:lstStyle/>
+          <a:p>
+            <a:pPr algn="ctr"/>
+            <a:r>
+              <a:rPr lang="en-US" sz="3200" b="0" strike="noStrike" spc="-1">
+                <a:latin typeface="Arial"/>
+                <a:hlinkClick r:id="rId2"/>
+              </a:rPr>
+              <a:t>https://tools.ietf.org/html/rfc6819</a:t>
+            </a:r>
+            <a:endParaRPr lang="en-US" sz="3200" b="0" strike="noStrike" spc="-1">
+              <a:latin typeface="Arial"/>
+            </a:endParaRPr>
+          </a:p>
+          <a:p>
+            <a:pPr algn="ctr"/>
+            <a:endParaRPr lang="en-US" sz="3200" b="0" strike="noStrike" spc="-1">
+              <a:latin typeface="Arial"/>
+            </a:endParaRPr>
+          </a:p>
+        </p:txBody>
+      </p:sp>
+    </p:spTree>
+  </p:cSld>
+  <p:clrMapOvr>
+    <a:masterClrMapping/>
+  </p:clrMapOvr>
+  <p:timing>
+    <p:tnLst>
+      <p:par>
+        <p:cTn id="1" dur="indefinite" restart="never" nodeType="tmRoot">
+          <p:childTnLst>
+            <p:seq>
+              <p:cTn id="2" dur="indefinite" nodeType="mainSeq"/>
+              <p:prevCondLst>
+                <p:cond evt="onPrev" delay="0">
+                  <p:tgtEl>
+                    <p:sldTgt/>
+                  </p:tgtEl>
+                </p:cond>
+              </p:prevCondLst>
+              <p:nextCondLst>
+                <p:cond evt="onNext" delay="0">
+                  <p:tgtEl>
+                    <p:sldTgt/>
+                  </p:tgtEl>
+                </p:cond>
+              </p:nextCondLst>
+            </p:seq>
+          </p:childTnLst>
+        </p:cTn>
+      </p:par>
+    </p:tnLst>
+  </p:timing>
+</p:sld>
+</file>
+
+<file path=ppt/slides/slide14.xml><?xml version="1.0" encoding="utf-8"?>
+<p:sld xmlns:a="http://schemas.openxmlformats.org/drawingml/2006/main" xmlns:r="http://schemas.openxmlformats.org/officeDocument/2006/relationships" xmlns:p="http://schemas.openxmlformats.org/presentationml/2006/main">
+  <p:cSld>
+    <p:spTree>
+      <p:nvGrpSpPr>
+        <p:cNvPr id="1" name=""/>
+        <p:cNvGrpSpPr/>
+        <p:nvPr/>
+      </p:nvGrpSpPr>
+      <p:grpSpPr>
+        <a:xfrm>
+          <a:off x="0" y="0"/>
+          <a:ext cx="0" cy="0"/>
+          <a:chOff x="0" y="0"/>
+          <a:chExt cx="0" cy="0"/>
+        </a:xfrm>
+      </p:grpSpPr>
+      <p:sp>
+        <p:nvSpPr>
+          <p:cNvPr id="136" name="TextShape 1"/>
+          <p:cNvSpPr txBox="1"/>
+          <p:nvPr/>
+        </p:nvSpPr>
+        <p:spPr>
+          <a:xfrm>
+            <a:off x="1295640" y="3579840"/>
+            <a:ext cx="4320000" cy="463680"/>
+          </a:xfrm>
+          <a:prstGeom prst="rect">
+            <a:avLst/>
+          </a:prstGeom>
+          <a:noFill/>
+          <a:ln>
+            <a:noFill/>
+          </a:ln>
+        </p:spPr>
+        <p:txBody>
+          <a:bodyPr anchor="b">
+            <a:normAutofit/>
+          </a:bodyPr>
+          <a:lstStyle/>
+          <a:p>
+            <a:endParaRPr lang="pl-PL" sz="3200" b="0" strike="noStrike" spc="-1">
+              <a:solidFill>
+                <a:srgbClr val="000000"/>
+              </a:solidFill>
+              <a:latin typeface="Calibri"/>
+            </a:endParaRPr>
+          </a:p>
+        </p:txBody>
+      </p:sp>
+      <p:sp>
+        <p:nvSpPr>
+          <p:cNvPr id="137" name="TextShape 2"/>
+          <p:cNvSpPr txBox="1"/>
+          <p:nvPr/>
+        </p:nvSpPr>
+        <p:spPr>
+          <a:xfrm>
+            <a:off x="836640" y="2355840"/>
+            <a:ext cx="5184360" cy="1151640"/>
+          </a:xfrm>
+          <a:prstGeom prst="rect">
+            <a:avLst/>
+          </a:prstGeom>
+          <a:noFill/>
+          <a:ln>
+            <a:noFill/>
+          </a:ln>
+        </p:spPr>
+        <p:txBody>
+          <a:bodyPr anchor="ctr"/>
+          <a:lstStyle/>
+          <a:p>
+            <a:endParaRPr lang="pl-PL" sz="1800" b="0" strike="noStrike" spc="-1">
+              <a:solidFill>
+                <a:srgbClr val="000000"/>
+              </a:solidFill>
+              <a:latin typeface="Calibri"/>
+            </a:endParaRPr>
+          </a:p>
+        </p:txBody>
+      </p:sp>
+      <p:sp>
+        <p:nvSpPr>
+          <p:cNvPr id="138" name="TextShape 3"/>
+          <p:cNvSpPr txBox="1"/>
+          <p:nvPr/>
+        </p:nvSpPr>
+        <p:spPr>
+          <a:xfrm>
+            <a:off x="1278360" y="4155840"/>
+            <a:ext cx="4320000" cy="333720"/>
+          </a:xfrm>
+          <a:prstGeom prst="rect">
+            <a:avLst/>
+          </a:prstGeom>
+          <a:noFill/>
+          <a:ln>
+            <a:noFill/>
+          </a:ln>
+        </p:spPr>
+        <p:txBody>
+          <a:bodyPr anchor="b">
+            <a:normAutofit/>
+          </a:bodyPr>
+          <a:lstStyle/>
+          <a:p>
+            <a:endParaRPr lang="pl-PL" sz="3200" b="0" strike="noStrike" spc="-1">
+              <a:solidFill>
+                <a:srgbClr val="000000"/>
+              </a:solidFill>
+              <a:latin typeface="Calibri"/>
+            </a:endParaRPr>
+          </a:p>
+        </p:txBody>
+      </p:sp>
+    </p:spTree>
+  </p:cSld>
+  <p:clrMapOvr>
+    <a:masterClrMapping/>
+  </p:clrMapOvr>
+  <p:timing>
+    <p:tnLst>
+      <p:par>
+        <p:cTn id="1" dur="indefinite" restart="never" nodeType="tmRoot">
+          <p:childTnLst>
+            <p:seq>
+              <p:cTn id="2" dur="indefinite" nodeType="mainSeq"/>
+              <p:prevCondLst>
+                <p:cond evt="onPrev" delay="0">
+                  <p:tgtEl>
+                    <p:sldTgt/>
+                  </p:tgtEl>
+                </p:cond>
+              </p:prevCondLst>
+              <p:nextCondLst>
+                <p:cond evt="onNext" delay="0">
                   <p:tgtEl>
                     <p:sldTgt/>
                   </p:tgtEl>
@@ -5407,7 +7020,7 @@
 </file>
 
 <file path=ppt/slides/slide2.xml><?xml version="1.0" encoding="utf-8"?>
-<p:sld xmlns:a="http://schemas.openxmlformats.org/drawingml/2006/main" xmlns:p="http://schemas.openxmlformats.org/presentationml/2006/main" xmlns:r="http://schemas.openxmlformats.org/officeDocument/2006/relationships" xmlns:p14="http://schemas.microsoft.com/office/powerpoint/2010/main" xmlns:p15="http://schemas.microsoft.com/office/powerpoint/2012/main" xmlns:mc="http://schemas.openxmlformats.org/markup-compatibility/2006">
+<p:sld xmlns:a="http://schemas.openxmlformats.org/drawingml/2006/main" xmlns:r="http://schemas.openxmlformats.org/officeDocument/2006/relationships" xmlns:p="http://schemas.openxmlformats.org/presentationml/2006/main">
   <p:cSld>
     <p:spTree>
       <p:nvGrpSpPr>
@@ -5425,92 +7038,223 @@
       </p:grpSpPr>
       <p:sp>
         <p:nvSpPr>
-          <p:cNvPr id="120" name="TextShape 1"/>
-          <p:cNvSpPr txBox="1"/>
-          <p:nvPr/>
-        </p:nvSpPr>
-        <p:spPr>
-          <a:xfrm>
-            <a:off x="342720" y="205200"/>
-            <a:ext cx="6171840" cy="858600"/>
-          </a:xfrm>
-          <a:prstGeom prst="rect">
-            <a:avLst/>
-          </a:prstGeom>
-          <a:noFill/>
-          <a:ln>
-            <a:noFill/>
-          </a:ln>
-        </p:spPr>
-        <p:txBody>
-          <a:bodyPr lIns="0" rIns="0" tIns="0" bIns="0" anchor="ctr"/>
-          <a:p>
-            <a:endParaRPr b="0" lang="pl-PL" sz="1800" spc="-1" strike="noStrike">
-              <a:solidFill>
-                <a:srgbClr val="000000"/>
-              </a:solidFill>
-              <a:latin typeface="Calibri"/>
+          <p:cNvPr id="4" name="Podtytuł 2">
+            <a:extLst>
+              <a:ext uri="{FF2B5EF4-FFF2-40B4-BE49-F238E27FC236}">
+                <a16:creationId xmlns:a16="http://schemas.microsoft.com/office/drawing/2014/main" id="{4E08F13C-6BC9-454C-9E6E-7CF98A052C97}"/>
+              </a:ext>
+            </a:extLst>
+          </p:cNvPr>
+          <p:cNvSpPr>
+            <a:spLocks noGrp="1"/>
+          </p:cNvSpPr>
+          <p:nvPr>
+            <p:ph type="subTitle"/>
+          </p:nvPr>
+        </p:nvSpPr>
+        <p:spPr>
+          <a:xfrm>
+            <a:off x="81009" y="709086"/>
+            <a:ext cx="5184360" cy="4140934"/>
+          </a:xfrm>
+        </p:spPr>
+        <p:txBody>
+          <a:bodyPr>
+            <a:normAutofit/>
+          </a:bodyPr>
+          <a:lstStyle/>
+          <a:p>
+            <a:r>
+              <a:rPr lang="pl-PL" sz="1600" dirty="0">
+                <a:cs typeface="Arial"/>
+              </a:rPr>
+              <a:t>Podstawowe pojęcia.</a:t>
+            </a:r>
+            <a:endParaRPr lang="pl-PL">
+              <a:cs typeface="Arial"/>
+            </a:endParaRPr>
+          </a:p>
+          <a:p>
+            <a:r>
+              <a:rPr lang="pl-PL" sz="1600" dirty="0">
+                <a:cs typeface="Arial"/>
+              </a:rPr>
+              <a:t>Odrobina historii.</a:t>
+            </a:r>
+          </a:p>
+          <a:p>
+            <a:r>
+              <a:rPr lang="pl-PL" sz="1600" dirty="0">
+                <a:cs typeface="Arial"/>
+              </a:rPr>
+              <a:t>Kto z kim?</a:t>
+            </a:r>
+          </a:p>
+          <a:p>
+            <a:r>
+              <a:rPr lang="pl-PL" sz="1600" dirty="0">
+                <a:cs typeface="Arial"/>
+              </a:rPr>
+              <a:t>Oauth2</a:t>
+            </a:r>
+            <a:r>
+              <a:rPr lang="pl-PL" sz="1200" dirty="0">
+                <a:cs typeface="Arial"/>
+              </a:rPr>
+              <a:t>:</a:t>
+            </a:r>
+          </a:p>
+          <a:p>
+            <a:pPr lvl="1"/>
+            <a:r>
+              <a:rPr lang="pl-PL" sz="1200" dirty="0">
+                <a:cs typeface="Arial"/>
+              </a:rPr>
+              <a:t>Client </a:t>
+            </a:r>
+            <a:r>
+              <a:rPr lang="pl-PL" sz="1200" dirty="0" err="1">
+                <a:cs typeface="Arial"/>
+              </a:rPr>
+              <a:t>Credentials</a:t>
+            </a:r>
+          </a:p>
+          <a:p>
+            <a:pPr lvl="1"/>
+            <a:r>
+              <a:rPr lang="pl-PL" sz="1200" dirty="0" err="1">
+                <a:cs typeface="Arial"/>
+              </a:rPr>
+              <a:t>Implicit</a:t>
+            </a:r>
+          </a:p>
+          <a:p>
+            <a:pPr lvl="1"/>
+            <a:r>
+              <a:rPr lang="pl-PL" sz="1200" dirty="0" err="1">
+                <a:cs typeface="Arial"/>
+              </a:rPr>
+              <a:t>Auth</a:t>
+            </a:r>
+            <a:r>
+              <a:rPr lang="pl-PL" sz="1200" dirty="0">
+                <a:cs typeface="Arial"/>
+              </a:rPr>
+              <a:t> </a:t>
+            </a:r>
+            <a:r>
+              <a:rPr lang="pl-PL" sz="1200" dirty="0" err="1">
+                <a:cs typeface="Arial"/>
+              </a:rPr>
+              <a:t>Code</a:t>
+            </a:r>
+          </a:p>
+          <a:p>
+            <a:r>
+              <a:rPr lang="pl-PL" sz="1600" dirty="0" err="1">
+                <a:cs typeface="Arial"/>
+              </a:rPr>
+              <a:t>OpenId</a:t>
+            </a:r>
+            <a:r>
+              <a:rPr lang="pl-PL" sz="1600" dirty="0">
+                <a:cs typeface="Arial"/>
+              </a:rPr>
+              <a:t> Connect:</a:t>
+            </a:r>
+          </a:p>
+          <a:p>
+            <a:pPr lvl="1"/>
+            <a:r>
+              <a:rPr lang="pl-PL" sz="1200" dirty="0" err="1">
+                <a:cs typeface="Arial"/>
+              </a:rPr>
+              <a:t>Hybrid</a:t>
+            </a:r>
+          </a:p>
+          <a:p>
+            <a:r>
+              <a:rPr lang="pl-PL" sz="1600" dirty="0">
+                <a:cs typeface="Arial"/>
+              </a:rPr>
+              <a:t>Parę słów o zabawkach (</a:t>
+            </a:r>
+            <a:r>
+              <a:rPr lang="pl-PL" sz="1600" dirty="0" err="1">
+                <a:cs typeface="Arial"/>
+              </a:rPr>
+              <a:t>IdentityServer</a:t>
+            </a:r>
+            <a:r>
+              <a:rPr lang="pl-PL" sz="1600" dirty="0">
+                <a:cs typeface="Arial"/>
+              </a:rPr>
+              <a:t>)</a:t>
+            </a:r>
+          </a:p>
+          <a:p>
+            <a:pPr marL="1428750" lvl="2" indent="-514350">
+              <a:buAutoNum type="arabicPeriod"/>
+            </a:pPr>
+            <a:endParaRPr lang="pl-PL" sz="800" dirty="0">
+              <a:cs typeface="Arial"/>
+            </a:endParaRPr>
+          </a:p>
+          <a:p>
+            <a:pPr marL="0" indent="0">
+              <a:buNone/>
+            </a:pPr>
+            <a:endParaRPr lang="pl-PL" sz="1600" dirty="0">
+              <a:cs typeface="Arial"/>
             </a:endParaRPr>
           </a:p>
         </p:txBody>
       </p:sp>
       <p:pic>
         <p:nvPicPr>
-          <p:cNvPr id="121" name="" descr=""/>
-          <p:cNvPicPr/>
+          <p:cNvPr id="9" name="Obraz 9" descr="Obraz zawierający osoba&#10;&#10;Opis wygenerowany przy bardzo wysokim poziomie pewności">
+            <a:extLst>
+              <a:ext uri="{FF2B5EF4-FFF2-40B4-BE49-F238E27FC236}">
+                <a16:creationId xmlns:a16="http://schemas.microsoft.com/office/drawing/2014/main" id="{37CBC112-7BEC-4DBA-94C9-7F71A6C2B3C0}"/>
+              </a:ext>
+            </a:extLst>
+          </p:cNvPr>
+          <p:cNvPicPr>
+            <a:picLocks noChangeAspect="1"/>
+          </p:cNvPicPr>
           <p:nvPr/>
         </p:nvPicPr>
         <p:blipFill>
-          <a:blip r:embed="rId1"/>
-          <a:stretch/>
+          <a:blip r:embed="rId2"/>
+          <a:stretch>
+            <a:fillRect/>
+          </a:stretch>
         </p:blipFill>
         <p:spPr>
           <a:xfrm>
-            <a:off x="360" y="1150920"/>
-            <a:ext cx="6857640" cy="3992760"/>
-          </a:xfrm>
-          <a:prstGeom prst="rect">
-            <a:avLst/>
-          </a:prstGeom>
-          <a:ln>
-            <a:noFill/>
-          </a:ln>
+            <a:off x="3138746" y="808814"/>
+            <a:ext cx="3811478" cy="2853621"/>
+          </a:xfrm>
+          <a:prstGeom prst="rect">
+            <a:avLst/>
+          </a:prstGeom>
         </p:spPr>
       </p:pic>
     </p:spTree>
+    <p:extLst>
+      <p:ext uri="{BB962C8B-B14F-4D97-AF65-F5344CB8AC3E}">
+        <p14:creationId xmlns:p14="http://schemas.microsoft.com/office/powerpoint/2010/main" val="2233021043"/>
+      </p:ext>
+    </p:extLst>
   </p:cSld>
-  <p:timing>
-    <p:tnLst>
-      <p:par>
-        <p:cTn id="3" dur="indefinite" restart="never" nodeType="tmRoot">
-          <p:childTnLst>
-            <p:seq>
-              <p:cTn id="4" dur="indefinite" nodeType="mainSeq"/>
-              <p:prevCondLst>
-                <p:cond delay="0" evt="onPrev">
-                  <p:tgtEl>
-                    <p:sldTgt/>
-                  </p:tgtEl>
-                </p:cond>
-              </p:prevCondLst>
-              <p:nextCondLst>
-                <p:cond delay="0" evt="onNext">
-                  <p:tgtEl>
-                    <p:sldTgt/>
-                  </p:tgtEl>
-                </p:cond>
-              </p:nextCondLst>
-            </p:seq>
-          </p:childTnLst>
-        </p:cTn>
-      </p:par>
-    </p:tnLst>
-  </p:timing>
+  <p:clrMapOvr>
+    <a:masterClrMapping/>
+  </p:clrMapOvr>
 </p:sld>
 </file>
 
 <file path=ppt/slides/slide3.xml><?xml version="1.0" encoding="utf-8"?>
-<p:sld xmlns:a="http://schemas.openxmlformats.org/drawingml/2006/main" xmlns:p="http://schemas.openxmlformats.org/presentationml/2006/main" xmlns:r="http://schemas.openxmlformats.org/officeDocument/2006/relationships" xmlns:p14="http://schemas.microsoft.com/office/powerpoint/2010/main" xmlns:p15="http://schemas.microsoft.com/office/powerpoint/2012/main" xmlns:mc="http://schemas.openxmlformats.org/markup-compatibility/2006">
+<p:sld xmlns:a="http://schemas.openxmlformats.org/drawingml/2006/main" xmlns:r="http://schemas.openxmlformats.org/officeDocument/2006/relationships" xmlns:p="http://schemas.openxmlformats.org/presentationml/2006/main">
   <p:cSld>
     <p:spTree>
       <p:nvGrpSpPr>
@@ -5528,94 +7272,112 @@
       </p:grpSpPr>
       <p:sp>
         <p:nvSpPr>
-          <p:cNvPr id="122" name="TextShape 1"/>
-          <p:cNvSpPr txBox="1"/>
-          <p:nvPr/>
-        </p:nvSpPr>
-        <p:spPr>
-          <a:xfrm>
-            <a:off x="485640" y="555480"/>
-            <a:ext cx="5980320" cy="380160"/>
-          </a:xfrm>
-          <a:prstGeom prst="rect">
-            <a:avLst/>
-          </a:prstGeom>
-          <a:noFill/>
-          <a:ln>
-            <a:noFill/>
-          </a:ln>
-        </p:spPr>
-        <p:txBody>
-          <a:bodyPr anchor="b">
-            <a:normAutofit/>
-          </a:bodyPr>
-          <a:p>
-            <a:endParaRPr b="0" lang="pl-PL" sz="3200" spc="-1" strike="noStrike">
-              <a:solidFill>
-                <a:srgbClr val="000000"/>
-              </a:solidFill>
-              <a:latin typeface="Calibri"/>
+          <p:cNvPr id="3" name="Podtytuł 2">
+            <a:extLst>
+              <a:ext uri="{FF2B5EF4-FFF2-40B4-BE49-F238E27FC236}">
+                <a16:creationId xmlns:a16="http://schemas.microsoft.com/office/drawing/2014/main" id="{2BA80E37-2558-47A4-9432-44E93C3AEFE6}"/>
+              </a:ext>
+            </a:extLst>
+          </p:cNvPr>
+          <p:cNvSpPr>
+            <a:spLocks noGrp="1"/>
+          </p:cNvSpPr>
+          <p:nvPr>
+            <p:ph type="subTitle"/>
+          </p:nvPr>
+        </p:nvSpPr>
+        <p:spPr>
+          <a:xfrm>
+            <a:off x="169600" y="313031"/>
+            <a:ext cx="5184360" cy="4140934"/>
+          </a:xfrm>
+        </p:spPr>
+        <p:txBody>
+          <a:bodyPr/>
+          <a:lstStyle/>
+          <a:p>
+            <a:r>
+              <a:rPr lang="pl-PL">
+                <a:cs typeface="Arial"/>
+              </a:rPr>
+              <a:t>Authentication</a:t>
+            </a:r>
+          </a:p>
+          <a:p>
+            <a:endParaRPr lang="pl-PL" dirty="0">
+              <a:cs typeface="Arial"/>
+            </a:endParaRPr>
+          </a:p>
+          <a:p>
+            <a:r>
+              <a:rPr lang="pl-PL">
+                <a:cs typeface="Arial"/>
+              </a:rPr>
+              <a:t>Authorization</a:t>
+            </a:r>
+            <a:endParaRPr lang="pl-PL" dirty="0">
+              <a:cs typeface="Arial"/>
             </a:endParaRPr>
           </a:p>
         </p:txBody>
       </p:sp>
       <p:pic>
         <p:nvPicPr>
-          <p:cNvPr id="123" name="" descr=""/>
-          <p:cNvPicPr/>
+          <p:cNvPr id="4" name="Obraz 4" descr="Obraz zawierający osoba, ściana, wewnątrz, mężczyzna&#10;&#10;Opis wygenerowany przy bardzo wysokim poziomie pewności">
+            <a:extLst>
+              <a:ext uri="{FF2B5EF4-FFF2-40B4-BE49-F238E27FC236}">
+                <a16:creationId xmlns:a16="http://schemas.microsoft.com/office/drawing/2014/main" id="{91FF59D7-47E5-449F-AE32-933F7308506C}"/>
+              </a:ext>
+            </a:extLst>
+          </p:cNvPr>
+          <p:cNvPicPr>
+            <a:picLocks noChangeAspect="1"/>
+          </p:cNvPicPr>
           <p:nvPr/>
         </p:nvPicPr>
         <p:blipFill>
-          <a:blip r:embed="rId1"/>
-          <a:stretch/>
+          <a:blip r:embed="rId2"/>
+          <a:stretch>
+            <a:fillRect/>
+          </a:stretch>
         </p:blipFill>
         <p:spPr>
           <a:xfrm>
-            <a:off x="274320" y="1280160"/>
-            <a:ext cx="6126480" cy="3397680"/>
-          </a:xfrm>
-          <a:prstGeom prst="rect">
-            <a:avLst/>
-          </a:prstGeom>
-          <a:ln>
-            <a:noFill/>
-          </a:ln>
+            <a:off x="2958946" y="683427"/>
+            <a:ext cx="3634323" cy="3401434"/>
+          </a:xfrm>
+          <a:prstGeom prst="rect">
+            <a:avLst/>
+          </a:prstGeom>
         </p:spPr>
       </p:pic>
     </p:spTree>
+    <p:extLst>
+      <p:ext uri="{BB962C8B-B14F-4D97-AF65-F5344CB8AC3E}">
+        <p14:creationId xmlns:p14="http://schemas.microsoft.com/office/powerpoint/2010/main" val="1906036916"/>
+      </p:ext>
+    </p:extLst>
   </p:cSld>
-  <p:timing>
-    <p:tnLst>
-      <p:par>
-        <p:cTn id="5" dur="indefinite" restart="never" nodeType="tmRoot">
-          <p:childTnLst>
-            <p:seq>
-              <p:cTn id="6" dur="indefinite" nodeType="mainSeq"/>
-              <p:prevCondLst>
-                <p:cond delay="0" evt="onPrev">
-                  <p:tgtEl>
-                    <p:sldTgt/>
-                  </p:tgtEl>
-                </p:cond>
-              </p:prevCondLst>
-              <p:nextCondLst>
-                <p:cond delay="0" evt="onNext">
-                  <p:tgtEl>
-                    <p:sldTgt/>
-                  </p:tgtEl>
-                </p:cond>
-              </p:nextCondLst>
-            </p:seq>
-          </p:childTnLst>
-        </p:cTn>
-      </p:par>
-    </p:tnLst>
-  </p:timing>
+  <p:clrMapOvr>
+    <a:masterClrMapping/>
+  </p:clrMapOvr>
+  <mc:AlternateContent xmlns:mc="http://schemas.openxmlformats.org/markup-compatibility/2006" xmlns:p159="http://schemas.microsoft.com/office/powerpoint/2015/09/main">
+    <mc:Choice Requires="p159">
+      <p:transition xmlns:p14="http://schemas.microsoft.com/office/powerpoint/2010/main" spd="slow" p14:dur="2000">
+        <p159:morph option="byObject"/>
+      </p:transition>
+    </mc:Choice>
+    <mc:Fallback xmlns="">
+      <p:transition spd="slow">
+        <p:fade/>
+      </p:transition>
+    </mc:Fallback>
+  </mc:AlternateContent>
 </p:sld>
 </file>
 
 <file path=ppt/slides/slide4.xml><?xml version="1.0" encoding="utf-8"?>
-<p:sld xmlns:a="http://schemas.openxmlformats.org/drawingml/2006/main" xmlns:p="http://schemas.openxmlformats.org/presentationml/2006/main" xmlns:r="http://schemas.openxmlformats.org/officeDocument/2006/relationships" xmlns:p14="http://schemas.microsoft.com/office/powerpoint/2010/main" xmlns:p15="http://schemas.microsoft.com/office/powerpoint/2012/main" xmlns:mc="http://schemas.openxmlformats.org/markup-compatibility/2006">
+<p:sld xmlns:a="http://schemas.openxmlformats.org/drawingml/2006/main" xmlns:r="http://schemas.openxmlformats.org/officeDocument/2006/relationships" xmlns:p="http://schemas.openxmlformats.org/presentationml/2006/main">
   <p:cSld>
     <p:spTree>
       <p:nvGrpSpPr>
@@ -5633,92 +7395,101 @@
       </p:grpSpPr>
       <p:sp>
         <p:nvSpPr>
-          <p:cNvPr id="124" name="TextShape 1"/>
-          <p:cNvSpPr txBox="1"/>
-          <p:nvPr/>
-        </p:nvSpPr>
-        <p:spPr>
-          <a:xfrm>
-            <a:off x="342720" y="205200"/>
-            <a:ext cx="6171840" cy="858600"/>
-          </a:xfrm>
-          <a:prstGeom prst="rect">
-            <a:avLst/>
-          </a:prstGeom>
-          <a:noFill/>
-          <a:ln>
-            <a:noFill/>
-          </a:ln>
-        </p:spPr>
-        <p:txBody>
-          <a:bodyPr lIns="0" rIns="0" tIns="0" bIns="0" anchor="ctr"/>
-          <a:p>
-            <a:endParaRPr b="0" lang="pl-PL" sz="1800" spc="-1" strike="noStrike">
-              <a:solidFill>
-                <a:srgbClr val="000000"/>
-              </a:solidFill>
-              <a:latin typeface="Calibri"/>
+          <p:cNvPr id="4" name="Podtytuł 2">
+            <a:extLst>
+              <a:ext uri="{FF2B5EF4-FFF2-40B4-BE49-F238E27FC236}">
+                <a16:creationId xmlns:a16="http://schemas.microsoft.com/office/drawing/2014/main" id="{A93BE680-F972-4A4E-87DC-798E8A58FA1C}"/>
+              </a:ext>
+            </a:extLst>
+          </p:cNvPr>
+          <p:cNvSpPr>
+            <a:spLocks noGrp="1"/>
+          </p:cNvSpPr>
+          <p:nvPr>
+            <p:ph type="subTitle"/>
+          </p:nvPr>
+        </p:nvSpPr>
+        <p:spPr>
+          <a:xfrm>
+            <a:off x="169600" y="313031"/>
+            <a:ext cx="3230143" cy="4140934"/>
+          </a:xfrm>
+        </p:spPr>
+        <p:txBody>
+          <a:bodyPr/>
+          <a:lstStyle/>
+          <a:p>
+            <a:r>
+              <a:rPr lang="pl-PL">
+                <a:cs typeface="Arial"/>
+              </a:rPr>
+              <a:t>Authentication – Uwierzytelnianie</a:t>
+            </a:r>
+            <a:endParaRPr lang="pl-PL"/>
+          </a:p>
+          <a:p>
+            <a:endParaRPr lang="pl-PL" dirty="0">
+              <a:cs typeface="Arial"/>
+            </a:endParaRPr>
+          </a:p>
+          <a:p>
+            <a:r>
+              <a:rPr lang="pl-PL">
+                <a:cs typeface="Arial"/>
+              </a:rPr>
+              <a:t>Authorization - Autoryzacja</a:t>
+            </a:r>
+            <a:endParaRPr lang="pl-PL" dirty="0">
+              <a:cs typeface="Arial"/>
             </a:endParaRPr>
           </a:p>
         </p:txBody>
       </p:sp>
       <p:pic>
         <p:nvPicPr>
-          <p:cNvPr id="125" name="" descr=""/>
-          <p:cNvPicPr/>
+          <p:cNvPr id="5" name="Obraz 5" descr="Obraz zawierający osoba, mężczyzna, zewnętrzne, budynek&#10;&#10;Opis wygenerowany przy bardzo wysokim poziomie pewności">
+            <a:extLst>
+              <a:ext uri="{FF2B5EF4-FFF2-40B4-BE49-F238E27FC236}">
+                <a16:creationId xmlns:a16="http://schemas.microsoft.com/office/drawing/2014/main" id="{A20C986F-8145-4BC2-9E43-C3B8632F7442}"/>
+              </a:ext>
+            </a:extLst>
+          </p:cNvPr>
+          <p:cNvPicPr>
+            <a:picLocks noChangeAspect="1"/>
+          </p:cNvPicPr>
           <p:nvPr/>
         </p:nvPicPr>
         <p:blipFill>
-          <a:blip r:embed="rId1"/>
-          <a:stretch/>
+          <a:blip r:embed="rId2"/>
+          <a:stretch>
+            <a:fillRect/>
+          </a:stretch>
         </p:blipFill>
         <p:spPr>
           <a:xfrm>
-            <a:off x="55440" y="1737360"/>
-            <a:ext cx="6766200" cy="2311200"/>
-          </a:xfrm>
-          <a:prstGeom prst="rect">
-            <a:avLst/>
-          </a:prstGeom>
-          <a:ln>
-            <a:noFill/>
-          </a:ln>
+            <a:off x="3170045" y="511295"/>
+            <a:ext cx="3358040" cy="4193866"/>
+          </a:xfrm>
+          <a:prstGeom prst="rect">
+            <a:avLst/>
+          </a:prstGeom>
         </p:spPr>
       </p:pic>
     </p:spTree>
+    <p:extLst>
+      <p:ext uri="{BB962C8B-B14F-4D97-AF65-F5344CB8AC3E}">
+        <p14:creationId xmlns:p14="http://schemas.microsoft.com/office/powerpoint/2010/main" val="115391524"/>
+      </p:ext>
+    </p:extLst>
   </p:cSld>
-  <p:timing>
-    <p:tnLst>
-      <p:par>
-        <p:cTn id="7" dur="indefinite" restart="never" nodeType="tmRoot">
-          <p:childTnLst>
-            <p:seq>
-              <p:cTn id="8" dur="indefinite" nodeType="mainSeq"/>
-              <p:prevCondLst>
-                <p:cond delay="0" evt="onPrev">
-                  <p:tgtEl>
-                    <p:sldTgt/>
-                  </p:tgtEl>
-                </p:cond>
-              </p:prevCondLst>
-              <p:nextCondLst>
-                <p:cond delay="0" evt="onNext">
-                  <p:tgtEl>
-                    <p:sldTgt/>
-                  </p:tgtEl>
-                </p:cond>
-              </p:nextCondLst>
-            </p:seq>
-          </p:childTnLst>
-        </p:cTn>
-      </p:par>
-    </p:tnLst>
-  </p:timing>
+  <p:clrMapOvr>
+    <a:masterClrMapping/>
+  </p:clrMapOvr>
 </p:sld>
 </file>
 
 <file path=ppt/slides/slide5.xml><?xml version="1.0" encoding="utf-8"?>
-<p:sld xmlns:a="http://schemas.openxmlformats.org/drawingml/2006/main" xmlns:p="http://schemas.openxmlformats.org/presentationml/2006/main" xmlns:r="http://schemas.openxmlformats.org/officeDocument/2006/relationships" xmlns:p14="http://schemas.microsoft.com/office/powerpoint/2010/main" xmlns:p15="http://schemas.microsoft.com/office/powerpoint/2012/main" xmlns:mc="http://schemas.openxmlformats.org/markup-compatibility/2006">
+<p:sld xmlns:a="http://schemas.openxmlformats.org/drawingml/2006/main" xmlns:r="http://schemas.openxmlformats.org/officeDocument/2006/relationships" xmlns:p="http://schemas.openxmlformats.org/presentationml/2006/main">
   <p:cSld>
     <p:spTree>
       <p:nvGrpSpPr>
@@ -5736,7 +7507,7 @@
       </p:grpSpPr>
       <p:sp>
         <p:nvSpPr>
-          <p:cNvPr id="126" name="TextShape 1"/>
+          <p:cNvPr id="120" name="TextShape 1"/>
           <p:cNvSpPr txBox="1"/>
           <p:nvPr/>
         </p:nvSpPr>
@@ -5754,67 +7525,109 @@
           </a:ln>
         </p:spPr>
         <p:txBody>
-          <a:bodyPr lIns="0" rIns="0" tIns="0" bIns="0" anchor="ctr"/>
+          <a:bodyPr lIns="0" tIns="0" rIns="0" bIns="0" anchor="ctr"/>
+          <a:lstStyle/>
+          <a:p>
+            <a:endParaRPr lang="pl-PL" sz="1800" b="0" strike="noStrike" spc="-1">
+              <a:solidFill>
+                <a:srgbClr val="000000"/>
+              </a:solidFill>
+              <a:latin typeface="Calibri"/>
+            </a:endParaRPr>
+          </a:p>
+        </p:txBody>
+      </p:sp>
+      <p:pic>
+        <p:nvPicPr>
+          <p:cNvPr id="121" name="Obraz 120"/>
+          <p:cNvPicPr/>
+          <p:nvPr/>
+        </p:nvPicPr>
+        <p:blipFill>
+          <a:blip r:embed="rId2"/>
+          <a:stretch/>
+        </p:blipFill>
+        <p:spPr>
+          <a:xfrm>
+            <a:off x="360" y="1150920"/>
+            <a:ext cx="6857640" cy="3992760"/>
+          </a:xfrm>
+          <a:prstGeom prst="rect">
+            <a:avLst/>
+          </a:prstGeom>
+          <a:ln>
+            <a:noFill/>
+          </a:ln>
+        </p:spPr>
+      </p:pic>
+      <p:sp>
+        <p:nvSpPr>
+          <p:cNvPr id="2" name="TextShape 1">
+            <a:extLst>
+              <a:ext uri="{FF2B5EF4-FFF2-40B4-BE49-F238E27FC236}">
+                <a16:creationId xmlns:a16="http://schemas.microsoft.com/office/drawing/2014/main" id="{61661FC3-D428-4FE2-BC66-AFC4411E2ECD}"/>
+              </a:ext>
+            </a:extLst>
+          </p:cNvPr>
+          <p:cNvSpPr txBox="1"/>
+          <p:nvPr/>
+        </p:nvSpPr>
+        <p:spPr>
+          <a:xfrm>
+            <a:off x="448219" y="128305"/>
+            <a:ext cx="6171840" cy="858600"/>
+          </a:xfrm>
+          <a:prstGeom prst="rect">
+            <a:avLst/>
+          </a:prstGeom>
+          <a:noFill/>
+          <a:ln>
+            <a:noFill/>
+          </a:ln>
+        </p:spPr>
+        <p:txBody>
+          <a:bodyPr lIns="0" tIns="0" rIns="0" bIns="0" anchor="ctr"/>
+          <a:lstStyle/>
           <a:p>
             <a:r>
-              <a:rPr b="0" lang="pl-PL" sz="1800" spc="-1" strike="noStrike">
+              <a:rPr lang="pl-PL" spc="-1" dirty="0">
                 <a:solidFill>
                   <a:srgbClr val="000000"/>
                 </a:solidFill>
                 <a:latin typeface="Calibri"/>
               </a:rPr>
-              <a:t>Implicit flow</a:t>
+              <a:t>Jak to się robiło kiedyś?</a:t>
             </a:r>
-            <a:endParaRPr b="0" lang="pl-PL" sz="1800" spc="-1" strike="noStrike">
-              <a:solidFill>
-                <a:srgbClr val="000000"/>
-              </a:solidFill>
-              <a:latin typeface="Calibri"/>
-            </a:endParaRPr>
-          </a:p>
-        </p:txBody>
-      </p:sp>
-      <p:pic>
-        <p:nvPicPr>
-          <p:cNvPr id="127" name="" descr=""/>
-          <p:cNvPicPr/>
-          <p:nvPr/>
-        </p:nvPicPr>
-        <p:blipFill>
-          <a:blip r:embed="rId1"/>
-          <a:stretch/>
-        </p:blipFill>
-        <p:spPr>
-          <a:xfrm>
-            <a:off x="0" y="1413720"/>
-            <a:ext cx="6857640" cy="2975400"/>
-          </a:xfrm>
-          <a:prstGeom prst="rect">
-            <a:avLst/>
-          </a:prstGeom>
-          <a:ln>
-            <a:noFill/>
-          </a:ln>
-        </p:spPr>
-      </p:pic>
+            <a:endParaRPr lang="pl-PL" sz="1800" b="0" strike="noStrike" spc="-1" dirty="0">
+              <a:solidFill>
+                <a:srgbClr val="000000"/>
+              </a:solidFill>
+              <a:latin typeface="Calibri"/>
+            </a:endParaRPr>
+          </a:p>
+        </p:txBody>
+      </p:sp>
     </p:spTree>
   </p:cSld>
+  <p:clrMapOvr>
+    <a:masterClrMapping/>
+  </p:clrMapOvr>
   <p:timing>
     <p:tnLst>
       <p:par>
-        <p:cTn id="9" dur="indefinite" restart="never" nodeType="tmRoot">
+        <p:cTn id="1" dur="indefinite" restart="never" nodeType="tmRoot">
           <p:childTnLst>
             <p:seq>
-              <p:cTn id="10" dur="indefinite" nodeType="mainSeq"/>
+              <p:cTn id="2" dur="indefinite" nodeType="mainSeq"/>
               <p:prevCondLst>
-                <p:cond delay="0" evt="onPrev">
+                <p:cond evt="onPrev" delay="0">
                   <p:tgtEl>
                     <p:sldTgt/>
                   </p:tgtEl>
                 </p:cond>
               </p:prevCondLst>
               <p:nextCondLst>
-                <p:cond delay="0" evt="onNext">
+                <p:cond evt="onNext" delay="0">
                   <p:tgtEl>
                     <p:sldTgt/>
                   </p:tgtEl>
@@ -5830,7 +7643,7 @@
 </file>
 
 <file path=ppt/slides/slide6.xml><?xml version="1.0" encoding="utf-8"?>
-<p:sld xmlns:a="http://schemas.openxmlformats.org/drawingml/2006/main" xmlns:p="http://schemas.openxmlformats.org/presentationml/2006/main" xmlns:r="http://schemas.openxmlformats.org/officeDocument/2006/relationships" xmlns:p14="http://schemas.microsoft.com/office/powerpoint/2010/main" xmlns:p15="http://schemas.microsoft.com/office/powerpoint/2012/main" xmlns:mc="http://schemas.openxmlformats.org/markup-compatibility/2006">
+<p:sld xmlns:a="http://schemas.openxmlformats.org/drawingml/2006/main" xmlns:r="http://schemas.openxmlformats.org/officeDocument/2006/relationships" xmlns:p="http://schemas.openxmlformats.org/presentationml/2006/main">
   <p:cSld>
     <p:spTree>
       <p:nvGrpSpPr>
@@ -5848,98 +7661,114 @@
       </p:grpSpPr>
       <p:sp>
         <p:nvSpPr>
-          <p:cNvPr id="128" name="TextShape 1"/>
-          <p:cNvSpPr txBox="1"/>
+          <p:cNvPr id="6" name="Podtytuł 5">
+            <a:extLst>
+              <a:ext uri="{FF2B5EF4-FFF2-40B4-BE49-F238E27FC236}">
+                <a16:creationId xmlns:a16="http://schemas.microsoft.com/office/drawing/2014/main" id="{13A3B94F-A586-467B-BFAF-231538C4AF82}"/>
+              </a:ext>
+            </a:extLst>
+          </p:cNvPr>
+          <p:cNvSpPr>
+            <a:spLocks noGrp="1"/>
+          </p:cNvSpPr>
+          <p:nvPr>
+            <p:ph type="subTitle"/>
+          </p:nvPr>
+        </p:nvSpPr>
+        <p:spPr>
+          <a:xfrm>
+            <a:off x="148756" y="-1135696"/>
+            <a:ext cx="5184360" cy="5339520"/>
+          </a:xfrm>
+        </p:spPr>
+        <p:txBody>
+          <a:bodyPr/>
+          <a:lstStyle/>
+          <a:p>
+            <a:r>
+              <a:rPr lang="pl-PL" dirty="0">
+                <a:cs typeface="Arial"/>
+              </a:rPr>
+              <a:t>Użytkownik</a:t>
+            </a:r>
+          </a:p>
+          <a:p>
+            <a:r>
+              <a:rPr lang="pl-PL" dirty="0">
+                <a:cs typeface="Arial"/>
+              </a:rPr>
+              <a:t>Aplikacja kliencka</a:t>
+            </a:r>
+            <a:endParaRPr lang="pl-PL" dirty="0"/>
+          </a:p>
+          <a:p>
+            <a:r>
+              <a:rPr lang="pl-PL" dirty="0">
+                <a:cs typeface="Arial"/>
+              </a:rPr>
+              <a:t>Serwer autoryzacyjny (Identity)</a:t>
+            </a:r>
+          </a:p>
+          <a:p>
+            <a:r>
+              <a:rPr lang="pl-PL" dirty="0">
+                <a:cs typeface="Arial"/>
+              </a:rPr>
+              <a:t>Server z zasobami</a:t>
+            </a:r>
+          </a:p>
+          <a:p>
+            <a:endParaRPr lang="pl-PL" dirty="0">
+              <a:cs typeface="Arial"/>
+            </a:endParaRPr>
+          </a:p>
+        </p:txBody>
+      </p:sp>
+      <p:pic>
+        <p:nvPicPr>
+          <p:cNvPr id="9" name="Obraz 9">
+            <a:extLst>
+              <a:ext uri="{FF2B5EF4-FFF2-40B4-BE49-F238E27FC236}">
+                <a16:creationId xmlns:a16="http://schemas.microsoft.com/office/drawing/2014/main" id="{B06CF651-B990-47B0-99E9-B73E61988FAB}"/>
+              </a:ext>
+            </a:extLst>
+          </p:cNvPr>
+          <p:cNvPicPr>
+            <a:picLocks noChangeAspect="1"/>
+          </p:cNvPicPr>
           <p:nvPr/>
-        </p:nvSpPr>
-        <p:spPr>
-          <a:xfrm>
-            <a:off x="342720" y="205200"/>
-            <a:ext cx="6171840" cy="858600"/>
-          </a:xfrm>
-          <a:prstGeom prst="rect">
-            <a:avLst/>
-          </a:prstGeom>
-          <a:noFill/>
-          <a:ln>
-            <a:noFill/>
-          </a:ln>
-        </p:spPr>
-        <p:txBody>
-          <a:bodyPr lIns="0" rIns="0" tIns="0" bIns="0" anchor="ctr"/>
-          <a:p>
-            <a:endParaRPr b="0" lang="pl-PL" sz="1800" spc="-1" strike="noStrike">
-              <a:solidFill>
-                <a:srgbClr val="000000"/>
-              </a:solidFill>
-              <a:latin typeface="Calibri"/>
-            </a:endParaRPr>
-          </a:p>
-        </p:txBody>
-      </p:sp>
-      <p:sp>
-        <p:nvSpPr>
-          <p:cNvPr id="129" name="TextShape 2"/>
-          <p:cNvSpPr txBox="1"/>
-          <p:nvPr/>
-        </p:nvSpPr>
-        <p:spPr>
-          <a:xfrm>
-            <a:off x="365760" y="1447560"/>
-            <a:ext cx="6217920" cy="3490200"/>
-          </a:xfrm>
-          <a:prstGeom prst="rect">
-            <a:avLst/>
-          </a:prstGeom>
-          <a:noFill/>
-          <a:ln>
-            <a:noFill/>
-          </a:ln>
-        </p:spPr>
-        <p:txBody>
-          <a:bodyPr lIns="0" rIns="0" tIns="0" bIns="0" anchor="ctr"/>
-          <a:p>
-            <a:pPr algn="ctr"/>
-            <a:endParaRPr b="0" lang="en-US" sz="3200" spc="-1" strike="noStrike">
-              <a:latin typeface="Arial"/>
-            </a:endParaRPr>
-          </a:p>
-        </p:txBody>
-      </p:sp>
+        </p:nvPicPr>
+        <p:blipFill>
+          <a:blip r:embed="rId2"/>
+          <a:stretch>
+            <a:fillRect/>
+          </a:stretch>
+        </p:blipFill>
+        <p:spPr>
+          <a:xfrm>
+            <a:off x="2659589" y="2463472"/>
+            <a:ext cx="2935437" cy="2358378"/>
+          </a:xfrm>
+          <a:prstGeom prst="rect">
+            <a:avLst/>
+          </a:prstGeom>
+        </p:spPr>
+      </p:pic>
     </p:spTree>
+    <p:extLst>
+      <p:ext uri="{BB962C8B-B14F-4D97-AF65-F5344CB8AC3E}">
+        <p14:creationId xmlns:p14="http://schemas.microsoft.com/office/powerpoint/2010/main" val="750438443"/>
+      </p:ext>
+    </p:extLst>
   </p:cSld>
-  <p:timing>
-    <p:tnLst>
-      <p:par>
-        <p:cTn id="11" dur="indefinite" restart="never" nodeType="tmRoot">
-          <p:childTnLst>
-            <p:seq>
-              <p:cTn id="12" dur="indefinite" nodeType="mainSeq"/>
-              <p:prevCondLst>
-                <p:cond delay="0" evt="onPrev">
-                  <p:tgtEl>
-                    <p:sldTgt/>
-                  </p:tgtEl>
-                </p:cond>
-              </p:prevCondLst>
-              <p:nextCondLst>
-                <p:cond delay="0" evt="onNext">
-                  <p:tgtEl>
-                    <p:sldTgt/>
-                  </p:tgtEl>
-                </p:cond>
-              </p:nextCondLst>
-            </p:seq>
-          </p:childTnLst>
-        </p:cTn>
-      </p:par>
-    </p:tnLst>
-  </p:timing>
+  <p:clrMapOvr>
+    <a:masterClrMapping/>
+  </p:clrMapOvr>
 </p:sld>
 </file>
 
 <file path=ppt/slides/slide7.xml><?xml version="1.0" encoding="utf-8"?>
-<p:sld xmlns:a="http://schemas.openxmlformats.org/drawingml/2006/main" xmlns:p="http://schemas.openxmlformats.org/presentationml/2006/main" xmlns:r="http://schemas.openxmlformats.org/officeDocument/2006/relationships" xmlns:p14="http://schemas.microsoft.com/office/powerpoint/2010/main" xmlns:p15="http://schemas.microsoft.com/office/powerpoint/2012/main" xmlns:mc="http://schemas.openxmlformats.org/markup-compatibility/2006">
+<p:sld xmlns:a="http://schemas.openxmlformats.org/drawingml/2006/main" xmlns:r="http://schemas.openxmlformats.org/officeDocument/2006/relationships" xmlns:p="http://schemas.openxmlformats.org/presentationml/2006/main">
   <p:cSld>
     <p:spTree>
       <p:nvGrpSpPr>
@@ -5957,14 +7786,14 @@
       </p:grpSpPr>
       <p:sp>
         <p:nvSpPr>
-          <p:cNvPr id="130" name="TextShape 1"/>
+          <p:cNvPr id="122" name="TextShape 1"/>
           <p:cNvSpPr txBox="1"/>
           <p:nvPr/>
         </p:nvSpPr>
         <p:spPr>
           <a:xfrm>
-            <a:off x="342720" y="205200"/>
-            <a:ext cx="6171840" cy="858600"/>
+            <a:off x="485640" y="555480"/>
+            <a:ext cx="5980320" cy="380160"/>
           </a:xfrm>
           <a:prstGeom prst="rect">
             <a:avLst/>
@@ -5975,67 +7804,116 @@
           </a:ln>
         </p:spPr>
         <p:txBody>
-          <a:bodyPr lIns="0" rIns="0" tIns="0" bIns="0" anchor="ctr"/>
+          <a:bodyPr anchor="b">
+            <a:normAutofit/>
+          </a:bodyPr>
+          <a:lstStyle/>
+          <a:p>
+            <a:endParaRPr lang="pl-PL" sz="3200" b="0" strike="noStrike" spc="-1">
+              <a:solidFill>
+                <a:srgbClr val="000000"/>
+              </a:solidFill>
+              <a:latin typeface="Calibri"/>
+            </a:endParaRPr>
+          </a:p>
+        </p:txBody>
+      </p:sp>
+      <p:pic>
+        <p:nvPicPr>
+          <p:cNvPr id="123" name="Obraz 122"/>
+          <p:cNvPicPr/>
+          <p:nvPr/>
+        </p:nvPicPr>
+        <p:blipFill>
+          <a:blip r:embed="rId2"/>
+          <a:stretch/>
+        </p:blipFill>
+        <p:spPr>
+          <a:xfrm>
+            <a:off x="274320" y="1280160"/>
+            <a:ext cx="6126480" cy="3397680"/>
+          </a:xfrm>
+          <a:prstGeom prst="rect">
+            <a:avLst/>
+          </a:prstGeom>
+          <a:ln>
+            <a:noFill/>
+          </a:ln>
+        </p:spPr>
+      </p:pic>
+      <p:sp>
+        <p:nvSpPr>
+          <p:cNvPr id="2" name="TextShape 1">
+            <a:extLst>
+              <a:ext uri="{FF2B5EF4-FFF2-40B4-BE49-F238E27FC236}">
+                <a16:creationId xmlns:a16="http://schemas.microsoft.com/office/drawing/2014/main" id="{E7F490B5-5B9A-4D2A-A8F5-F878E5A3939C}"/>
+              </a:ext>
+            </a:extLst>
+          </p:cNvPr>
+          <p:cNvSpPr txBox="1"/>
+          <p:nvPr/>
+        </p:nvSpPr>
+        <p:spPr>
+          <a:xfrm>
+            <a:off x="448219" y="128305"/>
+            <a:ext cx="6171840" cy="858600"/>
+          </a:xfrm>
+          <a:prstGeom prst="rect">
+            <a:avLst/>
+          </a:prstGeom>
+          <a:noFill/>
+          <a:ln>
+            <a:noFill/>
+          </a:ln>
+        </p:spPr>
+        <p:txBody>
+          <a:bodyPr lIns="0" tIns="0" rIns="0" bIns="0" anchor="ctr"/>
+          <a:lstStyle/>
           <a:p>
             <a:r>
-              <a:rPr b="0" lang="pl-PL" sz="1800" spc="-1" strike="noStrike">
+              <a:rPr lang="pl-PL" spc="-1">
                 <a:solidFill>
                   <a:srgbClr val="000000"/>
                 </a:solidFill>
                 <a:latin typeface="Calibri"/>
               </a:rPr>
-              <a:t>Auth code flow</a:t>
+              <a:t>Podstawą</a:t>
             </a:r>
-            <a:endParaRPr b="0" lang="pl-PL" sz="1800" spc="-1" strike="noStrike">
-              <a:solidFill>
-                <a:srgbClr val="000000"/>
-              </a:solidFill>
-              <a:latin typeface="Calibri"/>
-            </a:endParaRPr>
-          </a:p>
-        </p:txBody>
-      </p:sp>
-      <p:pic>
-        <p:nvPicPr>
-          <p:cNvPr id="131" name="" descr=""/>
-          <p:cNvPicPr/>
-          <p:nvPr/>
-        </p:nvPicPr>
-        <p:blipFill>
-          <a:blip r:embed="rId1"/>
-          <a:stretch/>
-        </p:blipFill>
-        <p:spPr>
-          <a:xfrm>
-            <a:off x="360" y="1426680"/>
-            <a:ext cx="6857640" cy="3328200"/>
-          </a:xfrm>
-          <a:prstGeom prst="rect">
-            <a:avLst/>
-          </a:prstGeom>
-          <a:ln>
-            <a:noFill/>
-          </a:ln>
-        </p:spPr>
-      </p:pic>
+            <a:r>
+              <a:rPr lang="pl-PL" spc="-1">
+                <a:solidFill>
+                  <a:srgbClr val="000000"/>
+                </a:solidFill>
+                <a:latin typeface="Calibri"/>
+                <a:cs typeface="Calibri"/>
+              </a:rPr>
+              <a:t> każdego związku jest zaufanie</a:t>
+            </a:r>
+            <a:endParaRPr lang="pl-PL"/>
+          </a:p>
+        </p:txBody>
+      </p:sp>
     </p:spTree>
   </p:cSld>
+  <p:clrMapOvr>
+    <a:masterClrMapping/>
+  </p:clrMapOvr>
   <p:timing>
     <p:tnLst>
       <p:par>
-        <p:cTn id="13" dur="indefinite" restart="never" nodeType="tmRoot">
+        <p:cTn id="1" dur="indefinite" restart="never" nodeType="tmRoot">
           <p:childTnLst>
             <p:seq>
-              <p:cTn id="14" dur="indefinite" nodeType="mainSeq"/>
+              <p:cTn id="2" dur="indefinite" nodeType="mainSeq"/>
               <p:prevCondLst>
-                <p:cond delay="0" evt="onPrev">
+                <p:cond evt="onPrev" delay="0">
                   <p:tgtEl>
                     <p:sldTgt/>
                   </p:tgtEl>
                 </p:cond>
               </p:prevCondLst>
               <p:nextCondLst>
-                <p:cond delay="0" evt="onNext">
+                <p:cond evt="onNext" delay="0">
                   <p:tgtEl>
                     <p:sldTgt/>
                   </p:tgtEl>
@@ -6051,7 +7929,7 @@
 </file>
 
 <file path=ppt/slides/slide8.xml><?xml version="1.0" encoding="utf-8"?>
-<p:sld xmlns:a="http://schemas.openxmlformats.org/drawingml/2006/main" xmlns:p="http://schemas.openxmlformats.org/presentationml/2006/main" xmlns:r="http://schemas.openxmlformats.org/officeDocument/2006/relationships" xmlns:p14="http://schemas.microsoft.com/office/powerpoint/2010/main" xmlns:p15="http://schemas.microsoft.com/office/powerpoint/2012/main" xmlns:mc="http://schemas.openxmlformats.org/markup-compatibility/2006">
+<p:sld xmlns:a="http://schemas.openxmlformats.org/drawingml/2006/main" xmlns:r="http://schemas.openxmlformats.org/officeDocument/2006/relationships" xmlns:p="http://schemas.openxmlformats.org/presentationml/2006/main">
   <p:cSld>
     <p:spTree>
       <p:nvGrpSpPr>
@@ -6069,7 +7947,7 @@
       </p:grpSpPr>
       <p:sp>
         <p:nvSpPr>
-          <p:cNvPr id="132" name="TextShape 1"/>
+          <p:cNvPr id="124" name="TextShape 1"/>
           <p:cNvSpPr txBox="1"/>
           <p:nvPr/>
         </p:nvSpPr>
@@ -6087,27 +7965,57 @@
           </a:ln>
         </p:spPr>
         <p:txBody>
-          <a:bodyPr lIns="0" rIns="0" tIns="0" bIns="0" anchor="ctr"/>
-          <a:p>
-            <a:endParaRPr b="0" lang="pl-PL" sz="1800" spc="-1" strike="noStrike">
-              <a:solidFill>
-                <a:srgbClr val="000000"/>
-              </a:solidFill>
-              <a:latin typeface="Calibri"/>
-            </a:endParaRPr>
-          </a:p>
-        </p:txBody>
-      </p:sp>
-      <p:sp>
-        <p:nvSpPr>
-          <p:cNvPr id="133" name="TextShape 2"/>
+          <a:bodyPr lIns="0" tIns="0" rIns="0" bIns="0" anchor="ctr"/>
+          <a:lstStyle/>
+          <a:p>
+            <a:endParaRPr lang="pl-PL" sz="1800" b="0" strike="noStrike" spc="-1">
+              <a:solidFill>
+                <a:srgbClr val="000000"/>
+              </a:solidFill>
+              <a:latin typeface="Calibri"/>
+            </a:endParaRPr>
+          </a:p>
+        </p:txBody>
+      </p:sp>
+      <p:pic>
+        <p:nvPicPr>
+          <p:cNvPr id="125" name="Obraz 124"/>
+          <p:cNvPicPr/>
+          <p:nvPr/>
+        </p:nvPicPr>
+        <p:blipFill>
+          <a:blip r:embed="rId2"/>
+          <a:stretch/>
+        </p:blipFill>
+        <p:spPr>
+          <a:xfrm>
+            <a:off x="55440" y="1737360"/>
+            <a:ext cx="6766200" cy="2311200"/>
+          </a:xfrm>
+          <a:prstGeom prst="rect">
+            <a:avLst/>
+          </a:prstGeom>
+          <a:ln>
+            <a:noFill/>
+          </a:ln>
+        </p:spPr>
+      </p:pic>
+      <p:sp>
+        <p:nvSpPr>
+          <p:cNvPr id="2" name="TextShape 1">
+            <a:extLst>
+              <a:ext uri="{FF2B5EF4-FFF2-40B4-BE49-F238E27FC236}">
+                <a16:creationId xmlns:a16="http://schemas.microsoft.com/office/drawing/2014/main" id="{858AD872-AD24-4998-9B73-2A47E90CE459}"/>
+              </a:ext>
+            </a:extLst>
+          </p:cNvPr>
           <p:cNvSpPr txBox="1"/>
           <p:nvPr/>
         </p:nvSpPr>
         <p:spPr>
           <a:xfrm>
-            <a:off x="373680" y="1448640"/>
-            <a:ext cx="6118560" cy="3397680"/>
+            <a:off x="448219" y="128305"/>
+            <a:ext cx="6171840" cy="858600"/>
           </a:xfrm>
           <a:prstGeom prst="rect">
             <a:avLst/>
@@ -6118,85 +8026,43 @@
           </a:ln>
         </p:spPr>
         <p:txBody>
-          <a:bodyPr lIns="0" rIns="0" tIns="0" bIns="0">
-            <a:normAutofit/>
-          </a:bodyPr>
-          <a:p>
-            <a:pPr marL="432000" indent="-324000">
-              <a:spcBef>
-                <a:spcPts val="1417"/>
-              </a:spcBef>
-              <a:buClr>
-                <a:srgbClr val="000000"/>
-              </a:buClr>
-              <a:buSzPct val="45000"/>
-              <a:buFont typeface="Wingdings" charset="2"/>
-              <a:buChar char=""/>
-            </a:pPr>
+          <a:bodyPr lIns="0" tIns="0" rIns="0" bIns="0" anchor="ctr"/>
+          <a:lstStyle/>
+          <a:p>
             <a:r>
-              <a:rPr b="0" lang="pl-PL" sz="3200" spc="-1" strike="noStrike">
+              <a:rPr lang="pl-PL" spc="-1">
                 <a:solidFill>
                   <a:srgbClr val="000000"/>
                 </a:solidFill>
                 <a:latin typeface="Calibri"/>
               </a:rPr>
-              <a:t>client_secret i token niewidoczne dla użytkownika</a:t>
+              <a:t>Client Credentials flow</a:t>
             </a:r>
-            <a:endParaRPr b="0" lang="pl-PL" sz="3200" spc="-1" strike="noStrike">
-              <a:solidFill>
-                <a:srgbClr val="000000"/>
-              </a:solidFill>
-              <a:latin typeface="Calibri"/>
-            </a:endParaRPr>
-          </a:p>
-          <a:p>
-            <a:pPr marL="432000" indent="-324000">
-              <a:spcBef>
-                <a:spcPts val="1417"/>
-              </a:spcBef>
-              <a:buClr>
-                <a:srgbClr val="000000"/>
-              </a:buClr>
-              <a:buSzPct val="45000"/>
-              <a:buFont typeface="Wingdings" charset="2"/>
-              <a:buChar char=""/>
-            </a:pPr>
-            <a:r>
-              <a:rPr b="0" lang="pl-PL" sz="3200" spc="-1" strike="noStrike">
-                <a:solidFill>
-                  <a:srgbClr val="000000"/>
-                </a:solidFill>
-                <a:latin typeface="Calibri"/>
-              </a:rPr>
-              <a:t>Zapobiega różnym atakom (wynikającym ze złej implementacji) (confused deputy problem)</a:t>
-            </a:r>
-            <a:endParaRPr b="0" lang="pl-PL" sz="3200" spc="-1" strike="noStrike">
-              <a:solidFill>
-                <a:srgbClr val="000000"/>
-              </a:solidFill>
-              <a:latin typeface="Calibri"/>
-            </a:endParaRPr>
+            <a:endParaRPr lang="pl-PL"/>
           </a:p>
         </p:txBody>
       </p:sp>
     </p:spTree>
   </p:cSld>
+  <p:clrMapOvr>
+    <a:masterClrMapping/>
+  </p:clrMapOvr>
   <p:timing>
     <p:tnLst>
       <p:par>
-        <p:cTn id="15" dur="indefinite" restart="never" nodeType="tmRoot">
+        <p:cTn id="1" dur="indefinite" restart="never" nodeType="tmRoot">
           <p:childTnLst>
             <p:seq>
-              <p:cTn id="16" dur="indefinite" nodeType="mainSeq"/>
+              <p:cTn id="2" dur="indefinite" nodeType="mainSeq"/>
               <p:prevCondLst>
-                <p:cond delay="0" evt="onPrev">
+                <p:cond evt="onPrev" delay="0">
                   <p:tgtEl>
                     <p:sldTgt/>
                   </p:tgtEl>
                 </p:cond>
               </p:prevCondLst>
               <p:nextCondLst>
-                <p:cond delay="0" evt="onNext">
+                <p:cond evt="onNext" delay="0">
                   <p:tgtEl>
                     <p:sldTgt/>
                   </p:tgtEl>
@@ -6212,7 +8078,7 @@
 </file>
 
 <file path=ppt/slides/slide9.xml><?xml version="1.0" encoding="utf-8"?>
-<p:sld xmlns:a="http://schemas.openxmlformats.org/drawingml/2006/main" xmlns:p="http://schemas.openxmlformats.org/presentationml/2006/main" xmlns:r="http://schemas.openxmlformats.org/officeDocument/2006/relationships" xmlns:p14="http://schemas.microsoft.com/office/powerpoint/2010/main" xmlns:p15="http://schemas.microsoft.com/office/powerpoint/2012/main" xmlns:mc="http://schemas.openxmlformats.org/markup-compatibility/2006">
+<p:sld xmlns:a="http://schemas.openxmlformats.org/drawingml/2006/main" xmlns:r="http://schemas.openxmlformats.org/officeDocument/2006/relationships" xmlns:p="http://schemas.openxmlformats.org/presentationml/2006/main">
   <p:cSld>
     <p:spTree>
       <p:nvGrpSpPr>
@@ -6230,7 +8096,7 @@
       </p:grpSpPr>
       <p:sp>
         <p:nvSpPr>
-          <p:cNvPr id="134" name="TextShape 1"/>
+          <p:cNvPr id="126" name="TextShape 1"/>
           <p:cNvSpPr txBox="1"/>
           <p:nvPr/>
         </p:nvSpPr>
@@ -6248,86 +8114,65 @@
           </a:ln>
         </p:spPr>
         <p:txBody>
-          <a:bodyPr lIns="0" rIns="0" tIns="0" bIns="0" anchor="ctr"/>
+          <a:bodyPr lIns="0" tIns="0" rIns="0" bIns="0" anchor="ctr"/>
+          <a:lstStyle/>
           <a:p>
             <a:r>
-              <a:rPr b="0" lang="pl-PL" sz="1800" spc="-1" strike="noStrike">
+              <a:rPr lang="pl-PL" sz="1800" b="0" strike="noStrike" spc="-1">
                 <a:solidFill>
                   <a:srgbClr val="000000"/>
                 </a:solidFill>
                 <a:latin typeface="Calibri"/>
               </a:rPr>
-              <a:t>Zagrożenia</a:t>
+              <a:t>Implicit flow</a:t>
             </a:r>
-            <a:endParaRPr b="0" lang="pl-PL" sz="1800" spc="-1" strike="noStrike">
-              <a:solidFill>
-                <a:srgbClr val="000000"/>
-              </a:solidFill>
-              <a:latin typeface="Calibri"/>
-            </a:endParaRPr>
-          </a:p>
-        </p:txBody>
-      </p:sp>
-      <p:sp>
-        <p:nvSpPr>
-          <p:cNvPr id="135" name="TextShape 2"/>
-          <p:cNvSpPr txBox="1"/>
+          </a:p>
+        </p:txBody>
+      </p:sp>
+      <p:pic>
+        <p:nvPicPr>
+          <p:cNvPr id="127" name="Obraz 126"/>
+          <p:cNvPicPr/>
           <p:nvPr/>
-        </p:nvSpPr>
-        <p:spPr>
-          <a:xfrm>
-            <a:off x="420480" y="2171520"/>
-            <a:ext cx="5980320" cy="762120"/>
-          </a:xfrm>
-          <a:prstGeom prst="rect">
-            <a:avLst/>
-          </a:prstGeom>
-          <a:noFill/>
+        </p:nvPicPr>
+        <p:blipFill>
+          <a:blip r:embed="rId2"/>
+          <a:stretch/>
+        </p:blipFill>
+        <p:spPr>
+          <a:xfrm>
+            <a:off x="0" y="1413720"/>
+            <a:ext cx="6857640" cy="2975400"/>
+          </a:xfrm>
+          <a:prstGeom prst="rect">
+            <a:avLst/>
+          </a:prstGeom>
           <a:ln>
             <a:noFill/>
           </a:ln>
         </p:spPr>
-        <p:txBody>
-          <a:bodyPr lIns="0" rIns="0" tIns="0" bIns="0" anchor="ctr"/>
-          <a:p>
-            <a:pPr algn="ctr"/>
-            <a:r>
-              <a:rPr b="0" lang="en-US" sz="3200" spc="-1" strike="noStrike">
-                <a:latin typeface="Arial"/>
-                <a:hlinkClick r:id="rId1"/>
-              </a:rPr>
-              <a:t>https://tools.ietf.org/html/rfc6819</a:t>
-            </a:r>
-            <a:endParaRPr b="0" lang="en-US" sz="3200" spc="-1" strike="noStrike">
-              <a:latin typeface="Arial"/>
-            </a:endParaRPr>
-          </a:p>
-          <a:p>
-            <a:pPr algn="ctr"/>
-            <a:endParaRPr b="0" lang="en-US" sz="3200" spc="-1" strike="noStrike">
-              <a:latin typeface="Arial"/>
-            </a:endParaRPr>
-          </a:p>
-        </p:txBody>
-      </p:sp>
+      </p:pic>
     </p:spTree>
   </p:cSld>
+  <p:clrMapOvr>
+    <a:masterClrMapping/>
+  </p:clrMapOvr>
   <p:timing>
     <p:tnLst>
       <p:par>
-        <p:cTn id="17" dur="indefinite" restart="never" nodeType="tmRoot">
+        <p:cTn id="1" dur="indefinite" restart="never" nodeType="tmRoot">
           <p:childTnLst>
             <p:seq>
-              <p:cTn id="18" dur="indefinite" nodeType="mainSeq"/>
+              <p:cTn id="2" dur="indefinite" nodeType="mainSeq"/>
               <p:prevCondLst>
-                <p:cond delay="0" evt="onPrev">
+                <p:cond evt="onPrev" delay="0">
                   <p:tgtEl>
                     <p:sldTgt/>
                   </p:tgtEl>
                 </p:cond>
               </p:prevCondLst>
               <p:nextCondLst>
-                <p:cond delay="0" evt="onNext">
+                <p:cond evt="onNext" delay="0">
                   <p:tgtEl>
                     <p:sldTgt/>
                   </p:tgtEl>
@@ -6353,31 +8198,31 @@
         <a:sysClr val="window" lastClr="FFFFFF"/>
       </a:lt1>
       <a:dk2>
-        <a:srgbClr val="1f497d"/>
+        <a:srgbClr val="1F497D"/>
       </a:dk2>
       <a:lt2>
-        <a:srgbClr val="eeece1"/>
+        <a:srgbClr val="EEECE1"/>
       </a:lt2>
       <a:accent1>
-        <a:srgbClr val="4f81bd"/>
+        <a:srgbClr val="4F81BD"/>
       </a:accent1>
       <a:accent2>
-        <a:srgbClr val="c0504d"/>
+        <a:srgbClr val="C0504D"/>
       </a:accent2>
       <a:accent3>
-        <a:srgbClr val="9bbb59"/>
+        <a:srgbClr val="9BBB59"/>
       </a:accent3>
       <a:accent4>
-        <a:srgbClr val="8064a2"/>
+        <a:srgbClr val="8064A2"/>
       </a:accent4>
       <a:accent5>
-        <a:srgbClr val="4bacc6"/>
+        <a:srgbClr val="4BACC6"/>
       </a:accent5>
       <a:accent6>
-        <a:srgbClr val="f79646"/>
+        <a:srgbClr val="F79646"/>
       </a:accent6>
       <a:hlink>
-        <a:srgbClr val="0000ff"/>
+        <a:srgbClr val="0000FF"/>
       </a:hlink>
       <a:folHlink>
         <a:srgbClr val="800080"/>
@@ -6562,6 +8407,8 @@
       </a:bgFillStyleLst>
     </a:fmtScheme>
   </a:themeElements>
+  <a:objectDefaults/>
+  <a:extraClrSchemeLst/>
 </a:theme>
 </file>
 
@@ -6576,31 +8423,31 @@
         <a:sysClr val="window" lastClr="FFFFFF"/>
       </a:lt1>
       <a:dk2>
-        <a:srgbClr val="1f497d"/>
+        <a:srgbClr val="1F497D"/>
       </a:dk2>
       <a:lt2>
-        <a:srgbClr val="eeece1"/>
+        <a:srgbClr val="EEECE1"/>
       </a:lt2>
       <a:accent1>
-        <a:srgbClr val="4f81bd"/>
+        <a:srgbClr val="4F81BD"/>
       </a:accent1>
       <a:accent2>
-        <a:srgbClr val="c0504d"/>
+        <a:srgbClr val="C0504D"/>
       </a:accent2>
       <a:accent3>
-        <a:srgbClr val="9bbb59"/>
+        <a:srgbClr val="9BBB59"/>
       </a:accent3>
       <a:accent4>
-        <a:srgbClr val="8064a2"/>
+        <a:srgbClr val="8064A2"/>
       </a:accent4>
       <a:accent5>
-        <a:srgbClr val="4bacc6"/>
+        <a:srgbClr val="4BACC6"/>
       </a:accent5>
       <a:accent6>
-        <a:srgbClr val="f79646"/>
+        <a:srgbClr val="F79646"/>
       </a:accent6>
       <a:hlink>
-        <a:srgbClr val="0000ff"/>
+        <a:srgbClr val="0000FF"/>
       </a:hlink>
       <a:folHlink>
         <a:srgbClr val="800080"/>
@@ -6785,6 +8632,8 @@
       </a:bgFillStyleLst>
     </a:fmtScheme>
   </a:themeElements>
+  <a:objectDefaults/>
+  <a:extraClrSchemeLst/>
 </a:theme>
 </file>
 
@@ -6799,31 +8648,31 @@
         <a:sysClr val="window" lastClr="FFFFFF"/>
       </a:lt1>
       <a:dk2>
-        <a:srgbClr val="1f497d"/>
+        <a:srgbClr val="1F497D"/>
       </a:dk2>
       <a:lt2>
-        <a:srgbClr val="eeece1"/>
+        <a:srgbClr val="EEECE1"/>
       </a:lt2>
       <a:accent1>
-        <a:srgbClr val="4f81bd"/>
+        <a:srgbClr val="4F81BD"/>
       </a:accent1>
       <a:accent2>
-        <a:srgbClr val="c0504d"/>
+        <a:srgbClr val="C0504D"/>
       </a:accent2>
       <a:accent3>
-        <a:srgbClr val="9bbb59"/>
+        <a:srgbClr val="9BBB59"/>
       </a:accent3>
       <a:accent4>
-        <a:srgbClr val="8064a2"/>
+        <a:srgbClr val="8064A2"/>
       </a:accent4>
       <a:accent5>
-        <a:srgbClr val="4bacc6"/>
+        <a:srgbClr val="4BACC6"/>
       </a:accent5>
       <a:accent6>
-        <a:srgbClr val="f79646"/>
+        <a:srgbClr val="F79646"/>
       </a:accent6>
       <a:hlink>
-        <a:srgbClr val="0000ff"/>
+        <a:srgbClr val="0000FF"/>
       </a:hlink>
       <a:folHlink>
         <a:srgbClr val="800080"/>
@@ -7008,5 +8857,7 @@
       </a:bgFillStyleLst>
     </a:fmtScheme>
   </a:themeElements>
+  <a:objectDefaults/>
+  <a:extraClrSchemeLst/>
 </a:theme>
 </file>